--- a/Lending_Club_Case_Study.pptx
+++ b/Lending_Club_Case_Study.pptx
@@ -28,10 +28,13 @@
     <p:sldId id="274" r:id="rId25"/>
     <p:sldId id="275" r:id="rId26"/>
     <p:sldId id="276" r:id="rId27"/>
-    <p:sldId id="277" r:id="rId28"/>
-    <p:sldId id="283" r:id="rId29"/>
-    <p:sldId id="285" r:id="rId30"/>
-    <p:sldId id="284" r:id="rId31"/>
+    <p:sldId id="286" r:id="rId28"/>
+    <p:sldId id="287" r:id="rId29"/>
+    <p:sldId id="288" r:id="rId30"/>
+    <p:sldId id="277" r:id="rId31"/>
+    <p:sldId id="283" r:id="rId32"/>
+    <p:sldId id="285" r:id="rId33"/>
+    <p:sldId id="284" r:id="rId34"/>
   </p:sldIdLst>
   <p:sldSz cx="12192000" cy="6858000"/>
   <p:notesSz cx="6858000" cy="9144000"/>
@@ -143,7 +146,7 @@
   <pc:docChgLst>
     <pc:chgData name="Sivananda Reddy" userId="48babcc6619d37c7" providerId="LiveId" clId="{AC41EE55-AD9A-4D1C-9B7C-07B2E9EA8215}"/>
     <pc:docChg chg="undo redo custSel addSld delSld modSld sldOrd">
-      <pc:chgData name="Sivananda Reddy" userId="48babcc6619d37c7" providerId="LiveId" clId="{AC41EE55-AD9A-4D1C-9B7C-07B2E9EA8215}" dt="2024-05-20T07:53:13.532" v="2583" actId="20577"/>
+      <pc:chgData name="Sivananda Reddy" userId="48babcc6619d37c7" providerId="LiveId" clId="{AC41EE55-AD9A-4D1C-9B7C-07B2E9EA8215}" dt="2024-05-20T09:01:38.407" v="2671" actId="20577"/>
       <pc:docMkLst>
         <pc:docMk/>
       </pc:docMkLst>
@@ -210,7 +213,7 @@
         </pc:spChg>
       </pc:sldChg>
       <pc:sldChg chg="addSp modSp mod">
-        <pc:chgData name="Sivananda Reddy" userId="48babcc6619d37c7" providerId="LiveId" clId="{AC41EE55-AD9A-4D1C-9B7C-07B2E9EA8215}" dt="2024-05-20T07:05:09.026" v="2364" actId="113"/>
+        <pc:chgData name="Sivananda Reddy" userId="48babcc6619d37c7" providerId="LiveId" clId="{AC41EE55-AD9A-4D1C-9B7C-07B2E9EA8215}" dt="2024-05-20T09:01:38.407" v="2671" actId="20577"/>
         <pc:sldMkLst>
           <pc:docMk/>
           <pc:sldMk cId="1396154371" sldId="260"/>
@@ -224,7 +227,7 @@
           </ac:spMkLst>
         </pc:spChg>
         <pc:spChg chg="mod">
-          <ac:chgData name="Sivananda Reddy" userId="48babcc6619d37c7" providerId="LiveId" clId="{AC41EE55-AD9A-4D1C-9B7C-07B2E9EA8215}" dt="2024-05-20T07:00:43.634" v="2243" actId="1035"/>
+          <ac:chgData name="Sivananda Reddy" userId="48babcc6619d37c7" providerId="LiveId" clId="{AC41EE55-AD9A-4D1C-9B7C-07B2E9EA8215}" dt="2024-05-20T08:57:48.254" v="2636" actId="20577"/>
           <ac:spMkLst>
             <pc:docMk/>
             <pc:sldMk cId="1396154371" sldId="260"/>
@@ -248,7 +251,7 @@
           </ac:spMkLst>
         </pc:spChg>
         <pc:spChg chg="mod">
-          <ac:chgData name="Sivananda Reddy" userId="48babcc6619d37c7" providerId="LiveId" clId="{AC41EE55-AD9A-4D1C-9B7C-07B2E9EA8215}" dt="2024-05-20T06:56:04.534" v="2180" actId="20577"/>
+          <ac:chgData name="Sivananda Reddy" userId="48babcc6619d37c7" providerId="LiveId" clId="{AC41EE55-AD9A-4D1C-9B7C-07B2E9EA8215}" dt="2024-05-20T09:01:38.407" v="2671" actId="20577"/>
           <ac:spMkLst>
             <pc:docMk/>
             <pc:sldMk cId="1396154371" sldId="260"/>
@@ -630,13 +633,13 @@
         </pc:spChg>
       </pc:sldChg>
       <pc:sldChg chg="modSp new mod">
-        <pc:chgData name="Sivananda Reddy" userId="48babcc6619d37c7" providerId="LiveId" clId="{AC41EE55-AD9A-4D1C-9B7C-07B2E9EA8215}" dt="2024-05-20T05:48:55.496" v="1541" actId="115"/>
+        <pc:chgData name="Sivananda Reddy" userId="48babcc6619d37c7" providerId="LiveId" clId="{AC41EE55-AD9A-4D1C-9B7C-07B2E9EA8215}" dt="2024-05-20T09:01:30.144" v="2661" actId="20577"/>
         <pc:sldMkLst>
           <pc:docMk/>
           <pc:sldMk cId="528204275" sldId="283"/>
         </pc:sldMkLst>
         <pc:spChg chg="mod">
-          <ac:chgData name="Sivananda Reddy" userId="48babcc6619d37c7" providerId="LiveId" clId="{AC41EE55-AD9A-4D1C-9B7C-07B2E9EA8215}" dt="2024-05-20T03:43:16.234" v="1300" actId="20577"/>
+          <ac:chgData name="Sivananda Reddy" userId="48babcc6619d37c7" providerId="LiveId" clId="{AC41EE55-AD9A-4D1C-9B7C-07B2E9EA8215}" dt="2024-05-20T09:01:30.144" v="2661" actId="20577"/>
           <ac:spMkLst>
             <pc:docMk/>
             <pc:sldMk cId="528204275" sldId="283"/>
@@ -816,6 +819,131 @@
             <ac:graphicFrameMk id="4" creationId="{B22845B1-978E-78EB-56CD-978FC763C5A6}"/>
           </ac:graphicFrameMkLst>
         </pc:graphicFrameChg>
+      </pc:sldChg>
+      <pc:sldChg chg="addSp delSp modSp add mod">
+        <pc:chgData name="Sivananda Reddy" userId="48babcc6619d37c7" providerId="LiveId" clId="{AC41EE55-AD9A-4D1C-9B7C-07B2E9EA8215}" dt="2024-05-20T08:45:17.298" v="2614" actId="1076"/>
+        <pc:sldMkLst>
+          <pc:docMk/>
+          <pc:sldMk cId="1790691168" sldId="286"/>
+        </pc:sldMkLst>
+        <pc:spChg chg="mod">
+          <ac:chgData name="Sivananda Reddy" userId="48babcc6619d37c7" providerId="LiveId" clId="{AC41EE55-AD9A-4D1C-9B7C-07B2E9EA8215}" dt="2024-05-20T08:41:37.486" v="2590" actId="6549"/>
+          <ac:spMkLst>
+            <pc:docMk/>
+            <pc:sldMk cId="1790691168" sldId="286"/>
+            <ac:spMk id="2" creationId="{2EE5D0EA-2C09-70ED-DCB2-166E0AA65174}"/>
+          </ac:spMkLst>
+        </pc:spChg>
+        <pc:spChg chg="del">
+          <ac:chgData name="Sivananda Reddy" userId="48babcc6619d37c7" providerId="LiveId" clId="{AC41EE55-AD9A-4D1C-9B7C-07B2E9EA8215}" dt="2024-05-20T08:45:06.213" v="2610" actId="478"/>
+          <ac:spMkLst>
+            <pc:docMk/>
+            <pc:sldMk cId="1790691168" sldId="286"/>
+            <ac:spMk id="3" creationId="{CAAFB202-823E-0439-3FC4-58B1986FC475}"/>
+          </ac:spMkLst>
+        </pc:spChg>
+        <pc:picChg chg="del">
+          <ac:chgData name="Sivananda Reddy" userId="48babcc6619d37c7" providerId="LiveId" clId="{AC41EE55-AD9A-4D1C-9B7C-07B2E9EA8215}" dt="2024-05-20T08:42:20.133" v="2591" actId="478"/>
+          <ac:picMkLst>
+            <pc:docMk/>
+            <pc:sldMk cId="1790691168" sldId="286"/>
+            <ac:picMk id="10242" creationId="{F7C8982A-87FB-3E7C-3D02-DC65D3479A25}"/>
+          </ac:picMkLst>
+        </pc:picChg>
+        <pc:picChg chg="del">
+          <ac:chgData name="Sivananda Reddy" userId="48babcc6619d37c7" providerId="LiveId" clId="{AC41EE55-AD9A-4D1C-9B7C-07B2E9EA8215}" dt="2024-05-20T08:45:01.811" v="2609" actId="478"/>
+          <ac:picMkLst>
+            <pc:docMk/>
+            <pc:sldMk cId="1790691168" sldId="286"/>
+            <ac:picMk id="10244" creationId="{2DEB6DF2-B402-BE8B-1B64-573C3C231145}"/>
+          </ac:picMkLst>
+        </pc:picChg>
+        <pc:picChg chg="add mod">
+          <ac:chgData name="Sivananda Reddy" userId="48babcc6619d37c7" providerId="LiveId" clId="{AC41EE55-AD9A-4D1C-9B7C-07B2E9EA8215}" dt="2024-05-20T08:45:17.298" v="2614" actId="1076"/>
+          <ac:picMkLst>
+            <pc:docMk/>
+            <pc:sldMk cId="1790691168" sldId="286"/>
+            <ac:picMk id="16386" creationId="{5F79C304-2358-79BD-F9BC-23454620F7FE}"/>
+          </ac:picMkLst>
+        </pc:picChg>
+      </pc:sldChg>
+      <pc:sldChg chg="addSp delSp modSp add mod">
+        <pc:chgData name="Sivananda Reddy" userId="48babcc6619d37c7" providerId="LiveId" clId="{AC41EE55-AD9A-4D1C-9B7C-07B2E9EA8215}" dt="2024-05-20T09:00:13.406" v="2650"/>
+        <pc:sldMkLst>
+          <pc:docMk/>
+          <pc:sldMk cId="4194310291" sldId="287"/>
+        </pc:sldMkLst>
+        <pc:spChg chg="mod">
+          <ac:chgData name="Sivananda Reddy" userId="48babcc6619d37c7" providerId="LiveId" clId="{AC41EE55-AD9A-4D1C-9B7C-07B2E9EA8215}" dt="2024-05-20T09:00:13.406" v="2650"/>
+          <ac:spMkLst>
+            <pc:docMk/>
+            <pc:sldMk cId="4194310291" sldId="287"/>
+            <ac:spMk id="2" creationId="{2EE5D0EA-2C09-70ED-DCB2-166E0AA65174}"/>
+          </ac:spMkLst>
+        </pc:spChg>
+        <pc:spChg chg="del">
+          <ac:chgData name="Sivananda Reddy" userId="48babcc6619d37c7" providerId="LiveId" clId="{AC41EE55-AD9A-4D1C-9B7C-07B2E9EA8215}" dt="2024-05-20T08:43:12.008" v="2601" actId="478"/>
+          <ac:spMkLst>
+            <pc:docMk/>
+            <pc:sldMk cId="4194310291" sldId="287"/>
+            <ac:spMk id="3" creationId="{CAAFB202-823E-0439-3FC4-58B1986FC475}"/>
+          </ac:spMkLst>
+        </pc:spChg>
+        <pc:picChg chg="del">
+          <ac:chgData name="Sivananda Reddy" userId="48babcc6619d37c7" providerId="LiveId" clId="{AC41EE55-AD9A-4D1C-9B7C-07B2E9EA8215}" dt="2024-05-20T08:42:45.673" v="2593" actId="478"/>
+          <ac:picMkLst>
+            <pc:docMk/>
+            <pc:sldMk cId="4194310291" sldId="287"/>
+            <ac:picMk id="10242" creationId="{F7C8982A-87FB-3E7C-3D02-DC65D3479A25}"/>
+          </ac:picMkLst>
+        </pc:picChg>
+        <pc:picChg chg="del">
+          <ac:chgData name="Sivananda Reddy" userId="48babcc6619d37c7" providerId="LiveId" clId="{AC41EE55-AD9A-4D1C-9B7C-07B2E9EA8215}" dt="2024-05-20T08:42:58.205" v="2598" actId="478"/>
+          <ac:picMkLst>
+            <pc:docMk/>
+            <pc:sldMk cId="4194310291" sldId="287"/>
+            <ac:picMk id="10244" creationId="{2DEB6DF2-B402-BE8B-1B64-573C3C231145}"/>
+          </ac:picMkLst>
+        </pc:picChg>
+        <pc:picChg chg="add mod">
+          <ac:chgData name="Sivananda Reddy" userId="48babcc6619d37c7" providerId="LiveId" clId="{AC41EE55-AD9A-4D1C-9B7C-07B2E9EA8215}" dt="2024-05-20T08:43:06.834" v="2600" actId="1076"/>
+          <ac:picMkLst>
+            <pc:docMk/>
+            <pc:sldMk cId="4194310291" sldId="287"/>
+            <ac:picMk id="15362" creationId="{AD1D7184-BC94-1E19-97DF-FC9E5D50AE58}"/>
+          </ac:picMkLst>
+        </pc:picChg>
+      </pc:sldChg>
+      <pc:sldChg chg="addSp delSp modSp add mod">
+        <pc:chgData name="Sivananda Reddy" userId="48babcc6619d37c7" providerId="LiveId" clId="{AC41EE55-AD9A-4D1C-9B7C-07B2E9EA8215}" dt="2024-05-20T09:00:16.817" v="2651"/>
+        <pc:sldMkLst>
+          <pc:docMk/>
+          <pc:sldMk cId="3222858783" sldId="288"/>
+        </pc:sldMkLst>
+        <pc:spChg chg="mod">
+          <ac:chgData name="Sivananda Reddy" userId="48babcc6619d37c7" providerId="LiveId" clId="{AC41EE55-AD9A-4D1C-9B7C-07B2E9EA8215}" dt="2024-05-20T09:00:16.817" v="2651"/>
+          <ac:spMkLst>
+            <pc:docMk/>
+            <pc:sldMk cId="3222858783" sldId="288"/>
+            <ac:spMk id="2" creationId="{2EE5D0EA-2C09-70ED-DCB2-166E0AA65174}"/>
+          </ac:spMkLst>
+        </pc:spChg>
+        <pc:picChg chg="del">
+          <ac:chgData name="Sivananda Reddy" userId="48babcc6619d37c7" providerId="LiveId" clId="{AC41EE55-AD9A-4D1C-9B7C-07B2E9EA8215}" dt="2024-05-20T08:43:39.066" v="2603" actId="478"/>
+          <ac:picMkLst>
+            <pc:docMk/>
+            <pc:sldMk cId="3222858783" sldId="288"/>
+            <ac:picMk id="15362" creationId="{AD1D7184-BC94-1E19-97DF-FC9E5D50AE58}"/>
+          </ac:picMkLst>
+        </pc:picChg>
+        <pc:picChg chg="add mod">
+          <ac:chgData name="Sivananda Reddy" userId="48babcc6619d37c7" providerId="LiveId" clId="{AC41EE55-AD9A-4D1C-9B7C-07B2E9EA8215}" dt="2024-05-20T08:43:53.934" v="2608" actId="1076"/>
+          <ac:picMkLst>
+            <pc:docMk/>
+            <pc:sldMk cId="3222858783" sldId="288"/>
+            <ac:picMk id="18434" creationId="{8CEF3D4B-2567-4FEF-6B9E-247B188324E3}"/>
+          </ac:picMkLst>
+        </pc:picChg>
       </pc:sldChg>
     </pc:docChg>
   </pc:docChgLst>
@@ -10611,6 +10739,333 @@
                   <a:srgbClr val="0070C0"/>
                 </a:solidFill>
               </a:rPr>
+              <a:t>Multivariant Analysis</a:t>
+            </a:r>
+          </a:p>
+        </p:txBody>
+      </p:sp>
+      <p:pic>
+        <p:nvPicPr>
+          <p:cNvPr id="16386" name="Picture 2">
+            <a:extLst>
+              <a:ext uri="{FF2B5EF4-FFF2-40B4-BE49-F238E27FC236}">
+                <a16:creationId xmlns:a16="http://schemas.microsoft.com/office/drawing/2014/main" id="{5F79C304-2358-79BD-F9BC-23454620F7FE}"/>
+              </a:ext>
+            </a:extLst>
+          </p:cNvPr>
+          <p:cNvPicPr>
+            <a:picLocks noChangeAspect="1" noChangeArrowheads="1"/>
+          </p:cNvPicPr>
+          <p:nvPr/>
+        </p:nvPicPr>
+        <p:blipFill>
+          <a:blip r:embed="rId2">
+            <a:extLst>
+              <a:ext uri="{28A0092B-C50C-407E-A947-70E740481C1C}">
+                <a14:useLocalDpi xmlns:a14="http://schemas.microsoft.com/office/drawing/2010/main" val="0"/>
+              </a:ext>
+            </a:extLst>
+          </a:blip>
+          <a:srcRect/>
+          <a:stretch>
+            <a:fillRect/>
+          </a:stretch>
+        </p:blipFill>
+        <p:spPr bwMode="auto">
+          <a:xfrm>
+            <a:off x="136740" y="1929468"/>
+            <a:ext cx="11979479" cy="4198282"/>
+          </a:xfrm>
+          <a:prstGeom prst="rect">
+            <a:avLst/>
+          </a:prstGeom>
+          <a:noFill/>
+          <a:extLst>
+            <a:ext uri="{909E8E84-426E-40DD-AFC4-6F175D3DCCD1}">
+              <a14:hiddenFill xmlns:a14="http://schemas.microsoft.com/office/drawing/2010/main">
+                <a:solidFill>
+                  <a:srgbClr val="FFFFFF"/>
+                </a:solidFill>
+              </a14:hiddenFill>
+            </a:ext>
+          </a:extLst>
+        </p:spPr>
+      </p:pic>
+    </p:spTree>
+    <p:extLst>
+      <p:ext uri="{BB962C8B-B14F-4D97-AF65-F5344CB8AC3E}">
+        <p14:creationId xmlns:p14="http://schemas.microsoft.com/office/powerpoint/2010/main" val="1790691168"/>
+      </p:ext>
+    </p:extLst>
+  </p:cSld>
+  <p:clrMapOvr>
+    <a:masterClrMapping/>
+  </p:clrMapOvr>
+</p:sld>
+</file>
+
+<file path=ppt/slides/slide25.xml><?xml version="1.0" encoding="utf-8"?>
+<p:sld xmlns:a="http://schemas.openxmlformats.org/drawingml/2006/main" xmlns:r="http://schemas.openxmlformats.org/officeDocument/2006/relationships" xmlns:p="http://schemas.openxmlformats.org/presentationml/2006/main">
+  <p:cSld>
+    <p:spTree>
+      <p:nvGrpSpPr>
+        <p:cNvPr id="1" name=""/>
+        <p:cNvGrpSpPr/>
+        <p:nvPr/>
+      </p:nvGrpSpPr>
+      <p:grpSpPr>
+        <a:xfrm>
+          <a:off x="0" y="0"/>
+          <a:ext cx="0" cy="0"/>
+          <a:chOff x="0" y="0"/>
+          <a:chExt cx="0" cy="0"/>
+        </a:xfrm>
+      </p:grpSpPr>
+      <p:sp>
+        <p:nvSpPr>
+          <p:cNvPr id="2" name="Title 1">
+            <a:extLst>
+              <a:ext uri="{FF2B5EF4-FFF2-40B4-BE49-F238E27FC236}">
+                <a16:creationId xmlns:a16="http://schemas.microsoft.com/office/drawing/2014/main" id="{2EE5D0EA-2C09-70ED-DCB2-166E0AA65174}"/>
+              </a:ext>
+            </a:extLst>
+          </p:cNvPr>
+          <p:cNvSpPr>
+            <a:spLocks noGrp="1"/>
+          </p:cNvSpPr>
+          <p:nvPr>
+            <p:ph type="title"/>
+          </p:nvPr>
+        </p:nvSpPr>
+        <p:spPr/>
+        <p:txBody>
+          <a:bodyPr/>
+          <a:lstStyle/>
+          <a:p>
+            <a:r>
+              <a:rPr lang="en-US" sz="4000" dirty="0">
+                <a:solidFill>
+                  <a:srgbClr val="0070C0"/>
+                </a:solidFill>
+              </a:rPr>
+              <a:t>Multivariant Segmented Analysis</a:t>
+            </a:r>
+          </a:p>
+        </p:txBody>
+      </p:sp>
+      <p:pic>
+        <p:nvPicPr>
+          <p:cNvPr id="15362" name="Picture 2">
+            <a:extLst>
+              <a:ext uri="{FF2B5EF4-FFF2-40B4-BE49-F238E27FC236}">
+                <a16:creationId xmlns:a16="http://schemas.microsoft.com/office/drawing/2014/main" id="{AD1D7184-BC94-1E19-97DF-FC9E5D50AE58}"/>
+              </a:ext>
+            </a:extLst>
+          </p:cNvPr>
+          <p:cNvPicPr>
+            <a:picLocks noChangeAspect="1" noChangeArrowheads="1"/>
+          </p:cNvPicPr>
+          <p:nvPr/>
+        </p:nvPicPr>
+        <p:blipFill>
+          <a:blip r:embed="rId2">
+            <a:extLst>
+              <a:ext uri="{28A0092B-C50C-407E-A947-70E740481C1C}">
+                <a14:useLocalDpi xmlns:a14="http://schemas.microsoft.com/office/drawing/2010/main" val="0"/>
+              </a:ext>
+            </a:extLst>
+          </a:blip>
+          <a:srcRect/>
+          <a:stretch>
+            <a:fillRect/>
+          </a:stretch>
+        </p:blipFill>
+        <p:spPr bwMode="auto">
+          <a:xfrm>
+            <a:off x="977362" y="1842495"/>
+            <a:ext cx="10237275" cy="3527756"/>
+          </a:xfrm>
+          <a:prstGeom prst="rect">
+            <a:avLst/>
+          </a:prstGeom>
+          <a:noFill/>
+          <a:extLst>
+            <a:ext uri="{909E8E84-426E-40DD-AFC4-6F175D3DCCD1}">
+              <a14:hiddenFill xmlns:a14="http://schemas.microsoft.com/office/drawing/2010/main">
+                <a:solidFill>
+                  <a:srgbClr val="FFFFFF"/>
+                </a:solidFill>
+              </a14:hiddenFill>
+            </a:ext>
+          </a:extLst>
+        </p:spPr>
+      </p:pic>
+    </p:spTree>
+    <p:extLst>
+      <p:ext uri="{BB962C8B-B14F-4D97-AF65-F5344CB8AC3E}">
+        <p14:creationId xmlns:p14="http://schemas.microsoft.com/office/powerpoint/2010/main" val="4194310291"/>
+      </p:ext>
+    </p:extLst>
+  </p:cSld>
+  <p:clrMapOvr>
+    <a:masterClrMapping/>
+  </p:clrMapOvr>
+</p:sld>
+</file>
+
+<file path=ppt/slides/slide26.xml><?xml version="1.0" encoding="utf-8"?>
+<p:sld xmlns:a="http://schemas.openxmlformats.org/drawingml/2006/main" xmlns:r="http://schemas.openxmlformats.org/officeDocument/2006/relationships" xmlns:p="http://schemas.openxmlformats.org/presentationml/2006/main">
+  <p:cSld>
+    <p:spTree>
+      <p:nvGrpSpPr>
+        <p:cNvPr id="1" name=""/>
+        <p:cNvGrpSpPr/>
+        <p:nvPr/>
+      </p:nvGrpSpPr>
+      <p:grpSpPr>
+        <a:xfrm>
+          <a:off x="0" y="0"/>
+          <a:ext cx="0" cy="0"/>
+          <a:chOff x="0" y="0"/>
+          <a:chExt cx="0" cy="0"/>
+        </a:xfrm>
+      </p:grpSpPr>
+      <p:sp>
+        <p:nvSpPr>
+          <p:cNvPr id="2" name="Title 1">
+            <a:extLst>
+              <a:ext uri="{FF2B5EF4-FFF2-40B4-BE49-F238E27FC236}">
+                <a16:creationId xmlns:a16="http://schemas.microsoft.com/office/drawing/2014/main" id="{2EE5D0EA-2C09-70ED-DCB2-166E0AA65174}"/>
+              </a:ext>
+            </a:extLst>
+          </p:cNvPr>
+          <p:cNvSpPr>
+            <a:spLocks noGrp="1"/>
+          </p:cNvSpPr>
+          <p:nvPr>
+            <p:ph type="title"/>
+          </p:nvPr>
+        </p:nvSpPr>
+        <p:spPr/>
+        <p:txBody>
+          <a:bodyPr/>
+          <a:lstStyle/>
+          <a:p>
+            <a:r>
+              <a:rPr lang="en-US" sz="4000" dirty="0">
+                <a:solidFill>
+                  <a:srgbClr val="0070C0"/>
+                </a:solidFill>
+              </a:rPr>
+              <a:t>Multivariant Segmented Analysis</a:t>
+            </a:r>
+          </a:p>
+        </p:txBody>
+      </p:sp>
+      <p:pic>
+        <p:nvPicPr>
+          <p:cNvPr id="18434" name="Picture 2">
+            <a:extLst>
+              <a:ext uri="{FF2B5EF4-FFF2-40B4-BE49-F238E27FC236}">
+                <a16:creationId xmlns:a16="http://schemas.microsoft.com/office/drawing/2014/main" id="{8CEF3D4B-2567-4FEF-6B9E-247B188324E3}"/>
+              </a:ext>
+            </a:extLst>
+          </p:cNvPr>
+          <p:cNvPicPr>
+            <a:picLocks noChangeAspect="1" noChangeArrowheads="1"/>
+          </p:cNvPicPr>
+          <p:nvPr/>
+        </p:nvPicPr>
+        <p:blipFill>
+          <a:blip r:embed="rId2">
+            <a:extLst>
+              <a:ext uri="{28A0092B-C50C-407E-A947-70E740481C1C}">
+                <a14:useLocalDpi xmlns:a14="http://schemas.microsoft.com/office/drawing/2010/main" val="0"/>
+              </a:ext>
+            </a:extLst>
+          </a:blip>
+          <a:srcRect/>
+          <a:stretch>
+            <a:fillRect/>
+          </a:stretch>
+        </p:blipFill>
+        <p:spPr bwMode="auto">
+          <a:xfrm>
+            <a:off x="753331" y="1909582"/>
+            <a:ext cx="10402349" cy="3895600"/>
+          </a:xfrm>
+          <a:prstGeom prst="rect">
+            <a:avLst/>
+          </a:prstGeom>
+          <a:noFill/>
+          <a:extLst>
+            <a:ext uri="{909E8E84-426E-40DD-AFC4-6F175D3DCCD1}">
+              <a14:hiddenFill xmlns:a14="http://schemas.microsoft.com/office/drawing/2010/main">
+                <a:solidFill>
+                  <a:srgbClr val="FFFFFF"/>
+                </a:solidFill>
+              </a14:hiddenFill>
+            </a:ext>
+          </a:extLst>
+        </p:spPr>
+      </p:pic>
+    </p:spTree>
+    <p:extLst>
+      <p:ext uri="{BB962C8B-B14F-4D97-AF65-F5344CB8AC3E}">
+        <p14:creationId xmlns:p14="http://schemas.microsoft.com/office/powerpoint/2010/main" val="3222858783"/>
+      </p:ext>
+    </p:extLst>
+  </p:cSld>
+  <p:clrMapOvr>
+    <a:masterClrMapping/>
+  </p:clrMapOvr>
+</p:sld>
+</file>
+
+<file path=ppt/slides/slide27.xml><?xml version="1.0" encoding="utf-8"?>
+<p:sld xmlns:a="http://schemas.openxmlformats.org/drawingml/2006/main" xmlns:r="http://schemas.openxmlformats.org/officeDocument/2006/relationships" xmlns:p="http://schemas.openxmlformats.org/presentationml/2006/main">
+  <p:cSld>
+    <p:spTree>
+      <p:nvGrpSpPr>
+        <p:cNvPr id="1" name=""/>
+        <p:cNvGrpSpPr/>
+        <p:nvPr/>
+      </p:nvGrpSpPr>
+      <p:grpSpPr>
+        <a:xfrm>
+          <a:off x="0" y="0"/>
+          <a:ext cx="0" cy="0"/>
+          <a:chOff x="0" y="0"/>
+          <a:chExt cx="0" cy="0"/>
+        </a:xfrm>
+      </p:grpSpPr>
+      <p:sp>
+        <p:nvSpPr>
+          <p:cNvPr id="2" name="Title 1">
+            <a:extLst>
+              <a:ext uri="{FF2B5EF4-FFF2-40B4-BE49-F238E27FC236}">
+                <a16:creationId xmlns:a16="http://schemas.microsoft.com/office/drawing/2014/main" id="{2EE5D0EA-2C09-70ED-DCB2-166E0AA65174}"/>
+              </a:ext>
+            </a:extLst>
+          </p:cNvPr>
+          <p:cNvSpPr>
+            <a:spLocks noGrp="1"/>
+          </p:cNvSpPr>
+          <p:nvPr>
+            <p:ph type="title"/>
+          </p:nvPr>
+        </p:nvSpPr>
+        <p:spPr/>
+        <p:txBody>
+          <a:bodyPr/>
+          <a:lstStyle/>
+          <a:p>
+            <a:r>
+              <a:rPr lang="en-US" sz="4000" dirty="0">
+                <a:solidFill>
+                  <a:srgbClr val="0070C0"/>
+                </a:solidFill>
+              </a:rPr>
               <a:t>Correlation Analysis</a:t>
             </a:r>
           </a:p>
@@ -11040,7 +11495,7 @@
 </p:sld>
 </file>
 
-<file path=ppt/slides/slide25.xml><?xml version="1.0" encoding="utf-8"?>
+<file path=ppt/slides/slide28.xml><?xml version="1.0" encoding="utf-8"?>
 <p:sld xmlns:a="http://schemas.openxmlformats.org/drawingml/2006/main" xmlns:r="http://schemas.openxmlformats.org/officeDocument/2006/relationships" xmlns:p="http://schemas.openxmlformats.org/presentationml/2006/main">
   <p:cSld>
     <p:spTree>
@@ -11084,7 +11539,7 @@
                   <a:srgbClr val="0070C0"/>
                 </a:solidFill>
               </a:rPr>
-              <a:t>Suggestions</a:t>
+              <a:t>Conclusion</a:t>
             </a:r>
             <a:endParaRPr lang="en-US" dirty="0"/>
           </a:p>
@@ -11232,7 +11687,7 @@
 </p:sld>
 </file>
 
-<file path=ppt/slides/slide26.xml><?xml version="1.0" encoding="utf-8"?>
+<file path=ppt/slides/slide29.xml><?xml version="1.0" encoding="utf-8"?>
 <p:sld xmlns:a="http://schemas.openxmlformats.org/drawingml/2006/main" xmlns:r="http://schemas.openxmlformats.org/officeDocument/2006/relationships" xmlns:p="http://schemas.openxmlformats.org/presentationml/2006/main">
   <p:cSld>
     <p:spTree>
@@ -11271,7 +11726,7 @@
           <a:lstStyle/>
           <a:p>
             <a:r>
-              <a:rPr lang="en-US" sz="4400">
+              <a:rPr lang="en-US" sz="4400" dirty="0">
                 <a:solidFill>
                   <a:srgbClr val="0070C0"/>
                 </a:solidFill>
@@ -11676,75 +12131,6 @@
 </p:sld>
 </file>
 
-<file path=ppt/slides/slide27.xml><?xml version="1.0" encoding="utf-8"?>
-<p:sld xmlns:a="http://schemas.openxmlformats.org/drawingml/2006/main" xmlns:r="http://schemas.openxmlformats.org/officeDocument/2006/relationships" xmlns:p="http://schemas.openxmlformats.org/presentationml/2006/main">
-  <p:cSld>
-    <p:spTree>
-      <p:nvGrpSpPr>
-        <p:cNvPr id="1" name=""/>
-        <p:cNvGrpSpPr/>
-        <p:nvPr/>
-      </p:nvGrpSpPr>
-      <p:grpSpPr>
-        <a:xfrm>
-          <a:off x="0" y="0"/>
-          <a:ext cx="0" cy="0"/>
-          <a:chOff x="0" y="0"/>
-          <a:chExt cx="0" cy="0"/>
-        </a:xfrm>
-      </p:grpSpPr>
-      <p:sp>
-        <p:nvSpPr>
-          <p:cNvPr id="2" name="TextBox 1">
-            <a:extLst>
-              <a:ext uri="{FF2B5EF4-FFF2-40B4-BE49-F238E27FC236}">
-                <a16:creationId xmlns:a16="http://schemas.microsoft.com/office/drawing/2014/main" id="{917E5EB2-3034-F8B3-3645-3E8C3B15CDFE}"/>
-              </a:ext>
-            </a:extLst>
-          </p:cNvPr>
-          <p:cNvSpPr txBox="1"/>
-          <p:nvPr/>
-        </p:nvSpPr>
-        <p:spPr>
-          <a:xfrm>
-            <a:off x="3830463" y="2251427"/>
-            <a:ext cx="5583382" cy="923330"/>
-          </a:xfrm>
-          <a:prstGeom prst="rect">
-            <a:avLst/>
-          </a:prstGeom>
-          <a:noFill/>
-        </p:spPr>
-        <p:txBody>
-          <a:bodyPr wrap="square" rtlCol="0">
-            <a:spAutoFit/>
-          </a:bodyPr>
-          <a:lstStyle/>
-          <a:p>
-            <a:r>
-              <a:rPr lang="en-US" sz="5400" dirty="0">
-                <a:solidFill>
-                  <a:srgbClr val="002060"/>
-                </a:solidFill>
-              </a:rPr>
-              <a:t>Thank you</a:t>
-            </a:r>
-          </a:p>
-        </p:txBody>
-      </p:sp>
-    </p:spTree>
-    <p:extLst>
-      <p:ext uri="{BB962C8B-B14F-4D97-AF65-F5344CB8AC3E}">
-        <p14:creationId xmlns:p14="http://schemas.microsoft.com/office/powerpoint/2010/main" val="2706671381"/>
-      </p:ext>
-    </p:extLst>
-  </p:cSld>
-  <p:clrMapOvr>
-    <a:masterClrMapping/>
-  </p:clrMapOvr>
-</p:sld>
-</file>
-
 <file path=ppt/slides/slide3.xml><?xml version="1.0" encoding="utf-8"?>
 <p:sld xmlns:a="http://schemas.openxmlformats.org/drawingml/2006/main" xmlns:r="http://schemas.openxmlformats.org/officeDocument/2006/relationships" xmlns:p="http://schemas.openxmlformats.org/presentationml/2006/main">
   <p:cSld>
@@ -12015,7 +12401,7 @@
                 <a:ea typeface="Calibri" panose="020F0502020204030204" pitchFamily="34" charset="0"/>
                 <a:cs typeface="Calibri" panose="020F0502020204030204" pitchFamily="34" charset="0"/>
               </a:rPr>
-              <a:t>Suggestions</a:t>
+              <a:t>Conclusion</a:t>
             </a:r>
           </a:p>
         </p:txBody>
@@ -12240,6 +12626,16 @@
             </a:pPr>
             <a:r>
               <a:rPr lang="en-US" sz="1200" dirty="0"/>
+              <a:t>Multivariant Analysis</a:t>
+            </a:r>
+          </a:p>
+          <a:p>
+            <a:pPr marL="171450" indent="-171450">
+              <a:buFont typeface="Arial" panose="020B0604020202020204" pitchFamily="34" charset="0"/>
+              <a:buChar char="•"/>
+            </a:pPr>
+            <a:r>
+              <a:rPr lang="en-US" sz="1200" dirty="0"/>
               <a:t>Correlation Analysis</a:t>
             </a:r>
           </a:p>
@@ -12438,6 +12834,75 @@
     <p:extLst>
       <p:ext uri="{BB962C8B-B14F-4D97-AF65-F5344CB8AC3E}">
         <p14:creationId xmlns:p14="http://schemas.microsoft.com/office/powerpoint/2010/main" val="1396154371"/>
+      </p:ext>
+    </p:extLst>
+  </p:cSld>
+  <p:clrMapOvr>
+    <a:masterClrMapping/>
+  </p:clrMapOvr>
+</p:sld>
+</file>
+
+<file path=ppt/slides/slide30.xml><?xml version="1.0" encoding="utf-8"?>
+<p:sld xmlns:a="http://schemas.openxmlformats.org/drawingml/2006/main" xmlns:r="http://schemas.openxmlformats.org/officeDocument/2006/relationships" xmlns:p="http://schemas.openxmlformats.org/presentationml/2006/main">
+  <p:cSld>
+    <p:spTree>
+      <p:nvGrpSpPr>
+        <p:cNvPr id="1" name=""/>
+        <p:cNvGrpSpPr/>
+        <p:nvPr/>
+      </p:nvGrpSpPr>
+      <p:grpSpPr>
+        <a:xfrm>
+          <a:off x="0" y="0"/>
+          <a:ext cx="0" cy="0"/>
+          <a:chOff x="0" y="0"/>
+          <a:chExt cx="0" cy="0"/>
+        </a:xfrm>
+      </p:grpSpPr>
+      <p:sp>
+        <p:nvSpPr>
+          <p:cNvPr id="2" name="TextBox 1">
+            <a:extLst>
+              <a:ext uri="{FF2B5EF4-FFF2-40B4-BE49-F238E27FC236}">
+                <a16:creationId xmlns:a16="http://schemas.microsoft.com/office/drawing/2014/main" id="{917E5EB2-3034-F8B3-3645-3E8C3B15CDFE}"/>
+              </a:ext>
+            </a:extLst>
+          </p:cNvPr>
+          <p:cNvSpPr txBox="1"/>
+          <p:nvPr/>
+        </p:nvSpPr>
+        <p:spPr>
+          <a:xfrm>
+            <a:off x="3830463" y="2251427"/>
+            <a:ext cx="5583382" cy="923330"/>
+          </a:xfrm>
+          <a:prstGeom prst="rect">
+            <a:avLst/>
+          </a:prstGeom>
+          <a:noFill/>
+        </p:spPr>
+        <p:txBody>
+          <a:bodyPr wrap="square" rtlCol="0">
+            <a:spAutoFit/>
+          </a:bodyPr>
+          <a:lstStyle/>
+          <a:p>
+            <a:r>
+              <a:rPr lang="en-US" sz="5400" dirty="0">
+                <a:solidFill>
+                  <a:srgbClr val="002060"/>
+                </a:solidFill>
+              </a:rPr>
+              <a:t>Thank you</a:t>
+            </a:r>
+          </a:p>
+        </p:txBody>
+      </p:sp>
+    </p:spTree>
+    <p:extLst>
+      <p:ext uri="{BB962C8B-B14F-4D97-AF65-F5344CB8AC3E}">
+        <p14:creationId xmlns:p14="http://schemas.microsoft.com/office/powerpoint/2010/main" val="2706671381"/>
       </p:ext>
     </p:extLst>
   </p:cSld>

--- a/Lending_Club_Case_Study.pptx
+++ b/Lending_Club_Case_Study.pptx
@@ -8,33 +8,18 @@
     <p:sldId id="257" r:id="rId5"/>
     <p:sldId id="259" r:id="rId6"/>
     <p:sldId id="260" r:id="rId7"/>
-    <p:sldId id="282" r:id="rId8"/>
-    <p:sldId id="261" r:id="rId9"/>
-    <p:sldId id="281" r:id="rId10"/>
-    <p:sldId id="262" r:id="rId11"/>
-    <p:sldId id="263" r:id="rId12"/>
-    <p:sldId id="280" r:id="rId13"/>
-    <p:sldId id="264" r:id="rId14"/>
-    <p:sldId id="265" r:id="rId15"/>
-    <p:sldId id="268" r:id="rId16"/>
-    <p:sldId id="269" r:id="rId17"/>
-    <p:sldId id="278" r:id="rId18"/>
-    <p:sldId id="279" r:id="rId19"/>
-    <p:sldId id="266" r:id="rId20"/>
-    <p:sldId id="267" r:id="rId21"/>
-    <p:sldId id="270" r:id="rId22"/>
-    <p:sldId id="271" r:id="rId23"/>
-    <p:sldId id="273" r:id="rId24"/>
-    <p:sldId id="274" r:id="rId25"/>
-    <p:sldId id="275" r:id="rId26"/>
-    <p:sldId id="276" r:id="rId27"/>
-    <p:sldId id="286" r:id="rId28"/>
-    <p:sldId id="287" r:id="rId29"/>
-    <p:sldId id="288" r:id="rId30"/>
-    <p:sldId id="277" r:id="rId31"/>
-    <p:sldId id="283" r:id="rId32"/>
-    <p:sldId id="285" r:id="rId33"/>
-    <p:sldId id="284" r:id="rId34"/>
+    <p:sldId id="265" r:id="rId8"/>
+    <p:sldId id="268" r:id="rId9"/>
+    <p:sldId id="271" r:id="rId10"/>
+    <p:sldId id="273" r:id="rId11"/>
+    <p:sldId id="276" r:id="rId12"/>
+    <p:sldId id="286" r:id="rId13"/>
+    <p:sldId id="288" r:id="rId14"/>
+    <p:sldId id="277" r:id="rId15"/>
+    <p:sldId id="283" r:id="rId16"/>
+    <p:sldId id="289" r:id="rId17"/>
+    <p:sldId id="284" r:id="rId18"/>
+    <p:sldId id="285" r:id="rId19"/>
   </p:sldIdLst>
   <p:sldSz cx="12192000" cy="6858000"/>
   <p:notesSz cx="6858000" cy="9144000"/>
@@ -3933,7 +3918,7 @@
           <a:p>
             <a:fld id="{9184DA70-C731-4C70-880D-CCD4705E623C}" type="datetime1">
               <a:rPr lang="en-US" smtClean="0"/>
-              <a:t>5/19/2024</a:t>
+              <a:t>5/20/2024</a:t>
             </a:fld>
             <a:endParaRPr lang="en-US" dirty="0"/>
           </a:p>
@@ -4121,7 +4106,7 @@
           <a:p>
             <a:fld id="{B612A279-0833-481D-8C56-F67FD0AC6C50}" type="datetime1">
               <a:rPr lang="en-US" smtClean="0"/>
-              <a:t>5/19/2024</a:t>
+              <a:t>5/20/2024</a:t>
             </a:fld>
             <a:endParaRPr lang="en-US" dirty="0"/>
           </a:p>
@@ -4363,7 +4348,7 @@
           <a:p>
             <a:fld id="{6587DA83-5663-4C9C-B9AA-0B40A3DAFF81}" type="datetime1">
               <a:rPr lang="en-US" smtClean="0"/>
-              <a:t>5/19/2024</a:t>
+              <a:t>5/20/2024</a:t>
             </a:fld>
             <a:endParaRPr lang="en-US" dirty="0"/>
           </a:p>
@@ -4551,7 +4536,7 @@
           <a:p>
             <a:fld id="{4BE1D723-8F53-4F53-90B0-1982A396982E}" type="datetime1">
               <a:rPr lang="en-US" smtClean="0"/>
-              <a:t>5/19/2024</a:t>
+              <a:t>5/20/2024</a:t>
             </a:fld>
             <a:endParaRPr lang="en-US" dirty="0"/>
           </a:p>
@@ -4924,7 +4909,7 @@
           <a:p>
             <a:fld id="{97669AF7-7BEB-44E4-9852-375E34362B5B}" type="datetime1">
               <a:rPr lang="en-US" smtClean="0"/>
-              <a:t>5/19/2024</a:t>
+              <a:t>5/20/2024</a:t>
             </a:fld>
             <a:endParaRPr lang="en-US" dirty="0"/>
           </a:p>
@@ -5179,7 +5164,7 @@
           <a:p>
             <a:fld id="{BAAAC38D-0552-4C82-B593-E6124DFADBE2}" type="datetime1">
               <a:rPr lang="en-US" smtClean="0"/>
-              <a:t>5/19/2024</a:t>
+              <a:t>5/20/2024</a:t>
             </a:fld>
             <a:endParaRPr lang="en-US" dirty="0"/>
           </a:p>
@@ -5576,7 +5561,7 @@
           <a:p>
             <a:fld id="{D9DF0F1C-5577-4ACB-BB62-DF8F3C494C7E}" type="datetime1">
               <a:rPr lang="en-US" smtClean="0"/>
-              <a:t>5/19/2024</a:t>
+              <a:t>5/20/2024</a:t>
             </a:fld>
             <a:endParaRPr lang="en-US" dirty="0"/>
           </a:p>
@@ -5712,7 +5697,7 @@
           <a:p>
             <a:fld id="{1775B394-D9F9-4F0C-B15D-605F45CB9E9F}" type="datetime1">
               <a:rPr lang="en-US" smtClean="0"/>
-              <a:t>5/19/2024</a:t>
+              <a:t>5/20/2024</a:t>
             </a:fld>
             <a:endParaRPr lang="en-US" dirty="0"/>
           </a:p>
@@ -5869,7 +5854,7 @@
           <a:p>
             <a:fld id="{39667345-2558-425A-8533-9BFDBCE15005}" type="datetime1">
               <a:rPr lang="en-US" smtClean="0"/>
-              <a:t>5/19/2024</a:t>
+              <a:t>5/20/2024</a:t>
             </a:fld>
             <a:endParaRPr lang="en-US" dirty="0"/>
           </a:p>
@@ -6198,7 +6183,7 @@
           <a:p>
             <a:fld id="{92BEA474-078D-4E9B-9B14-09A87B19DC46}" type="datetime1">
               <a:rPr lang="en-US" smtClean="0"/>
-              <a:t>5/19/2024</a:t>
+              <a:t>5/20/2024</a:t>
             </a:fld>
             <a:endParaRPr lang="en-US" dirty="0"/>
           </a:p>
@@ -6548,7 +6533,7 @@
           <a:p>
             <a:fld id="{4907D986-8816-4272-A432-0437A28A9828}" type="datetime1">
               <a:rPr lang="en-US" smtClean="0"/>
-              <a:t>5/19/2024</a:t>
+              <a:t>5/20/2024</a:t>
             </a:fld>
             <a:endParaRPr lang="en-US" dirty="0"/>
           </a:p>
@@ -6809,7 +6794,7 @@
           <a:p>
             <a:fld id="{62D6E202-B606-4609-B914-27C9371A1F6D}" type="datetime1">
               <a:rPr lang="en-US" smtClean="0"/>
-              <a:t>5/19/2024</a:t>
+              <a:t>5/20/2024</a:t>
             </a:fld>
             <a:endParaRPr lang="en-US" dirty="0"/>
           </a:p>
@@ -7809,7 +7794,7 @@
                 <a:ea typeface="Calibri" panose="020F0502020204030204" pitchFamily="34" charset="0"/>
                 <a:cs typeface="Calibri" panose="020F0502020204030204" pitchFamily="34" charset="0"/>
               </a:rPr>
-              <a:t>Sunitha Saraf</a:t>
+              <a:t>Sunita Saraf</a:t>
             </a:r>
           </a:p>
           <a:p>
@@ -7917,1744 +7902,6 @@
           <p:cNvPr id="2" name="Title 1">
             <a:extLst>
               <a:ext uri="{FF2B5EF4-FFF2-40B4-BE49-F238E27FC236}">
-                <a16:creationId xmlns:a16="http://schemas.microsoft.com/office/drawing/2014/main" id="{4FC6CE41-A153-9943-0D8F-256C8B57DE6C}"/>
-              </a:ext>
-            </a:extLst>
-          </p:cNvPr>
-          <p:cNvSpPr>
-            <a:spLocks noGrp="1"/>
-          </p:cNvSpPr>
-          <p:nvPr>
-            <p:ph type="title"/>
-          </p:nvPr>
-        </p:nvSpPr>
-        <p:spPr/>
-        <p:txBody>
-          <a:bodyPr/>
-          <a:lstStyle/>
-          <a:p>
-            <a:r>
-              <a:rPr lang="en-US" dirty="0">
-                <a:solidFill>
-                  <a:srgbClr val="0070C0"/>
-                </a:solidFill>
-              </a:rPr>
-              <a:t>Data Analysis</a:t>
-            </a:r>
-            <a:endParaRPr lang="en-US" dirty="0"/>
-          </a:p>
-        </p:txBody>
-      </p:sp>
-      <p:sp>
-        <p:nvSpPr>
-          <p:cNvPr id="3" name="Content Placeholder 2">
-            <a:extLst>
-              <a:ext uri="{FF2B5EF4-FFF2-40B4-BE49-F238E27FC236}">
-                <a16:creationId xmlns:a16="http://schemas.microsoft.com/office/drawing/2014/main" id="{35A0694A-15B4-997F-5F1F-F85D0972D6B4}"/>
-              </a:ext>
-            </a:extLst>
-          </p:cNvPr>
-          <p:cNvSpPr>
-            <a:spLocks noGrp="1"/>
-          </p:cNvSpPr>
-          <p:nvPr>
-            <p:ph idx="1"/>
-          </p:nvPr>
-        </p:nvSpPr>
-        <p:spPr/>
-        <p:txBody>
-          <a:bodyPr/>
-          <a:lstStyle/>
-          <a:p>
-            <a:r>
-              <a:rPr lang="en-US" dirty="0"/>
-              <a:t>The following approaches are followed to analyze the lending club dataset. </a:t>
-            </a:r>
-          </a:p>
-          <a:p>
-            <a:pPr marL="457200" indent="-457200">
-              <a:buFont typeface="+mj-lt"/>
-              <a:buAutoNum type="arabicPeriod"/>
-            </a:pPr>
-            <a:r>
-              <a:rPr lang="en-US" dirty="0"/>
-              <a:t>Univariant Analysis</a:t>
-            </a:r>
-          </a:p>
-          <a:p>
-            <a:pPr marL="457200" indent="-457200">
-              <a:buFont typeface="+mj-lt"/>
-              <a:buAutoNum type="arabicPeriod"/>
-            </a:pPr>
-            <a:r>
-              <a:rPr lang="en-US" dirty="0"/>
-              <a:t>Univariant Segmented Analysis</a:t>
-            </a:r>
-          </a:p>
-          <a:p>
-            <a:pPr marL="457200" indent="-457200">
-              <a:buFont typeface="+mj-lt"/>
-              <a:buAutoNum type="arabicPeriod"/>
-            </a:pPr>
-            <a:r>
-              <a:rPr lang="en-US" dirty="0"/>
-              <a:t>Bivariant Analysis</a:t>
-            </a:r>
-          </a:p>
-          <a:p>
-            <a:pPr marL="457200" indent="-457200">
-              <a:buFont typeface="+mj-lt"/>
-              <a:buAutoNum type="arabicPeriod"/>
-            </a:pPr>
-            <a:r>
-              <a:rPr lang="en-US" dirty="0"/>
-              <a:t>Bivariant Segmented Analysis</a:t>
-            </a:r>
-          </a:p>
-          <a:p>
-            <a:pPr marL="457200" indent="-457200">
-              <a:buFont typeface="+mj-lt"/>
-              <a:buAutoNum type="arabicPeriod"/>
-            </a:pPr>
-            <a:r>
-              <a:rPr lang="en-US" dirty="0"/>
-              <a:t>Correlation Analysis</a:t>
-            </a:r>
-          </a:p>
-          <a:p>
-            <a:pPr marL="0" indent="0">
-              <a:buNone/>
-            </a:pPr>
-            <a:endParaRPr lang="en-US" dirty="0"/>
-          </a:p>
-        </p:txBody>
-      </p:sp>
-    </p:spTree>
-    <p:extLst>
-      <p:ext uri="{BB962C8B-B14F-4D97-AF65-F5344CB8AC3E}">
-        <p14:creationId xmlns:p14="http://schemas.microsoft.com/office/powerpoint/2010/main" val="815714492"/>
-      </p:ext>
-    </p:extLst>
-  </p:cSld>
-  <p:clrMapOvr>
-    <a:masterClrMapping/>
-  </p:clrMapOvr>
-</p:sld>
-</file>
-
-<file path=ppt/slides/slide11.xml><?xml version="1.0" encoding="utf-8"?>
-<p:sld xmlns:a="http://schemas.openxmlformats.org/drawingml/2006/main" xmlns:r="http://schemas.openxmlformats.org/officeDocument/2006/relationships" xmlns:p="http://schemas.openxmlformats.org/presentationml/2006/main">
-  <p:cSld>
-    <p:spTree>
-      <p:nvGrpSpPr>
-        <p:cNvPr id="1" name=""/>
-        <p:cNvGrpSpPr/>
-        <p:nvPr/>
-      </p:nvGrpSpPr>
-      <p:grpSpPr>
-        <a:xfrm>
-          <a:off x="0" y="0"/>
-          <a:ext cx="0" cy="0"/>
-          <a:chOff x="0" y="0"/>
-          <a:chExt cx="0" cy="0"/>
-        </a:xfrm>
-      </p:grpSpPr>
-      <p:sp>
-        <p:nvSpPr>
-          <p:cNvPr id="2" name="Title 1">
-            <a:extLst>
-              <a:ext uri="{FF2B5EF4-FFF2-40B4-BE49-F238E27FC236}">
-                <a16:creationId xmlns:a16="http://schemas.microsoft.com/office/drawing/2014/main" id="{4FC6CE41-A153-9943-0D8F-256C8B57DE6C}"/>
-              </a:ext>
-            </a:extLst>
-          </p:cNvPr>
-          <p:cNvSpPr>
-            <a:spLocks noGrp="1"/>
-          </p:cNvSpPr>
-          <p:nvPr>
-            <p:ph type="title"/>
-          </p:nvPr>
-        </p:nvSpPr>
-        <p:spPr/>
-        <p:txBody>
-          <a:bodyPr>
-            <a:normAutofit/>
-          </a:bodyPr>
-          <a:lstStyle/>
-          <a:p>
-            <a:r>
-              <a:rPr lang="en-US" sz="4000" dirty="0">
-                <a:solidFill>
-                  <a:srgbClr val="0070C0"/>
-                </a:solidFill>
-              </a:rPr>
-              <a:t>Univariant Analysis</a:t>
-            </a:r>
-            <a:endParaRPr lang="en-US" sz="4000" dirty="0"/>
-          </a:p>
-        </p:txBody>
-      </p:sp>
-      <p:pic>
-        <p:nvPicPr>
-          <p:cNvPr id="4" name="Picture 2">
-            <a:extLst>
-              <a:ext uri="{FF2B5EF4-FFF2-40B4-BE49-F238E27FC236}">
-                <a16:creationId xmlns:a16="http://schemas.microsoft.com/office/drawing/2014/main" id="{5EE26393-D9BF-78AF-51CB-5F7AFC936D56}"/>
-              </a:ext>
-            </a:extLst>
-          </p:cNvPr>
-          <p:cNvPicPr>
-            <a:picLocks noChangeAspect="1" noChangeArrowheads="1"/>
-          </p:cNvPicPr>
-          <p:nvPr/>
-        </p:nvPicPr>
-        <p:blipFill>
-          <a:blip r:embed="rId2">
-            <a:extLst>
-              <a:ext uri="{28A0092B-C50C-407E-A947-70E740481C1C}">
-                <a14:useLocalDpi xmlns:a14="http://schemas.microsoft.com/office/drawing/2010/main" val="0"/>
-              </a:ext>
-            </a:extLst>
-          </a:blip>
-          <a:srcRect/>
-          <a:stretch>
-            <a:fillRect/>
-          </a:stretch>
-        </p:blipFill>
-        <p:spPr bwMode="auto">
-          <a:xfrm>
-            <a:off x="698900" y="2115151"/>
-            <a:ext cx="4224895" cy="1680441"/>
-          </a:xfrm>
-          <a:prstGeom prst="rect">
-            <a:avLst/>
-          </a:prstGeom>
-          <a:noFill/>
-          <a:extLst>
-            <a:ext uri="{909E8E84-426E-40DD-AFC4-6F175D3DCCD1}">
-              <a14:hiddenFill xmlns:a14="http://schemas.microsoft.com/office/drawing/2010/main">
-                <a:solidFill>
-                  <a:srgbClr val="FFFFFF"/>
-                </a:solidFill>
-              </a14:hiddenFill>
-            </a:ext>
-          </a:extLst>
-        </p:spPr>
-      </p:pic>
-      <p:pic>
-        <p:nvPicPr>
-          <p:cNvPr id="5" name="Picture 4">
-            <a:extLst>
-              <a:ext uri="{FF2B5EF4-FFF2-40B4-BE49-F238E27FC236}">
-                <a16:creationId xmlns:a16="http://schemas.microsoft.com/office/drawing/2014/main" id="{AF3FD672-20AA-B1DD-4400-76A078C7AD10}"/>
-              </a:ext>
-            </a:extLst>
-          </p:cNvPr>
-          <p:cNvPicPr>
-            <a:picLocks noChangeAspect="1"/>
-          </p:cNvPicPr>
-          <p:nvPr/>
-        </p:nvPicPr>
-        <p:blipFill>
-          <a:blip r:embed="rId3"/>
-          <a:stretch>
-            <a:fillRect/>
-          </a:stretch>
-        </p:blipFill>
-        <p:spPr>
-          <a:xfrm>
-            <a:off x="5725757" y="2115499"/>
-            <a:ext cx="4084591" cy="1680093"/>
-          </a:xfrm>
-          <a:prstGeom prst="rect">
-            <a:avLst/>
-          </a:prstGeom>
-        </p:spPr>
-      </p:pic>
-      <p:pic>
-        <p:nvPicPr>
-          <p:cNvPr id="6" name="Picture 4">
-            <a:extLst>
-              <a:ext uri="{FF2B5EF4-FFF2-40B4-BE49-F238E27FC236}">
-                <a16:creationId xmlns:a16="http://schemas.microsoft.com/office/drawing/2014/main" id="{F20EEBF5-C8A9-7BE6-5253-9BEB05E03E4B}"/>
-              </a:ext>
-            </a:extLst>
-          </p:cNvPr>
-          <p:cNvPicPr>
-            <a:picLocks noChangeAspect="1" noChangeArrowheads="1"/>
-          </p:cNvPicPr>
-          <p:nvPr/>
-        </p:nvPicPr>
-        <p:blipFill>
-          <a:blip r:embed="rId4">
-            <a:extLst>
-              <a:ext uri="{28A0092B-C50C-407E-A947-70E740481C1C}">
-                <a14:useLocalDpi xmlns:a14="http://schemas.microsoft.com/office/drawing/2010/main" val="0"/>
-              </a:ext>
-            </a:extLst>
-          </a:blip>
-          <a:srcRect/>
-          <a:stretch>
-            <a:fillRect/>
-          </a:stretch>
-        </p:blipFill>
-        <p:spPr bwMode="auto">
-          <a:xfrm>
-            <a:off x="5725757" y="4095584"/>
-            <a:ext cx="4084591" cy="1981639"/>
-          </a:xfrm>
-          <a:prstGeom prst="rect">
-            <a:avLst/>
-          </a:prstGeom>
-          <a:noFill/>
-          <a:extLst>
-            <a:ext uri="{909E8E84-426E-40DD-AFC4-6F175D3DCCD1}">
-              <a14:hiddenFill xmlns:a14="http://schemas.microsoft.com/office/drawing/2010/main">
-                <a:solidFill>
-                  <a:srgbClr val="FFFFFF"/>
-                </a:solidFill>
-              </a14:hiddenFill>
-            </a:ext>
-          </a:extLst>
-        </p:spPr>
-      </p:pic>
-      <p:pic>
-        <p:nvPicPr>
-          <p:cNvPr id="7" name="Picture 6">
-            <a:extLst>
-              <a:ext uri="{FF2B5EF4-FFF2-40B4-BE49-F238E27FC236}">
-                <a16:creationId xmlns:a16="http://schemas.microsoft.com/office/drawing/2014/main" id="{514638BC-19C9-2E0D-D8AE-2C685C762576}"/>
-              </a:ext>
-            </a:extLst>
-          </p:cNvPr>
-          <p:cNvPicPr>
-            <a:picLocks noChangeAspect="1"/>
-          </p:cNvPicPr>
-          <p:nvPr/>
-        </p:nvPicPr>
-        <p:blipFill>
-          <a:blip r:embed="rId5"/>
-          <a:stretch>
-            <a:fillRect/>
-          </a:stretch>
-        </p:blipFill>
-        <p:spPr>
-          <a:xfrm>
-            <a:off x="698900" y="4095585"/>
-            <a:ext cx="4224895" cy="1968165"/>
-          </a:xfrm>
-          <a:prstGeom prst="rect">
-            <a:avLst/>
-          </a:prstGeom>
-        </p:spPr>
-      </p:pic>
-      <p:sp>
-        <p:nvSpPr>
-          <p:cNvPr id="3" name="TextBox 2">
-            <a:extLst>
-              <a:ext uri="{FF2B5EF4-FFF2-40B4-BE49-F238E27FC236}">
-                <a16:creationId xmlns:a16="http://schemas.microsoft.com/office/drawing/2014/main" id="{C4930E70-24B1-D0BD-58DE-5681F3577DDC}"/>
-              </a:ext>
-            </a:extLst>
-          </p:cNvPr>
-          <p:cNvSpPr txBox="1"/>
-          <p:nvPr/>
-        </p:nvSpPr>
-        <p:spPr>
-          <a:xfrm>
-            <a:off x="3535243" y="3779241"/>
-            <a:ext cx="4576594" cy="276999"/>
-          </a:xfrm>
-          <a:prstGeom prst="rect">
-            <a:avLst/>
-          </a:prstGeom>
-          <a:noFill/>
-        </p:spPr>
-        <p:txBody>
-          <a:bodyPr wrap="square" rtlCol="0">
-            <a:spAutoFit/>
-          </a:bodyPr>
-          <a:lstStyle/>
-          <a:p>
-            <a:r>
-              <a:rPr lang="en-US" sz="1200" dirty="0"/>
-              <a:t>Employment Length and Home Ownership Vs “</a:t>
-            </a:r>
-            <a:r>
-              <a:rPr lang="en-US" sz="1200" b="1" dirty="0"/>
-              <a:t>Charged Off</a:t>
-            </a:r>
-            <a:r>
-              <a:rPr lang="en-US" sz="1200" dirty="0"/>
-              <a:t>” Loans</a:t>
-            </a:r>
-          </a:p>
-        </p:txBody>
-      </p:sp>
-      <p:sp>
-        <p:nvSpPr>
-          <p:cNvPr id="8" name="TextBox 7">
-            <a:extLst>
-              <a:ext uri="{FF2B5EF4-FFF2-40B4-BE49-F238E27FC236}">
-                <a16:creationId xmlns:a16="http://schemas.microsoft.com/office/drawing/2014/main" id="{59B64630-CB6C-8E0F-96C3-EFBF7F3C4AD0}"/>
-              </a:ext>
-            </a:extLst>
-          </p:cNvPr>
-          <p:cNvSpPr txBox="1"/>
-          <p:nvPr/>
-        </p:nvSpPr>
-        <p:spPr>
-          <a:xfrm>
-            <a:off x="3735054" y="6098121"/>
-            <a:ext cx="5194450" cy="276999"/>
-          </a:xfrm>
-          <a:prstGeom prst="rect">
-            <a:avLst/>
-          </a:prstGeom>
-          <a:noFill/>
-        </p:spPr>
-        <p:txBody>
-          <a:bodyPr wrap="square" rtlCol="0">
-            <a:spAutoFit/>
-          </a:bodyPr>
-          <a:lstStyle/>
-          <a:p>
-            <a:r>
-              <a:rPr lang="en-US" sz="1200" dirty="0"/>
-              <a:t>Loan Issued Month and Year Vs “</a:t>
-            </a:r>
-            <a:r>
-              <a:rPr lang="en-US" sz="1200" b="1" dirty="0"/>
-              <a:t>Charged Off</a:t>
-            </a:r>
-            <a:r>
-              <a:rPr lang="en-US" sz="1200" dirty="0"/>
-              <a:t>” Loans</a:t>
-            </a:r>
-          </a:p>
-        </p:txBody>
-      </p:sp>
-    </p:spTree>
-    <p:extLst>
-      <p:ext uri="{BB962C8B-B14F-4D97-AF65-F5344CB8AC3E}">
-        <p14:creationId xmlns:p14="http://schemas.microsoft.com/office/powerpoint/2010/main" val="1542232551"/>
-      </p:ext>
-    </p:extLst>
-  </p:cSld>
-  <p:clrMapOvr>
-    <a:masterClrMapping/>
-  </p:clrMapOvr>
-</p:sld>
-</file>
-
-<file path=ppt/slides/slide12.xml><?xml version="1.0" encoding="utf-8"?>
-<p:sld xmlns:a="http://schemas.openxmlformats.org/drawingml/2006/main" xmlns:r="http://schemas.openxmlformats.org/officeDocument/2006/relationships" xmlns:p="http://schemas.openxmlformats.org/presentationml/2006/main">
-  <p:cSld>
-    <p:spTree>
-      <p:nvGrpSpPr>
-        <p:cNvPr id="1" name=""/>
-        <p:cNvGrpSpPr/>
-        <p:nvPr/>
-      </p:nvGrpSpPr>
-      <p:grpSpPr>
-        <a:xfrm>
-          <a:off x="0" y="0"/>
-          <a:ext cx="0" cy="0"/>
-          <a:chOff x="0" y="0"/>
-          <a:chExt cx="0" cy="0"/>
-        </a:xfrm>
-      </p:grpSpPr>
-      <p:sp>
-        <p:nvSpPr>
-          <p:cNvPr id="2" name="Title 1">
-            <a:extLst>
-              <a:ext uri="{FF2B5EF4-FFF2-40B4-BE49-F238E27FC236}">
-                <a16:creationId xmlns:a16="http://schemas.microsoft.com/office/drawing/2014/main" id="{4FC6CE41-A153-9943-0D8F-256C8B57DE6C}"/>
-              </a:ext>
-            </a:extLst>
-          </p:cNvPr>
-          <p:cNvSpPr>
-            <a:spLocks noGrp="1"/>
-          </p:cNvSpPr>
-          <p:nvPr>
-            <p:ph type="title"/>
-          </p:nvPr>
-        </p:nvSpPr>
-        <p:spPr/>
-        <p:txBody>
-          <a:bodyPr>
-            <a:normAutofit/>
-          </a:bodyPr>
-          <a:lstStyle/>
-          <a:p>
-            <a:r>
-              <a:rPr lang="en-US" sz="4000" dirty="0">
-                <a:solidFill>
-                  <a:srgbClr val="0070C0"/>
-                </a:solidFill>
-              </a:rPr>
-              <a:t>Univariant Analysis</a:t>
-            </a:r>
-            <a:endParaRPr lang="en-US" sz="4000" dirty="0"/>
-          </a:p>
-        </p:txBody>
-      </p:sp>
-      <p:pic>
-        <p:nvPicPr>
-          <p:cNvPr id="5122" name="Picture 2">
-            <a:extLst>
-              <a:ext uri="{FF2B5EF4-FFF2-40B4-BE49-F238E27FC236}">
-                <a16:creationId xmlns:a16="http://schemas.microsoft.com/office/drawing/2014/main" id="{BC1FBC5B-1B72-F28F-D509-BA3BFFA1F663}"/>
-              </a:ext>
-            </a:extLst>
-          </p:cNvPr>
-          <p:cNvPicPr>
-            <a:picLocks noChangeAspect="1" noChangeArrowheads="1"/>
-          </p:cNvPicPr>
-          <p:nvPr/>
-        </p:nvPicPr>
-        <p:blipFill>
-          <a:blip r:embed="rId2">
-            <a:extLst>
-              <a:ext uri="{28A0092B-C50C-407E-A947-70E740481C1C}">
-                <a14:useLocalDpi xmlns:a14="http://schemas.microsoft.com/office/drawing/2010/main" val="0"/>
-              </a:ext>
-            </a:extLst>
-          </a:blip>
-          <a:srcRect/>
-          <a:stretch>
-            <a:fillRect/>
-          </a:stretch>
-        </p:blipFill>
-        <p:spPr bwMode="auto">
-          <a:xfrm>
-            <a:off x="1280997" y="2070201"/>
-            <a:ext cx="4541901" cy="3192475"/>
-          </a:xfrm>
-          <a:prstGeom prst="rect">
-            <a:avLst/>
-          </a:prstGeom>
-          <a:noFill/>
-          <a:extLst>
-            <a:ext uri="{909E8E84-426E-40DD-AFC4-6F175D3DCCD1}">
-              <a14:hiddenFill xmlns:a14="http://schemas.microsoft.com/office/drawing/2010/main">
-                <a:solidFill>
-                  <a:srgbClr val="FFFFFF"/>
-                </a:solidFill>
-              </a14:hiddenFill>
-            </a:ext>
-          </a:extLst>
-        </p:spPr>
-      </p:pic>
-      <p:pic>
-        <p:nvPicPr>
-          <p:cNvPr id="5124" name="Picture 4">
-            <a:extLst>
-              <a:ext uri="{FF2B5EF4-FFF2-40B4-BE49-F238E27FC236}">
-                <a16:creationId xmlns:a16="http://schemas.microsoft.com/office/drawing/2014/main" id="{EF8866ED-6C6F-D002-7934-E7B3115BB314}"/>
-              </a:ext>
-            </a:extLst>
-          </p:cNvPr>
-          <p:cNvPicPr>
-            <a:picLocks noChangeAspect="1" noChangeArrowheads="1"/>
-          </p:cNvPicPr>
-          <p:nvPr/>
-        </p:nvPicPr>
-        <p:blipFill>
-          <a:blip r:embed="rId3">
-            <a:extLst>
-              <a:ext uri="{28A0092B-C50C-407E-A947-70E740481C1C}">
-                <a14:useLocalDpi xmlns:a14="http://schemas.microsoft.com/office/drawing/2010/main" val="0"/>
-              </a:ext>
-            </a:extLst>
-          </a:blip>
-          <a:srcRect/>
-          <a:stretch>
-            <a:fillRect/>
-          </a:stretch>
-        </p:blipFill>
-        <p:spPr bwMode="auto">
-          <a:xfrm>
-            <a:off x="6096000" y="2070201"/>
-            <a:ext cx="4379365" cy="3192475"/>
-          </a:xfrm>
-          <a:prstGeom prst="rect">
-            <a:avLst/>
-          </a:prstGeom>
-          <a:noFill/>
-          <a:extLst>
-            <a:ext uri="{909E8E84-426E-40DD-AFC4-6F175D3DCCD1}">
-              <a14:hiddenFill xmlns:a14="http://schemas.microsoft.com/office/drawing/2010/main">
-                <a:solidFill>
-                  <a:srgbClr val="FFFFFF"/>
-                </a:solidFill>
-              </a14:hiddenFill>
-            </a:ext>
-          </a:extLst>
-        </p:spPr>
-      </p:pic>
-      <p:sp>
-        <p:nvSpPr>
-          <p:cNvPr id="3" name="TextBox 2">
-            <a:extLst>
-              <a:ext uri="{FF2B5EF4-FFF2-40B4-BE49-F238E27FC236}">
-                <a16:creationId xmlns:a16="http://schemas.microsoft.com/office/drawing/2014/main" id="{48CFEAD8-5827-4EEE-F2A3-29289DB74A3A}"/>
-              </a:ext>
-            </a:extLst>
-          </p:cNvPr>
-          <p:cNvSpPr txBox="1"/>
-          <p:nvPr/>
-        </p:nvSpPr>
-        <p:spPr>
-          <a:xfrm>
-            <a:off x="4727057" y="5472406"/>
-            <a:ext cx="5284845" cy="276999"/>
-          </a:xfrm>
-          <a:prstGeom prst="rect">
-            <a:avLst/>
-          </a:prstGeom>
-          <a:noFill/>
-        </p:spPr>
-        <p:txBody>
-          <a:bodyPr wrap="square" rtlCol="0">
-            <a:spAutoFit/>
-          </a:bodyPr>
-          <a:lstStyle/>
-          <a:p>
-            <a:r>
-              <a:rPr lang="en-US" sz="1200" dirty="0"/>
-              <a:t>Loan term and Grade Vs “</a:t>
-            </a:r>
-            <a:r>
-              <a:rPr lang="en-US" sz="1200" b="1" dirty="0"/>
-              <a:t>Charged Off</a:t>
-            </a:r>
-            <a:r>
-              <a:rPr lang="en-US" sz="1200" dirty="0"/>
-              <a:t>” Loans</a:t>
-            </a:r>
-          </a:p>
-        </p:txBody>
-      </p:sp>
-    </p:spTree>
-    <p:extLst>
-      <p:ext uri="{BB962C8B-B14F-4D97-AF65-F5344CB8AC3E}">
-        <p14:creationId xmlns:p14="http://schemas.microsoft.com/office/powerpoint/2010/main" val="2336719243"/>
-      </p:ext>
-    </p:extLst>
-  </p:cSld>
-  <p:clrMapOvr>
-    <a:masterClrMapping/>
-  </p:clrMapOvr>
-</p:sld>
-</file>
-
-<file path=ppt/slides/slide13.xml><?xml version="1.0" encoding="utf-8"?>
-<p:sld xmlns:a="http://schemas.openxmlformats.org/drawingml/2006/main" xmlns:r="http://schemas.openxmlformats.org/officeDocument/2006/relationships" xmlns:p="http://schemas.openxmlformats.org/presentationml/2006/main">
-  <p:cSld>
-    <p:spTree>
-      <p:nvGrpSpPr>
-        <p:cNvPr id="1" name=""/>
-        <p:cNvGrpSpPr/>
-        <p:nvPr/>
-      </p:nvGrpSpPr>
-      <p:grpSpPr>
-        <a:xfrm>
-          <a:off x="0" y="0"/>
-          <a:ext cx="0" cy="0"/>
-          <a:chOff x="0" y="0"/>
-          <a:chExt cx="0" cy="0"/>
-        </a:xfrm>
-      </p:grpSpPr>
-      <p:sp>
-        <p:nvSpPr>
-          <p:cNvPr id="2" name="Title 1">
-            <a:extLst>
-              <a:ext uri="{FF2B5EF4-FFF2-40B4-BE49-F238E27FC236}">
-                <a16:creationId xmlns:a16="http://schemas.microsoft.com/office/drawing/2014/main" id="{4FC6CE41-A153-9943-0D8F-256C8B57DE6C}"/>
-              </a:ext>
-            </a:extLst>
-          </p:cNvPr>
-          <p:cNvSpPr>
-            <a:spLocks noGrp="1"/>
-          </p:cNvSpPr>
-          <p:nvPr>
-            <p:ph type="title"/>
-          </p:nvPr>
-        </p:nvSpPr>
-        <p:spPr/>
-        <p:txBody>
-          <a:bodyPr>
-            <a:normAutofit/>
-          </a:bodyPr>
-          <a:lstStyle/>
-          <a:p>
-            <a:r>
-              <a:rPr lang="en-US" sz="4000" dirty="0">
-                <a:solidFill>
-                  <a:srgbClr val="0070C0"/>
-                </a:solidFill>
-              </a:rPr>
-              <a:t>Univariant Analysis</a:t>
-            </a:r>
-            <a:endParaRPr lang="en-US" sz="4000" dirty="0"/>
-          </a:p>
-        </p:txBody>
-      </p:sp>
-      <p:pic>
-        <p:nvPicPr>
-          <p:cNvPr id="8" name="Picture 7">
-            <a:extLst>
-              <a:ext uri="{FF2B5EF4-FFF2-40B4-BE49-F238E27FC236}">
-                <a16:creationId xmlns:a16="http://schemas.microsoft.com/office/drawing/2014/main" id="{4A2F3E94-B1DA-D0CF-8AEE-16C233CEB0FB}"/>
-              </a:ext>
-            </a:extLst>
-          </p:cNvPr>
-          <p:cNvPicPr>
-            <a:picLocks noChangeAspect="1"/>
-          </p:cNvPicPr>
-          <p:nvPr/>
-        </p:nvPicPr>
-        <p:blipFill>
-          <a:blip r:embed="rId2"/>
-          <a:stretch>
-            <a:fillRect/>
-          </a:stretch>
-        </p:blipFill>
-        <p:spPr>
-          <a:xfrm>
-            <a:off x="886987" y="2079291"/>
-            <a:ext cx="5209013" cy="3675874"/>
-          </a:xfrm>
-          <a:prstGeom prst="rect">
-            <a:avLst/>
-          </a:prstGeom>
-        </p:spPr>
-      </p:pic>
-      <p:pic>
-        <p:nvPicPr>
-          <p:cNvPr id="10" name="Picture 9">
-            <a:extLst>
-              <a:ext uri="{FF2B5EF4-FFF2-40B4-BE49-F238E27FC236}">
-                <a16:creationId xmlns:a16="http://schemas.microsoft.com/office/drawing/2014/main" id="{09F99864-9232-D389-B087-25EC867A4D33}"/>
-              </a:ext>
-            </a:extLst>
-          </p:cNvPr>
-          <p:cNvPicPr>
-            <a:picLocks noChangeAspect="1"/>
-          </p:cNvPicPr>
-          <p:nvPr/>
-        </p:nvPicPr>
-        <p:blipFill>
-          <a:blip r:embed="rId3"/>
-          <a:stretch>
-            <a:fillRect/>
-          </a:stretch>
-        </p:blipFill>
-        <p:spPr>
-          <a:xfrm>
-            <a:off x="6274225" y="2273286"/>
-            <a:ext cx="5259841" cy="3481879"/>
-          </a:xfrm>
-          <a:prstGeom prst="rect">
-            <a:avLst/>
-          </a:prstGeom>
-        </p:spPr>
-      </p:pic>
-      <p:sp>
-        <p:nvSpPr>
-          <p:cNvPr id="3" name="TextBox 2">
-            <a:extLst>
-              <a:ext uri="{FF2B5EF4-FFF2-40B4-BE49-F238E27FC236}">
-                <a16:creationId xmlns:a16="http://schemas.microsoft.com/office/drawing/2014/main" id="{CC60C18C-805F-4B79-DA71-2899C987F87D}"/>
-              </a:ext>
-            </a:extLst>
-          </p:cNvPr>
-          <p:cNvSpPr txBox="1"/>
-          <p:nvPr/>
-        </p:nvSpPr>
-        <p:spPr>
-          <a:xfrm>
-            <a:off x="3800213" y="5973743"/>
-            <a:ext cx="5419985" cy="276999"/>
-          </a:xfrm>
-          <a:prstGeom prst="rect">
-            <a:avLst/>
-          </a:prstGeom>
-          <a:noFill/>
-        </p:spPr>
-        <p:txBody>
-          <a:bodyPr wrap="square" rtlCol="0">
-            <a:spAutoFit/>
-          </a:bodyPr>
-          <a:lstStyle/>
-          <a:p>
-            <a:r>
-              <a:rPr lang="en-US" sz="1200" dirty="0"/>
-              <a:t>Purpose of the Loan and applicants address state Vs “</a:t>
-            </a:r>
-            <a:r>
-              <a:rPr lang="en-US" sz="1200" b="1" dirty="0"/>
-              <a:t>Charged Off</a:t>
-            </a:r>
-            <a:r>
-              <a:rPr lang="en-US" sz="1200" dirty="0"/>
-              <a:t>” Loans</a:t>
-            </a:r>
-          </a:p>
-        </p:txBody>
-      </p:sp>
-    </p:spTree>
-    <p:extLst>
-      <p:ext uri="{BB962C8B-B14F-4D97-AF65-F5344CB8AC3E}">
-        <p14:creationId xmlns:p14="http://schemas.microsoft.com/office/powerpoint/2010/main" val="973655834"/>
-      </p:ext>
-    </p:extLst>
-  </p:cSld>
-  <p:clrMapOvr>
-    <a:masterClrMapping/>
-  </p:clrMapOvr>
-</p:sld>
-</file>
-
-<file path=ppt/slides/slide14.xml><?xml version="1.0" encoding="utf-8"?>
-<p:sld xmlns:a="http://schemas.openxmlformats.org/drawingml/2006/main" xmlns:r="http://schemas.openxmlformats.org/officeDocument/2006/relationships" xmlns:p="http://schemas.openxmlformats.org/presentationml/2006/main">
-  <p:cSld>
-    <p:spTree>
-      <p:nvGrpSpPr>
-        <p:cNvPr id="1" name=""/>
-        <p:cNvGrpSpPr/>
-        <p:nvPr/>
-      </p:nvGrpSpPr>
-      <p:grpSpPr>
-        <a:xfrm>
-          <a:off x="0" y="0"/>
-          <a:ext cx="0" cy="0"/>
-          <a:chOff x="0" y="0"/>
-          <a:chExt cx="0" cy="0"/>
-        </a:xfrm>
-      </p:grpSpPr>
-      <p:sp>
-        <p:nvSpPr>
-          <p:cNvPr id="2" name="Title 1">
-            <a:extLst>
-              <a:ext uri="{FF2B5EF4-FFF2-40B4-BE49-F238E27FC236}">
-                <a16:creationId xmlns:a16="http://schemas.microsoft.com/office/drawing/2014/main" id="{4FC6CE41-A153-9943-0D8F-256C8B57DE6C}"/>
-              </a:ext>
-            </a:extLst>
-          </p:cNvPr>
-          <p:cNvSpPr>
-            <a:spLocks noGrp="1"/>
-          </p:cNvSpPr>
-          <p:nvPr>
-            <p:ph type="title"/>
-          </p:nvPr>
-        </p:nvSpPr>
-        <p:spPr/>
-        <p:txBody>
-          <a:bodyPr>
-            <a:normAutofit/>
-          </a:bodyPr>
-          <a:lstStyle/>
-          <a:p>
-            <a:r>
-              <a:rPr lang="en-US" sz="4000" dirty="0">
-                <a:solidFill>
-                  <a:srgbClr val="0070C0"/>
-                </a:solidFill>
-              </a:rPr>
-              <a:t>Univariant Analysis</a:t>
-            </a:r>
-            <a:endParaRPr lang="en-US" sz="4000" dirty="0"/>
-          </a:p>
-        </p:txBody>
-      </p:sp>
-      <p:pic>
-        <p:nvPicPr>
-          <p:cNvPr id="13314" name="Picture 2">
-            <a:extLst>
-              <a:ext uri="{FF2B5EF4-FFF2-40B4-BE49-F238E27FC236}">
-                <a16:creationId xmlns:a16="http://schemas.microsoft.com/office/drawing/2014/main" id="{648113A1-B011-4285-15BA-D0B84FFBB862}"/>
-              </a:ext>
-            </a:extLst>
-          </p:cNvPr>
-          <p:cNvPicPr>
-            <a:picLocks noChangeAspect="1" noChangeArrowheads="1"/>
-          </p:cNvPicPr>
-          <p:nvPr/>
-        </p:nvPicPr>
-        <p:blipFill>
-          <a:blip r:embed="rId2">
-            <a:extLst>
-              <a:ext uri="{28A0092B-C50C-407E-A947-70E740481C1C}">
-                <a14:useLocalDpi xmlns:a14="http://schemas.microsoft.com/office/drawing/2010/main" val="0"/>
-              </a:ext>
-            </a:extLst>
-          </a:blip>
-          <a:srcRect/>
-          <a:stretch>
-            <a:fillRect/>
-          </a:stretch>
-        </p:blipFill>
-        <p:spPr bwMode="auto">
-          <a:xfrm>
-            <a:off x="648026" y="1905763"/>
-            <a:ext cx="5193792" cy="3763517"/>
-          </a:xfrm>
-          <a:prstGeom prst="rect">
-            <a:avLst/>
-          </a:prstGeom>
-          <a:noFill/>
-          <a:extLst>
-            <a:ext uri="{909E8E84-426E-40DD-AFC4-6F175D3DCCD1}">
-              <a14:hiddenFill xmlns:a14="http://schemas.microsoft.com/office/drawing/2010/main">
-                <a:solidFill>
-                  <a:srgbClr val="FFFFFF"/>
-                </a:solidFill>
-              </a14:hiddenFill>
-            </a:ext>
-          </a:extLst>
-        </p:spPr>
-      </p:pic>
-      <p:pic>
-        <p:nvPicPr>
-          <p:cNvPr id="13318" name="Picture 6">
-            <a:extLst>
-              <a:ext uri="{FF2B5EF4-FFF2-40B4-BE49-F238E27FC236}">
-                <a16:creationId xmlns:a16="http://schemas.microsoft.com/office/drawing/2014/main" id="{18A4CD66-FD83-046A-84AC-81587C307CDF}"/>
-              </a:ext>
-            </a:extLst>
-          </p:cNvPr>
-          <p:cNvPicPr>
-            <a:picLocks noChangeAspect="1" noChangeArrowheads="1"/>
-          </p:cNvPicPr>
-          <p:nvPr/>
-        </p:nvPicPr>
-        <p:blipFill>
-          <a:blip r:embed="rId3">
-            <a:extLst>
-              <a:ext uri="{28A0092B-C50C-407E-A947-70E740481C1C}">
-                <a14:useLocalDpi xmlns:a14="http://schemas.microsoft.com/office/drawing/2010/main" val="0"/>
-              </a:ext>
-            </a:extLst>
-          </a:blip>
-          <a:srcRect/>
-          <a:stretch>
-            <a:fillRect/>
-          </a:stretch>
-        </p:blipFill>
-        <p:spPr bwMode="auto">
-          <a:xfrm>
-            <a:off x="6247857" y="1905763"/>
-            <a:ext cx="5193792" cy="3794950"/>
-          </a:xfrm>
-          <a:prstGeom prst="rect">
-            <a:avLst/>
-          </a:prstGeom>
-          <a:noFill/>
-          <a:extLst>
-            <a:ext uri="{909E8E84-426E-40DD-AFC4-6F175D3DCCD1}">
-              <a14:hiddenFill xmlns:a14="http://schemas.microsoft.com/office/drawing/2010/main">
-                <a:solidFill>
-                  <a:srgbClr val="FFFFFF"/>
-                </a:solidFill>
-              </a14:hiddenFill>
-            </a:ext>
-          </a:extLst>
-        </p:spPr>
-      </p:pic>
-      <p:sp>
-        <p:nvSpPr>
-          <p:cNvPr id="3" name="TextBox 2">
-            <a:extLst>
-              <a:ext uri="{FF2B5EF4-FFF2-40B4-BE49-F238E27FC236}">
-                <a16:creationId xmlns:a16="http://schemas.microsoft.com/office/drawing/2014/main" id="{9816DC86-5216-ED65-E219-9B4F57ED74CE}"/>
-              </a:ext>
-            </a:extLst>
-          </p:cNvPr>
-          <p:cNvSpPr txBox="1"/>
-          <p:nvPr/>
-        </p:nvSpPr>
-        <p:spPr>
-          <a:xfrm>
-            <a:off x="3422709" y="5837683"/>
-            <a:ext cx="6033018" cy="276999"/>
-          </a:xfrm>
-          <a:prstGeom prst="rect">
-            <a:avLst/>
-          </a:prstGeom>
-          <a:noFill/>
-        </p:spPr>
-        <p:txBody>
-          <a:bodyPr wrap="square" rtlCol="0">
-            <a:spAutoFit/>
-          </a:bodyPr>
-          <a:lstStyle/>
-          <a:p>
-            <a:r>
-              <a:rPr lang="en-US" sz="1200" dirty="0"/>
-              <a:t>Installment Amount and Loan Amount Vs </a:t>
-            </a:r>
-            <a:r>
-              <a:rPr lang="en-US" sz="1200" b="1" dirty="0"/>
-              <a:t>Loan status</a:t>
-            </a:r>
-            <a:r>
-              <a:rPr lang="en-US" sz="1200" dirty="0"/>
-              <a:t> Histogram graph representation</a:t>
-            </a:r>
-          </a:p>
-        </p:txBody>
-      </p:sp>
-    </p:spTree>
-    <p:extLst>
-      <p:ext uri="{BB962C8B-B14F-4D97-AF65-F5344CB8AC3E}">
-        <p14:creationId xmlns:p14="http://schemas.microsoft.com/office/powerpoint/2010/main" val="2251006216"/>
-      </p:ext>
-    </p:extLst>
-  </p:cSld>
-  <p:clrMapOvr>
-    <a:masterClrMapping/>
-  </p:clrMapOvr>
-</p:sld>
-</file>
-
-<file path=ppt/slides/slide15.xml><?xml version="1.0" encoding="utf-8"?>
-<p:sld xmlns:a="http://schemas.openxmlformats.org/drawingml/2006/main" xmlns:r="http://schemas.openxmlformats.org/officeDocument/2006/relationships" xmlns:p="http://schemas.openxmlformats.org/presentationml/2006/main">
-  <p:cSld>
-    <p:spTree>
-      <p:nvGrpSpPr>
-        <p:cNvPr id="1" name=""/>
-        <p:cNvGrpSpPr/>
-        <p:nvPr/>
-      </p:nvGrpSpPr>
-      <p:grpSpPr>
-        <a:xfrm>
-          <a:off x="0" y="0"/>
-          <a:ext cx="0" cy="0"/>
-          <a:chOff x="0" y="0"/>
-          <a:chExt cx="0" cy="0"/>
-        </a:xfrm>
-      </p:grpSpPr>
-      <p:sp>
-        <p:nvSpPr>
-          <p:cNvPr id="2" name="Title 1">
-            <a:extLst>
-              <a:ext uri="{FF2B5EF4-FFF2-40B4-BE49-F238E27FC236}">
-                <a16:creationId xmlns:a16="http://schemas.microsoft.com/office/drawing/2014/main" id="{6D33DE66-3904-ACE9-84E7-D2C3900F8058}"/>
-              </a:ext>
-            </a:extLst>
-          </p:cNvPr>
-          <p:cNvSpPr>
-            <a:spLocks noGrp="1"/>
-          </p:cNvSpPr>
-          <p:nvPr>
-            <p:ph type="title"/>
-          </p:nvPr>
-        </p:nvSpPr>
-        <p:spPr>
-          <a:xfrm>
-            <a:off x="1097279" y="286603"/>
-            <a:ext cx="10305011" cy="1450757"/>
-          </a:xfrm>
-        </p:spPr>
-        <p:txBody>
-          <a:bodyPr>
-            <a:normAutofit/>
-          </a:bodyPr>
-          <a:lstStyle/>
-          <a:p>
-            <a:r>
-              <a:rPr lang="en-US" sz="4000" dirty="0">
-                <a:solidFill>
-                  <a:srgbClr val="0070C0"/>
-                </a:solidFill>
-              </a:rPr>
-              <a:t>Univariant Analysis – Observations</a:t>
-            </a:r>
-            <a:endParaRPr lang="en-US" sz="4000" dirty="0"/>
-          </a:p>
-        </p:txBody>
-      </p:sp>
-      <p:sp>
-        <p:nvSpPr>
-          <p:cNvPr id="3" name="TextBox 2">
-            <a:extLst>
-              <a:ext uri="{FF2B5EF4-FFF2-40B4-BE49-F238E27FC236}">
-                <a16:creationId xmlns:a16="http://schemas.microsoft.com/office/drawing/2014/main" id="{5D23D362-B109-7D54-F7EF-AE489424EE6A}"/>
-              </a:ext>
-            </a:extLst>
-          </p:cNvPr>
-          <p:cNvSpPr txBox="1"/>
-          <p:nvPr/>
-        </p:nvSpPr>
-        <p:spPr>
-          <a:xfrm>
-            <a:off x="134112" y="1975104"/>
-            <a:ext cx="11923776" cy="4204934"/>
-          </a:xfrm>
-          <a:prstGeom prst="rect">
-            <a:avLst/>
-          </a:prstGeom>
-          <a:noFill/>
-        </p:spPr>
-        <p:txBody>
-          <a:bodyPr wrap="square" rtlCol="0">
-            <a:spAutoFit/>
-          </a:bodyPr>
-          <a:lstStyle/>
-          <a:p>
-            <a:pPr marL="285750" indent="-285750">
-              <a:lnSpc>
-                <a:spcPct val="150000"/>
-              </a:lnSpc>
-              <a:buFont typeface="Arial" panose="020B0604020202020204" pitchFamily="34" charset="0"/>
-              <a:buChar char="•"/>
-            </a:pPr>
-            <a:r>
-              <a:rPr lang="en-US" dirty="0"/>
-              <a:t>Applicants who are employed for more than 10 years a for are accountable for the highest number of "Charged off" loans. </a:t>
-            </a:r>
-          </a:p>
-          <a:p>
-            <a:pPr marL="285750" indent="-285750">
-              <a:lnSpc>
-                <a:spcPct val="150000"/>
-              </a:lnSpc>
-              <a:buFont typeface="Arial" panose="020B0604020202020204" pitchFamily="34" charset="0"/>
-              <a:buChar char="•"/>
-            </a:pPr>
-            <a:r>
-              <a:rPr lang="en-US" dirty="0"/>
-              <a:t>The majority of defaulted loan members are individuals, living in rented houses. </a:t>
-            </a:r>
-          </a:p>
-          <a:p>
-            <a:pPr marL="285750" indent="-285750">
-              <a:lnSpc>
-                <a:spcPct val="150000"/>
-              </a:lnSpc>
-              <a:buFont typeface="Arial" panose="020B0604020202020204" pitchFamily="34" charset="0"/>
-              <a:buChar char="•"/>
-            </a:pPr>
-            <a:r>
-              <a:rPr lang="en-US" dirty="0"/>
-              <a:t>"Charged off" loans are mostly that are taken during the 4th quarter(December, November and October) primarily in December. This might be the reason for loan application during the holiday season.</a:t>
-            </a:r>
-          </a:p>
-          <a:p>
-            <a:pPr marL="285750" indent="-285750">
-              <a:lnSpc>
-                <a:spcPct val="150000"/>
-              </a:lnSpc>
-              <a:buFont typeface="Arial" panose="020B0604020202020204" pitchFamily="34" charset="0"/>
-              <a:buChar char="•"/>
-            </a:pPr>
-            <a:r>
-              <a:rPr lang="en-US" dirty="0"/>
-              <a:t>The trend says, the Charged Off loans are increasing year by year.</a:t>
-            </a:r>
-          </a:p>
-          <a:p>
-            <a:pPr marL="285750" indent="-285750">
-              <a:lnSpc>
-                <a:spcPct val="150000"/>
-              </a:lnSpc>
-              <a:buFont typeface="Arial" panose="020B0604020202020204" pitchFamily="34" charset="0"/>
-              <a:buChar char="•"/>
-            </a:pPr>
-            <a:r>
-              <a:rPr lang="en-US" dirty="0"/>
-              <a:t>Most of the Charged off loans are due to Debt Consolidation. </a:t>
-            </a:r>
-          </a:p>
-          <a:p>
-            <a:pPr marL="285750" indent="-285750">
-              <a:lnSpc>
-                <a:spcPct val="150000"/>
-              </a:lnSpc>
-              <a:buFont typeface="Arial" panose="020B0604020202020204" pitchFamily="34" charset="0"/>
-              <a:buChar char="•"/>
-            </a:pPr>
-            <a:r>
-              <a:rPr lang="en-US" dirty="0"/>
-              <a:t>California state had the highest number of Charged off loan applicants. </a:t>
-            </a:r>
-          </a:p>
-          <a:p>
-            <a:pPr marL="285750" indent="-285750">
-              <a:lnSpc>
-                <a:spcPct val="150000"/>
-              </a:lnSpc>
-              <a:buFont typeface="Arial" panose="020B0604020202020204" pitchFamily="34" charset="0"/>
-              <a:buChar char="•"/>
-            </a:pPr>
-            <a:r>
-              <a:rPr lang="en-US" dirty="0"/>
-              <a:t>Short term loans with a duration of 3 years or 36 months are popular among Charged Off loan applicants.</a:t>
-            </a:r>
-          </a:p>
-          <a:p>
-            <a:pPr marL="285750" indent="-285750">
-              <a:lnSpc>
-                <a:spcPct val="150000"/>
-              </a:lnSpc>
-              <a:buFont typeface="Arial" panose="020B0604020202020204" pitchFamily="34" charset="0"/>
-              <a:buChar char="•"/>
-            </a:pPr>
-            <a:endParaRPr lang="en-US" dirty="0"/>
-          </a:p>
-        </p:txBody>
-      </p:sp>
-    </p:spTree>
-    <p:extLst>
-      <p:ext uri="{BB962C8B-B14F-4D97-AF65-F5344CB8AC3E}">
-        <p14:creationId xmlns:p14="http://schemas.microsoft.com/office/powerpoint/2010/main" val="3928942840"/>
-      </p:ext>
-    </p:extLst>
-  </p:cSld>
-  <p:clrMapOvr>
-    <a:masterClrMapping/>
-  </p:clrMapOvr>
-</p:sld>
-</file>
-
-<file path=ppt/slides/slide16.xml><?xml version="1.0" encoding="utf-8"?>
-<p:sld xmlns:a="http://schemas.openxmlformats.org/drawingml/2006/main" xmlns:r="http://schemas.openxmlformats.org/officeDocument/2006/relationships" xmlns:p="http://schemas.openxmlformats.org/presentationml/2006/main">
-  <p:cSld>
-    <p:spTree>
-      <p:nvGrpSpPr>
-        <p:cNvPr id="1" name=""/>
-        <p:cNvGrpSpPr/>
-        <p:nvPr/>
-      </p:nvGrpSpPr>
-      <p:grpSpPr>
-        <a:xfrm>
-          <a:off x="0" y="0"/>
-          <a:ext cx="0" cy="0"/>
-          <a:chOff x="0" y="0"/>
-          <a:chExt cx="0" cy="0"/>
-        </a:xfrm>
-      </p:grpSpPr>
-      <p:sp>
-        <p:nvSpPr>
-          <p:cNvPr id="2" name="Title 1">
-            <a:extLst>
-              <a:ext uri="{FF2B5EF4-FFF2-40B4-BE49-F238E27FC236}">
-                <a16:creationId xmlns:a16="http://schemas.microsoft.com/office/drawing/2014/main" id="{6D33DE66-3904-ACE9-84E7-D2C3900F8058}"/>
-              </a:ext>
-            </a:extLst>
-          </p:cNvPr>
-          <p:cNvSpPr>
-            <a:spLocks noGrp="1"/>
-          </p:cNvSpPr>
-          <p:nvPr>
-            <p:ph type="title"/>
-          </p:nvPr>
-        </p:nvSpPr>
-        <p:spPr/>
-        <p:txBody>
-          <a:bodyPr/>
-          <a:lstStyle/>
-          <a:p>
-            <a:r>
-              <a:rPr lang="en-US" sz="4000" dirty="0">
-                <a:solidFill>
-                  <a:srgbClr val="0070C0"/>
-                </a:solidFill>
-              </a:rPr>
-              <a:t>Univariant Segmented Analysis</a:t>
-            </a:r>
-          </a:p>
-        </p:txBody>
-      </p:sp>
-      <p:pic>
-        <p:nvPicPr>
-          <p:cNvPr id="7" name="Picture 6">
-            <a:extLst>
-              <a:ext uri="{FF2B5EF4-FFF2-40B4-BE49-F238E27FC236}">
-                <a16:creationId xmlns:a16="http://schemas.microsoft.com/office/drawing/2014/main" id="{5EF4553E-75F6-3712-5876-1039F9B5868D}"/>
-              </a:ext>
-            </a:extLst>
-          </p:cNvPr>
-          <p:cNvPicPr>
-            <a:picLocks noChangeAspect="1"/>
-          </p:cNvPicPr>
-          <p:nvPr/>
-        </p:nvPicPr>
-        <p:blipFill>
-          <a:blip r:embed="rId2"/>
-          <a:stretch>
-            <a:fillRect/>
-          </a:stretch>
-        </p:blipFill>
-        <p:spPr>
-          <a:xfrm>
-            <a:off x="404276" y="2006154"/>
-            <a:ext cx="4404592" cy="3891421"/>
-          </a:xfrm>
-          <a:prstGeom prst="rect">
-            <a:avLst/>
-          </a:prstGeom>
-        </p:spPr>
-      </p:pic>
-      <p:pic>
-        <p:nvPicPr>
-          <p:cNvPr id="9" name="Picture 8">
-            <a:extLst>
-              <a:ext uri="{FF2B5EF4-FFF2-40B4-BE49-F238E27FC236}">
-                <a16:creationId xmlns:a16="http://schemas.microsoft.com/office/drawing/2014/main" id="{E72A5F27-2C01-7D4F-3916-FFEBD38110AD}"/>
-              </a:ext>
-            </a:extLst>
-          </p:cNvPr>
-          <p:cNvPicPr>
-            <a:picLocks noChangeAspect="1"/>
-          </p:cNvPicPr>
-          <p:nvPr/>
-        </p:nvPicPr>
-        <p:blipFill>
-          <a:blip r:embed="rId3"/>
-          <a:stretch>
-            <a:fillRect/>
-          </a:stretch>
-        </p:blipFill>
-        <p:spPr>
-          <a:xfrm>
-            <a:off x="5851430" y="2006154"/>
-            <a:ext cx="4426962" cy="3891421"/>
-          </a:xfrm>
-          <a:prstGeom prst="rect">
-            <a:avLst/>
-          </a:prstGeom>
-        </p:spPr>
-      </p:pic>
-      <p:sp>
-        <p:nvSpPr>
-          <p:cNvPr id="3" name="TextBox 2">
-            <a:extLst>
-              <a:ext uri="{FF2B5EF4-FFF2-40B4-BE49-F238E27FC236}">
-                <a16:creationId xmlns:a16="http://schemas.microsoft.com/office/drawing/2014/main" id="{39461E20-9F5B-BAA4-FB76-24D61C0B33C2}"/>
-              </a:ext>
-            </a:extLst>
-          </p:cNvPr>
-          <p:cNvSpPr txBox="1"/>
-          <p:nvPr/>
-        </p:nvSpPr>
-        <p:spPr>
-          <a:xfrm>
-            <a:off x="3389152" y="5980913"/>
-            <a:ext cx="4972066" cy="276999"/>
-          </a:xfrm>
-          <a:prstGeom prst="rect">
-            <a:avLst/>
-          </a:prstGeom>
-          <a:noFill/>
-        </p:spPr>
-        <p:txBody>
-          <a:bodyPr wrap="square" rtlCol="0">
-            <a:spAutoFit/>
-          </a:bodyPr>
-          <a:lstStyle/>
-          <a:p>
-            <a:r>
-              <a:rPr lang="en-US" sz="1200" dirty="0"/>
-              <a:t>Installment Groups and Loan Amount Groups Vs “</a:t>
-            </a:r>
-            <a:r>
-              <a:rPr lang="en-US" sz="1200" b="1" dirty="0"/>
-              <a:t>Charged Off</a:t>
-            </a:r>
-            <a:r>
-              <a:rPr lang="en-US" sz="1200" dirty="0"/>
-              <a:t>” Loans</a:t>
-            </a:r>
-          </a:p>
-        </p:txBody>
-      </p:sp>
-    </p:spTree>
-    <p:extLst>
-      <p:ext uri="{BB962C8B-B14F-4D97-AF65-F5344CB8AC3E}">
-        <p14:creationId xmlns:p14="http://schemas.microsoft.com/office/powerpoint/2010/main" val="1403777123"/>
-      </p:ext>
-    </p:extLst>
-  </p:cSld>
-  <p:clrMapOvr>
-    <a:masterClrMapping/>
-  </p:clrMapOvr>
-</p:sld>
-</file>
-
-<file path=ppt/slides/slide17.xml><?xml version="1.0" encoding="utf-8"?>
-<p:sld xmlns:a="http://schemas.openxmlformats.org/drawingml/2006/main" xmlns:r="http://schemas.openxmlformats.org/officeDocument/2006/relationships" xmlns:p="http://schemas.openxmlformats.org/presentationml/2006/main">
-  <p:cSld>
-    <p:spTree>
-      <p:nvGrpSpPr>
-        <p:cNvPr id="1" name=""/>
-        <p:cNvGrpSpPr/>
-        <p:nvPr/>
-      </p:nvGrpSpPr>
-      <p:grpSpPr>
-        <a:xfrm>
-          <a:off x="0" y="0"/>
-          <a:ext cx="0" cy="0"/>
-          <a:chOff x="0" y="0"/>
-          <a:chExt cx="0" cy="0"/>
-        </a:xfrm>
-      </p:grpSpPr>
-      <p:sp>
-        <p:nvSpPr>
-          <p:cNvPr id="2" name="Title 1">
-            <a:extLst>
-              <a:ext uri="{FF2B5EF4-FFF2-40B4-BE49-F238E27FC236}">
-                <a16:creationId xmlns:a16="http://schemas.microsoft.com/office/drawing/2014/main" id="{6D33DE66-3904-ACE9-84E7-D2C3900F8058}"/>
-              </a:ext>
-            </a:extLst>
-          </p:cNvPr>
-          <p:cNvSpPr>
-            <a:spLocks noGrp="1"/>
-          </p:cNvSpPr>
-          <p:nvPr>
-            <p:ph type="title"/>
-          </p:nvPr>
-        </p:nvSpPr>
-        <p:spPr/>
-        <p:txBody>
-          <a:bodyPr/>
-          <a:lstStyle/>
-          <a:p>
-            <a:r>
-              <a:rPr lang="en-US" dirty="0">
-                <a:solidFill>
-                  <a:srgbClr val="0070C0"/>
-                </a:solidFill>
-              </a:rPr>
-              <a:t>Univariant Segmented Analysis</a:t>
-            </a:r>
-            <a:endParaRPr lang="en-US" dirty="0"/>
-          </a:p>
-        </p:txBody>
-      </p:sp>
-      <p:pic>
-        <p:nvPicPr>
-          <p:cNvPr id="5" name="Picture 4">
-            <a:extLst>
-              <a:ext uri="{FF2B5EF4-FFF2-40B4-BE49-F238E27FC236}">
-                <a16:creationId xmlns:a16="http://schemas.microsoft.com/office/drawing/2014/main" id="{DCE16CFE-D785-4F4A-9EA7-B928DE6DD3A8}"/>
-              </a:ext>
-            </a:extLst>
-          </p:cNvPr>
-          <p:cNvPicPr>
-            <a:picLocks noChangeAspect="1"/>
-          </p:cNvPicPr>
-          <p:nvPr/>
-        </p:nvPicPr>
-        <p:blipFill>
-          <a:blip r:embed="rId2"/>
-          <a:stretch>
-            <a:fillRect/>
-          </a:stretch>
-        </p:blipFill>
-        <p:spPr>
-          <a:xfrm>
-            <a:off x="760681" y="2075427"/>
-            <a:ext cx="4575423" cy="3540273"/>
-          </a:xfrm>
-          <a:prstGeom prst="rect">
-            <a:avLst/>
-          </a:prstGeom>
-        </p:spPr>
-      </p:pic>
-      <p:pic>
-        <p:nvPicPr>
-          <p:cNvPr id="5125" name="Picture 5">
-            <a:extLst>
-              <a:ext uri="{FF2B5EF4-FFF2-40B4-BE49-F238E27FC236}">
-                <a16:creationId xmlns:a16="http://schemas.microsoft.com/office/drawing/2014/main" id="{91ECF77A-B119-BDA1-DB1D-CB2036F9D04C}"/>
-              </a:ext>
-            </a:extLst>
-          </p:cNvPr>
-          <p:cNvPicPr>
-            <a:picLocks noChangeAspect="1" noChangeArrowheads="1"/>
-          </p:cNvPicPr>
-          <p:nvPr/>
-        </p:nvPicPr>
-        <p:blipFill>
-          <a:blip r:embed="rId3">
-            <a:extLst>
-              <a:ext uri="{28A0092B-C50C-407E-A947-70E740481C1C}">
-                <a14:useLocalDpi xmlns:a14="http://schemas.microsoft.com/office/drawing/2010/main" val="0"/>
-              </a:ext>
-            </a:extLst>
-          </a:blip>
-          <a:srcRect/>
-          <a:stretch>
-            <a:fillRect/>
-          </a:stretch>
-        </p:blipFill>
-        <p:spPr bwMode="auto">
-          <a:xfrm>
-            <a:off x="5967989" y="2116886"/>
-            <a:ext cx="4730934" cy="3457353"/>
-          </a:xfrm>
-          <a:prstGeom prst="rect">
-            <a:avLst/>
-          </a:prstGeom>
-          <a:noFill/>
-          <a:extLst>
-            <a:ext uri="{909E8E84-426E-40DD-AFC4-6F175D3DCCD1}">
-              <a14:hiddenFill xmlns:a14="http://schemas.microsoft.com/office/drawing/2010/main">
-                <a:solidFill>
-                  <a:srgbClr val="FFFFFF"/>
-                </a:solidFill>
-              </a14:hiddenFill>
-            </a:ext>
-          </a:extLst>
-        </p:spPr>
-      </p:pic>
-      <p:sp>
-        <p:nvSpPr>
-          <p:cNvPr id="3" name="TextBox 2">
-            <a:extLst>
-              <a:ext uri="{FF2B5EF4-FFF2-40B4-BE49-F238E27FC236}">
-                <a16:creationId xmlns:a16="http://schemas.microsoft.com/office/drawing/2014/main" id="{3DF4D198-B1D9-C4B6-6A9C-0FF5D577E074}"/>
-              </a:ext>
-            </a:extLst>
-          </p:cNvPr>
-          <p:cNvSpPr txBox="1"/>
-          <p:nvPr/>
-        </p:nvSpPr>
-        <p:spPr>
-          <a:xfrm>
-            <a:off x="4324952" y="5980913"/>
-            <a:ext cx="4036266" cy="246221"/>
-          </a:xfrm>
-          <a:prstGeom prst="rect">
-            <a:avLst/>
-          </a:prstGeom>
-          <a:noFill/>
-        </p:spPr>
-        <p:txBody>
-          <a:bodyPr wrap="square" rtlCol="0">
-            <a:spAutoFit/>
-          </a:bodyPr>
-          <a:lstStyle/>
-          <a:p>
-            <a:r>
-              <a:rPr lang="en-US" sz="1000" dirty="0"/>
-              <a:t>Debt to Income Ratio and Interest Rate Groups Vs “</a:t>
-            </a:r>
-            <a:r>
-              <a:rPr lang="en-US" sz="1000" b="1" dirty="0"/>
-              <a:t>Charged Off</a:t>
-            </a:r>
-            <a:r>
-              <a:rPr lang="en-US" sz="1000" dirty="0"/>
-              <a:t>” Loans</a:t>
-            </a:r>
-          </a:p>
-        </p:txBody>
-      </p:sp>
-    </p:spTree>
-    <p:extLst>
-      <p:ext uri="{BB962C8B-B14F-4D97-AF65-F5344CB8AC3E}">
-        <p14:creationId xmlns:p14="http://schemas.microsoft.com/office/powerpoint/2010/main" val="491222272"/>
-      </p:ext>
-    </p:extLst>
-  </p:cSld>
-  <p:clrMapOvr>
-    <a:masterClrMapping/>
-  </p:clrMapOvr>
-</p:sld>
-</file>
-
-<file path=ppt/slides/slide18.xml><?xml version="1.0" encoding="utf-8"?>
-<p:sld xmlns:a="http://schemas.openxmlformats.org/drawingml/2006/main" xmlns:r="http://schemas.openxmlformats.org/officeDocument/2006/relationships" xmlns:p="http://schemas.openxmlformats.org/presentationml/2006/main">
-  <p:cSld>
-    <p:spTree>
-      <p:nvGrpSpPr>
-        <p:cNvPr id="1" name=""/>
-        <p:cNvGrpSpPr/>
-        <p:nvPr/>
-      </p:nvGrpSpPr>
-      <p:grpSpPr>
-        <a:xfrm>
-          <a:off x="0" y="0"/>
-          <a:ext cx="0" cy="0"/>
-          <a:chOff x="0" y="0"/>
-          <a:chExt cx="0" cy="0"/>
-        </a:xfrm>
-      </p:grpSpPr>
-      <p:sp>
-        <p:nvSpPr>
-          <p:cNvPr id="2" name="Title 1">
-            <a:extLst>
-              <a:ext uri="{FF2B5EF4-FFF2-40B4-BE49-F238E27FC236}">
-                <a16:creationId xmlns:a16="http://schemas.microsoft.com/office/drawing/2014/main" id="{6D33DE66-3904-ACE9-84E7-D2C3900F8058}"/>
-              </a:ext>
-            </a:extLst>
-          </p:cNvPr>
-          <p:cNvSpPr>
-            <a:spLocks noGrp="1"/>
-          </p:cNvSpPr>
-          <p:nvPr>
-            <p:ph type="title"/>
-          </p:nvPr>
-        </p:nvSpPr>
-        <p:spPr/>
-        <p:txBody>
-          <a:bodyPr>
-            <a:normAutofit/>
-          </a:bodyPr>
-          <a:lstStyle/>
-          <a:p>
-            <a:r>
-              <a:rPr lang="en-US" sz="3200" dirty="0">
-                <a:solidFill>
-                  <a:srgbClr val="0070C0"/>
-                </a:solidFill>
-              </a:rPr>
-              <a:t>Univariant Segmented Analysis – Observations</a:t>
-            </a:r>
-          </a:p>
-        </p:txBody>
-      </p:sp>
-      <p:sp>
-        <p:nvSpPr>
-          <p:cNvPr id="3" name="TextBox 2">
-            <a:extLst>
-              <a:ext uri="{FF2B5EF4-FFF2-40B4-BE49-F238E27FC236}">
-                <a16:creationId xmlns:a16="http://schemas.microsoft.com/office/drawing/2014/main" id="{5D23D362-B109-7D54-F7EF-AE489424EE6A}"/>
-              </a:ext>
-            </a:extLst>
-          </p:cNvPr>
-          <p:cNvSpPr txBox="1"/>
-          <p:nvPr/>
-        </p:nvSpPr>
-        <p:spPr>
-          <a:xfrm>
-            <a:off x="1331366" y="2114093"/>
-            <a:ext cx="9670695" cy="2542940"/>
-          </a:xfrm>
-          <a:prstGeom prst="rect">
-            <a:avLst/>
-          </a:prstGeom>
-          <a:noFill/>
-        </p:spPr>
-        <p:txBody>
-          <a:bodyPr wrap="square" rtlCol="0">
-            <a:spAutoFit/>
-          </a:bodyPr>
-          <a:lstStyle/>
-          <a:p>
-            <a:pPr>
-              <a:lnSpc>
-                <a:spcPct val="150000"/>
-              </a:lnSpc>
-            </a:pPr>
-            <a:r>
-              <a:rPr lang="en-US" dirty="0"/>
-              <a:t>The following combinations are some of the reasons for Charged Off loans</a:t>
-            </a:r>
-          </a:p>
-          <a:p>
-            <a:pPr marL="285750" indent="-285750">
-              <a:lnSpc>
-                <a:spcPct val="150000"/>
-              </a:lnSpc>
-              <a:buFont typeface="Arial" panose="020B0604020202020204" pitchFamily="34" charset="0"/>
-              <a:buChar char="•"/>
-            </a:pPr>
-            <a:r>
-              <a:rPr lang="en-US" dirty="0"/>
-              <a:t>Loan amounts between 5k to 10k</a:t>
-            </a:r>
-          </a:p>
-          <a:p>
-            <a:pPr marL="285750" indent="-285750">
-              <a:lnSpc>
-                <a:spcPct val="150000"/>
-              </a:lnSpc>
-              <a:buFont typeface="Arial" panose="020B0604020202020204" pitchFamily="34" charset="0"/>
-              <a:buChar char="•"/>
-            </a:pPr>
-            <a:r>
-              <a:rPr lang="en-US" dirty="0"/>
-              <a:t>installment amount between 150$ to 270$</a:t>
-            </a:r>
-          </a:p>
-          <a:p>
-            <a:pPr marL="285750" indent="-285750">
-              <a:lnSpc>
-                <a:spcPct val="150000"/>
-              </a:lnSpc>
-              <a:buFont typeface="Arial" panose="020B0604020202020204" pitchFamily="34" charset="0"/>
-              <a:buChar char="•"/>
-            </a:pPr>
-            <a:r>
-              <a:rPr lang="en-US" dirty="0"/>
-              <a:t>Interest rate between 13% to 17%</a:t>
-            </a:r>
-          </a:p>
-          <a:p>
-            <a:pPr marL="285750" indent="-285750">
-              <a:lnSpc>
-                <a:spcPct val="150000"/>
-              </a:lnSpc>
-              <a:buFont typeface="Arial" panose="020B0604020202020204" pitchFamily="34" charset="0"/>
-              <a:buChar char="•"/>
-            </a:pPr>
-            <a:r>
-              <a:rPr lang="en-US" dirty="0"/>
-              <a:t>Debt to Payments ratio between 12 to 24.</a:t>
-            </a:r>
-          </a:p>
-          <a:p>
-            <a:pPr marL="285750" indent="-285750">
-              <a:lnSpc>
-                <a:spcPct val="150000"/>
-              </a:lnSpc>
-              <a:buFont typeface="Arial" panose="020B0604020202020204" pitchFamily="34" charset="0"/>
-              <a:buChar char="•"/>
-            </a:pPr>
-            <a:endParaRPr lang="en-US" dirty="0"/>
-          </a:p>
-        </p:txBody>
-      </p:sp>
-    </p:spTree>
-    <p:extLst>
-      <p:ext uri="{BB962C8B-B14F-4D97-AF65-F5344CB8AC3E}">
-        <p14:creationId xmlns:p14="http://schemas.microsoft.com/office/powerpoint/2010/main" val="3823986127"/>
-      </p:ext>
-    </p:extLst>
-  </p:cSld>
-  <p:clrMapOvr>
-    <a:masterClrMapping/>
-  </p:clrMapOvr>
-</p:sld>
-</file>
-
-<file path=ppt/slides/slide19.xml><?xml version="1.0" encoding="utf-8"?>
-<p:sld xmlns:a="http://schemas.openxmlformats.org/drawingml/2006/main" xmlns:r="http://schemas.openxmlformats.org/officeDocument/2006/relationships" xmlns:p="http://schemas.openxmlformats.org/presentationml/2006/main">
-  <p:cSld>
-    <p:spTree>
-      <p:nvGrpSpPr>
-        <p:cNvPr id="1" name=""/>
-        <p:cNvGrpSpPr/>
-        <p:nvPr/>
-      </p:nvGrpSpPr>
-      <p:grpSpPr>
-        <a:xfrm>
-          <a:off x="0" y="0"/>
-          <a:ext cx="0" cy="0"/>
-          <a:chOff x="0" y="0"/>
-          <a:chExt cx="0" cy="0"/>
-        </a:xfrm>
-      </p:grpSpPr>
-      <p:sp>
-        <p:nvSpPr>
-          <p:cNvPr id="2" name="Title 1">
-            <a:extLst>
-              <a:ext uri="{FF2B5EF4-FFF2-40B4-BE49-F238E27FC236}">
                 <a16:creationId xmlns:a16="http://schemas.microsoft.com/office/drawing/2014/main" id="{2EE5D0EA-2C09-70ED-DCB2-166E0AA65174}"/>
               </a:ext>
             </a:extLst>
@@ -9677,1287 +7924,7 @@
                   <a:srgbClr val="0070C0"/>
                 </a:solidFill>
               </a:rPr>
-              <a:t>Bivariant Analysis – Annual Income</a:t>
-            </a:r>
-          </a:p>
-        </p:txBody>
-      </p:sp>
-      <p:pic>
-        <p:nvPicPr>
-          <p:cNvPr id="5127" name="Picture 7">
-            <a:extLst>
-              <a:ext uri="{FF2B5EF4-FFF2-40B4-BE49-F238E27FC236}">
-                <a16:creationId xmlns:a16="http://schemas.microsoft.com/office/drawing/2014/main" id="{C4463C85-6B4F-9F51-2451-D366DE71289C}"/>
-              </a:ext>
-            </a:extLst>
-          </p:cNvPr>
-          <p:cNvPicPr>
-            <a:picLocks noChangeAspect="1" noChangeArrowheads="1"/>
-          </p:cNvPicPr>
-          <p:nvPr/>
-        </p:nvPicPr>
-        <p:blipFill>
-          <a:blip r:embed="rId2">
-            <a:extLst>
-              <a:ext uri="{28A0092B-C50C-407E-A947-70E740481C1C}">
-                <a14:useLocalDpi xmlns:a14="http://schemas.microsoft.com/office/drawing/2010/main" val="0"/>
-              </a:ext>
-            </a:extLst>
-          </a:blip>
-          <a:srcRect/>
-          <a:stretch>
-            <a:fillRect/>
-          </a:stretch>
-        </p:blipFill>
-        <p:spPr bwMode="auto">
-          <a:xfrm>
-            <a:off x="1313124" y="1904960"/>
-            <a:ext cx="4981651" cy="3735059"/>
-          </a:xfrm>
-          <a:prstGeom prst="rect">
-            <a:avLst/>
-          </a:prstGeom>
-          <a:noFill/>
-          <a:extLst>
-            <a:ext uri="{909E8E84-426E-40DD-AFC4-6F175D3DCCD1}">
-              <a14:hiddenFill xmlns:a14="http://schemas.microsoft.com/office/drawing/2010/main">
-                <a:solidFill>
-                  <a:srgbClr val="FFFFFF"/>
-                </a:solidFill>
-              </a14:hiddenFill>
-            </a:ext>
-          </a:extLst>
-        </p:spPr>
-      </p:pic>
-      <p:pic>
-        <p:nvPicPr>
-          <p:cNvPr id="5126" name="Picture 6">
-            <a:extLst>
-              <a:ext uri="{FF2B5EF4-FFF2-40B4-BE49-F238E27FC236}">
-                <a16:creationId xmlns:a16="http://schemas.microsoft.com/office/drawing/2014/main" id="{62923773-E033-E3D3-105A-47601B451FC9}"/>
-              </a:ext>
-            </a:extLst>
-          </p:cNvPr>
-          <p:cNvPicPr>
-            <a:picLocks noChangeAspect="1" noChangeArrowheads="1"/>
-          </p:cNvPicPr>
-          <p:nvPr/>
-        </p:nvPicPr>
-        <p:blipFill>
-          <a:blip r:embed="rId3">
-            <a:extLst>
-              <a:ext uri="{28A0092B-C50C-407E-A947-70E740481C1C}">
-                <a14:useLocalDpi xmlns:a14="http://schemas.microsoft.com/office/drawing/2010/main" val="0"/>
-              </a:ext>
-            </a:extLst>
-          </a:blip>
-          <a:srcRect/>
-          <a:stretch>
-            <a:fillRect/>
-          </a:stretch>
-        </p:blipFill>
-        <p:spPr bwMode="auto">
-          <a:xfrm>
-            <a:off x="6525160" y="1904960"/>
-            <a:ext cx="5375430" cy="3735058"/>
-          </a:xfrm>
-          <a:prstGeom prst="rect">
-            <a:avLst/>
-          </a:prstGeom>
-          <a:noFill/>
-          <a:extLst>
-            <a:ext uri="{909E8E84-426E-40DD-AFC4-6F175D3DCCD1}">
-              <a14:hiddenFill xmlns:a14="http://schemas.microsoft.com/office/drawing/2010/main">
-                <a:solidFill>
-                  <a:srgbClr val="FFFFFF"/>
-                </a:solidFill>
-              </a14:hiddenFill>
-            </a:ext>
-          </a:extLst>
-        </p:spPr>
-      </p:pic>
-      <p:sp>
-        <p:nvSpPr>
-          <p:cNvPr id="3" name="TextBox 2">
-            <a:extLst>
-              <a:ext uri="{FF2B5EF4-FFF2-40B4-BE49-F238E27FC236}">
-                <a16:creationId xmlns:a16="http://schemas.microsoft.com/office/drawing/2014/main" id="{28EDE50E-A6BE-0CFB-D3B6-B1233B92CB90}"/>
-              </a:ext>
-            </a:extLst>
-          </p:cNvPr>
-          <p:cNvSpPr txBox="1"/>
-          <p:nvPr/>
-        </p:nvSpPr>
-        <p:spPr>
-          <a:xfrm>
-            <a:off x="4290313" y="5911398"/>
-            <a:ext cx="4846757" cy="276999"/>
-          </a:xfrm>
-          <a:prstGeom prst="rect">
-            <a:avLst/>
-          </a:prstGeom>
-          <a:noFill/>
-        </p:spPr>
-        <p:txBody>
-          <a:bodyPr wrap="square" rtlCol="0">
-            <a:spAutoFit/>
-          </a:bodyPr>
-          <a:lstStyle/>
-          <a:p>
-            <a:r>
-              <a:rPr lang="en-US" sz="1200" dirty="0"/>
-              <a:t>Home Ownership and purpose with Annual income combination</a:t>
-            </a:r>
-          </a:p>
-        </p:txBody>
-      </p:sp>
-    </p:spTree>
-    <p:extLst>
-      <p:ext uri="{BB962C8B-B14F-4D97-AF65-F5344CB8AC3E}">
-        <p14:creationId xmlns:p14="http://schemas.microsoft.com/office/powerpoint/2010/main" val="2258385360"/>
-      </p:ext>
-    </p:extLst>
-  </p:cSld>
-  <p:clrMapOvr>
-    <a:masterClrMapping/>
-  </p:clrMapOvr>
-</p:sld>
-</file>
-
-<file path=ppt/slides/slide2.xml><?xml version="1.0" encoding="utf-8"?>
-<p:sld xmlns:a="http://schemas.openxmlformats.org/drawingml/2006/main" xmlns:r="http://schemas.openxmlformats.org/officeDocument/2006/relationships" xmlns:p="http://schemas.openxmlformats.org/presentationml/2006/main">
-  <p:cSld>
-    <p:spTree>
-      <p:nvGrpSpPr>
-        <p:cNvPr id="1" name=""/>
-        <p:cNvGrpSpPr/>
-        <p:nvPr/>
-      </p:nvGrpSpPr>
-      <p:grpSpPr>
-        <a:xfrm>
-          <a:off x="0" y="0"/>
-          <a:ext cx="0" cy="0"/>
-          <a:chOff x="0" y="0"/>
-          <a:chExt cx="0" cy="0"/>
-        </a:xfrm>
-      </p:grpSpPr>
-      <p:sp>
-        <p:nvSpPr>
-          <p:cNvPr id="2" name="Title 1">
-            <a:extLst>
-              <a:ext uri="{FF2B5EF4-FFF2-40B4-BE49-F238E27FC236}">
-                <a16:creationId xmlns:a16="http://schemas.microsoft.com/office/drawing/2014/main" id="{1EF02C4B-63C5-1A73-7378-0EB68646F7A3}"/>
-              </a:ext>
-            </a:extLst>
-          </p:cNvPr>
-          <p:cNvSpPr>
-            <a:spLocks noGrp="1"/>
-          </p:cNvSpPr>
-          <p:nvPr>
-            <p:ph type="title"/>
-          </p:nvPr>
-        </p:nvSpPr>
-        <p:spPr/>
-        <p:txBody>
-          <a:bodyPr/>
-          <a:lstStyle/>
-          <a:p>
-            <a:r>
-              <a:rPr lang="en-US" sz="4800" dirty="0">
-                <a:solidFill>
-                  <a:srgbClr val="0070C0"/>
-                </a:solidFill>
-              </a:rPr>
-              <a:t>Agenda</a:t>
-            </a:r>
-            <a:endParaRPr lang="en-US" dirty="0"/>
-          </a:p>
-        </p:txBody>
-      </p:sp>
-      <p:sp>
-        <p:nvSpPr>
-          <p:cNvPr id="3" name="Content Placeholder 2">
-            <a:extLst>
-              <a:ext uri="{FF2B5EF4-FFF2-40B4-BE49-F238E27FC236}">
-                <a16:creationId xmlns:a16="http://schemas.microsoft.com/office/drawing/2014/main" id="{3E86EA82-FB4C-411A-20A3-9F7DBCE1834B}"/>
-              </a:ext>
-            </a:extLst>
-          </p:cNvPr>
-          <p:cNvSpPr>
-            <a:spLocks noGrp="1"/>
-          </p:cNvSpPr>
-          <p:nvPr>
-            <p:ph idx="1"/>
-          </p:nvPr>
-        </p:nvSpPr>
-        <p:spPr/>
-        <p:txBody>
-          <a:bodyPr/>
-          <a:lstStyle/>
-          <a:p>
-            <a:r>
-              <a:rPr lang="en-US" dirty="0"/>
-              <a:t>The primary objective of the Lending Club case study is to mitigate the credit loss while approving or denying the loans to their customers. This challenge arises from two potential scenarios</a:t>
-            </a:r>
-          </a:p>
-          <a:p>
-            <a:pPr algn="l" rtl="0">
-              <a:buFont typeface="Arial" panose="020B0604020202020204" pitchFamily="34" charset="0"/>
-              <a:buChar char="•"/>
-            </a:pPr>
-            <a:r>
-              <a:rPr lang="en-US" b="1" i="1" dirty="0"/>
-              <a:t>Rejecting the loans to the applicants who has the capability to repay the loans will result in a loss of business to the company</a:t>
-            </a:r>
-          </a:p>
-          <a:p>
-            <a:pPr algn="l" rtl="0">
-              <a:buFont typeface="Arial" panose="020B0604020202020204" pitchFamily="34" charset="0"/>
-              <a:buChar char="•"/>
-            </a:pPr>
-            <a:r>
-              <a:rPr lang="en-US" b="1" i="1" dirty="0"/>
-              <a:t>Approving the loans to the customers who are likely to default may lead to financial loss for the company</a:t>
-            </a:r>
-          </a:p>
-          <a:p>
-            <a:r>
-              <a:rPr lang="en-US" dirty="0"/>
-              <a:t>The objective is to determine the applicants at risk of defaulting on loans, enabling a reduction in credit losses. This case study aims to achieve this goal through Exploratory Data Analysis (EDA) using the provided dataset.</a:t>
-            </a:r>
-          </a:p>
-        </p:txBody>
-      </p:sp>
-    </p:spTree>
-    <p:extLst>
-      <p:ext uri="{BB962C8B-B14F-4D97-AF65-F5344CB8AC3E}">
-        <p14:creationId xmlns:p14="http://schemas.microsoft.com/office/powerpoint/2010/main" val="1350480141"/>
-      </p:ext>
-    </p:extLst>
-  </p:cSld>
-  <p:clrMapOvr>
-    <a:masterClrMapping/>
-  </p:clrMapOvr>
-</p:sld>
-</file>
-
-<file path=ppt/slides/slide20.xml><?xml version="1.0" encoding="utf-8"?>
-<p:sld xmlns:a="http://schemas.openxmlformats.org/drawingml/2006/main" xmlns:r="http://schemas.openxmlformats.org/officeDocument/2006/relationships" xmlns:p="http://schemas.openxmlformats.org/presentationml/2006/main">
-  <p:cSld>
-    <p:spTree>
-      <p:nvGrpSpPr>
-        <p:cNvPr id="1" name=""/>
-        <p:cNvGrpSpPr/>
-        <p:nvPr/>
-      </p:nvGrpSpPr>
-      <p:grpSpPr>
-        <a:xfrm>
-          <a:off x="0" y="0"/>
-          <a:ext cx="0" cy="0"/>
-          <a:chOff x="0" y="0"/>
-          <a:chExt cx="0" cy="0"/>
-        </a:xfrm>
-      </p:grpSpPr>
-      <p:sp>
-        <p:nvSpPr>
-          <p:cNvPr id="2" name="Title 1">
-            <a:extLst>
-              <a:ext uri="{FF2B5EF4-FFF2-40B4-BE49-F238E27FC236}">
-                <a16:creationId xmlns:a16="http://schemas.microsoft.com/office/drawing/2014/main" id="{2EE5D0EA-2C09-70ED-DCB2-166E0AA65174}"/>
-              </a:ext>
-            </a:extLst>
-          </p:cNvPr>
-          <p:cNvSpPr>
-            <a:spLocks noGrp="1"/>
-          </p:cNvSpPr>
-          <p:nvPr>
-            <p:ph type="title"/>
-          </p:nvPr>
-        </p:nvSpPr>
-        <p:spPr/>
-        <p:txBody>
-          <a:bodyPr/>
-          <a:lstStyle/>
-          <a:p>
-            <a:r>
-              <a:rPr lang="en-US" sz="4000" dirty="0">
-                <a:solidFill>
-                  <a:srgbClr val="0070C0"/>
-                </a:solidFill>
-              </a:rPr>
-              <a:t>Bivariant Analysis – Loan Amount</a:t>
-            </a:r>
-          </a:p>
-        </p:txBody>
-      </p:sp>
-      <p:pic>
-        <p:nvPicPr>
-          <p:cNvPr id="5138" name="Picture 18">
-            <a:extLst>
-              <a:ext uri="{FF2B5EF4-FFF2-40B4-BE49-F238E27FC236}">
-                <a16:creationId xmlns:a16="http://schemas.microsoft.com/office/drawing/2014/main" id="{85E0DC11-A162-4167-15E4-791D256F2D27}"/>
-              </a:ext>
-            </a:extLst>
-          </p:cNvPr>
-          <p:cNvPicPr>
-            <a:picLocks noChangeAspect="1" noChangeArrowheads="1"/>
-          </p:cNvPicPr>
-          <p:nvPr/>
-        </p:nvPicPr>
-        <p:blipFill>
-          <a:blip r:embed="rId2">
-            <a:extLst>
-              <a:ext uri="{28A0092B-C50C-407E-A947-70E740481C1C}">
-                <a14:useLocalDpi xmlns:a14="http://schemas.microsoft.com/office/drawing/2010/main" val="0"/>
-              </a:ext>
-            </a:extLst>
-          </a:blip>
-          <a:srcRect/>
-          <a:stretch>
-            <a:fillRect/>
-          </a:stretch>
-        </p:blipFill>
-        <p:spPr bwMode="auto">
-          <a:xfrm>
-            <a:off x="211734" y="2013888"/>
-            <a:ext cx="5172253" cy="3494457"/>
-          </a:xfrm>
-          <a:prstGeom prst="rect">
-            <a:avLst/>
-          </a:prstGeom>
-          <a:noFill/>
-          <a:extLst>
-            <a:ext uri="{909E8E84-426E-40DD-AFC4-6F175D3DCCD1}">
-              <a14:hiddenFill xmlns:a14="http://schemas.microsoft.com/office/drawing/2010/main">
-                <a:solidFill>
-                  <a:srgbClr val="FFFFFF"/>
-                </a:solidFill>
-              </a14:hiddenFill>
-            </a:ext>
-          </a:extLst>
-        </p:spPr>
-      </p:pic>
-      <p:pic>
-        <p:nvPicPr>
-          <p:cNvPr id="7170" name="Picture 2">
-            <a:extLst>
-              <a:ext uri="{FF2B5EF4-FFF2-40B4-BE49-F238E27FC236}">
-                <a16:creationId xmlns:a16="http://schemas.microsoft.com/office/drawing/2014/main" id="{5A6D50B1-06E5-BE26-255D-E72F3B688578}"/>
-              </a:ext>
-            </a:extLst>
-          </p:cNvPr>
-          <p:cNvPicPr>
-            <a:picLocks noChangeAspect="1" noChangeArrowheads="1"/>
-          </p:cNvPicPr>
-          <p:nvPr/>
-        </p:nvPicPr>
-        <p:blipFill>
-          <a:blip r:embed="rId3">
-            <a:extLst>
-              <a:ext uri="{28A0092B-C50C-407E-A947-70E740481C1C}">
-                <a14:useLocalDpi xmlns:a14="http://schemas.microsoft.com/office/drawing/2010/main" val="0"/>
-              </a:ext>
-            </a:extLst>
-          </a:blip>
-          <a:srcRect/>
-          <a:stretch>
-            <a:fillRect/>
-          </a:stretch>
-        </p:blipFill>
-        <p:spPr bwMode="auto">
-          <a:xfrm>
-            <a:off x="5833833" y="2013888"/>
-            <a:ext cx="5446205" cy="3494457"/>
-          </a:xfrm>
-          <a:prstGeom prst="rect">
-            <a:avLst/>
-          </a:prstGeom>
-          <a:noFill/>
-          <a:extLst>
-            <a:ext uri="{909E8E84-426E-40DD-AFC4-6F175D3DCCD1}">
-              <a14:hiddenFill xmlns:a14="http://schemas.microsoft.com/office/drawing/2010/main">
-                <a:solidFill>
-                  <a:srgbClr val="FFFFFF"/>
-                </a:solidFill>
-              </a14:hiddenFill>
-            </a:ext>
-          </a:extLst>
-        </p:spPr>
-      </p:pic>
-      <p:sp>
-        <p:nvSpPr>
-          <p:cNvPr id="3" name="TextBox 2">
-            <a:extLst>
-              <a:ext uri="{FF2B5EF4-FFF2-40B4-BE49-F238E27FC236}">
-                <a16:creationId xmlns:a16="http://schemas.microsoft.com/office/drawing/2014/main" id="{E26AA9A3-FFE6-17A6-9DEF-333FF4194B6F}"/>
-              </a:ext>
-            </a:extLst>
-          </p:cNvPr>
-          <p:cNvSpPr txBox="1"/>
-          <p:nvPr/>
-        </p:nvSpPr>
-        <p:spPr>
-          <a:xfrm>
-            <a:off x="4290313" y="5911398"/>
-            <a:ext cx="4846757" cy="276999"/>
-          </a:xfrm>
-          <a:prstGeom prst="rect">
-            <a:avLst/>
-          </a:prstGeom>
-          <a:noFill/>
-        </p:spPr>
-        <p:txBody>
-          <a:bodyPr wrap="square" rtlCol="0">
-            <a:spAutoFit/>
-          </a:bodyPr>
-          <a:lstStyle/>
-          <a:p>
-            <a:r>
-              <a:rPr lang="en-US" sz="1200" dirty="0"/>
-              <a:t>Home Ownership and purpose with Loan Amount combination</a:t>
-            </a:r>
-          </a:p>
-        </p:txBody>
-      </p:sp>
-    </p:spTree>
-    <p:extLst>
-      <p:ext uri="{BB962C8B-B14F-4D97-AF65-F5344CB8AC3E}">
-        <p14:creationId xmlns:p14="http://schemas.microsoft.com/office/powerpoint/2010/main" val="3983844831"/>
-      </p:ext>
-    </p:extLst>
-  </p:cSld>
-  <p:clrMapOvr>
-    <a:masterClrMapping/>
-  </p:clrMapOvr>
-</p:sld>
-</file>
-
-<file path=ppt/slides/slide21.xml><?xml version="1.0" encoding="utf-8"?>
-<p:sld xmlns:a="http://schemas.openxmlformats.org/drawingml/2006/main" xmlns:r="http://schemas.openxmlformats.org/officeDocument/2006/relationships" xmlns:p="http://schemas.openxmlformats.org/presentationml/2006/main">
-  <p:cSld>
-    <p:spTree>
-      <p:nvGrpSpPr>
-        <p:cNvPr id="1" name=""/>
-        <p:cNvGrpSpPr/>
-        <p:nvPr/>
-      </p:nvGrpSpPr>
-      <p:grpSpPr>
-        <a:xfrm>
-          <a:off x="0" y="0"/>
-          <a:ext cx="0" cy="0"/>
-          <a:chOff x="0" y="0"/>
-          <a:chExt cx="0" cy="0"/>
-        </a:xfrm>
-      </p:grpSpPr>
-      <p:sp>
-        <p:nvSpPr>
-          <p:cNvPr id="2" name="Title 1">
-            <a:extLst>
-              <a:ext uri="{FF2B5EF4-FFF2-40B4-BE49-F238E27FC236}">
-                <a16:creationId xmlns:a16="http://schemas.microsoft.com/office/drawing/2014/main" id="{2EE5D0EA-2C09-70ED-DCB2-166E0AA65174}"/>
-              </a:ext>
-            </a:extLst>
-          </p:cNvPr>
-          <p:cNvSpPr>
-            <a:spLocks noGrp="1"/>
-          </p:cNvSpPr>
-          <p:nvPr>
-            <p:ph type="title"/>
-          </p:nvPr>
-        </p:nvSpPr>
-        <p:spPr/>
-        <p:txBody>
-          <a:bodyPr/>
-          <a:lstStyle/>
-          <a:p>
-            <a:r>
-              <a:rPr lang="en-US" sz="4000" dirty="0">
-                <a:solidFill>
-                  <a:srgbClr val="0070C0"/>
-                </a:solidFill>
-              </a:rPr>
-              <a:t>Bivariant Analysis – Observations</a:t>
-            </a:r>
-          </a:p>
-        </p:txBody>
-      </p:sp>
-      <p:sp>
-        <p:nvSpPr>
-          <p:cNvPr id="4" name="TextBox 3">
-            <a:extLst>
-              <a:ext uri="{FF2B5EF4-FFF2-40B4-BE49-F238E27FC236}">
-                <a16:creationId xmlns:a16="http://schemas.microsoft.com/office/drawing/2014/main" id="{4504F1D9-6644-7138-1E2A-B0076EB94C2E}"/>
-              </a:ext>
-            </a:extLst>
-          </p:cNvPr>
-          <p:cNvSpPr txBox="1"/>
-          <p:nvPr/>
-        </p:nvSpPr>
-        <p:spPr>
-          <a:xfrm>
-            <a:off x="1097280" y="2089281"/>
-            <a:ext cx="9777153" cy="2950038"/>
-          </a:xfrm>
-          <a:prstGeom prst="rect">
-            <a:avLst/>
-          </a:prstGeom>
-          <a:noFill/>
-          <a:ln>
-            <a:solidFill>
-              <a:schemeClr val="tx1"/>
-            </a:solidFill>
-          </a:ln>
-        </p:spPr>
-        <p:txBody>
-          <a:bodyPr wrap="square" rtlCol="0">
-            <a:spAutoFit/>
-          </a:bodyPr>
-          <a:lstStyle/>
-          <a:p>
-            <a:pPr marL="285750" indent="-285750">
-              <a:lnSpc>
-                <a:spcPct val="150000"/>
-              </a:lnSpc>
-              <a:buFont typeface="Arial" panose="020B0604020202020204" pitchFamily="34" charset="0"/>
-              <a:buChar char="•"/>
-            </a:pPr>
-            <a:r>
-              <a:rPr lang="en-US" dirty="0"/>
-              <a:t>Applicants with annual income more than 60k and applying for either home or home improvement or small business has higher chances of defaulting. </a:t>
-            </a:r>
-          </a:p>
-          <a:p>
-            <a:pPr marL="285750" indent="-285750">
-              <a:lnSpc>
-                <a:spcPct val="150000"/>
-              </a:lnSpc>
-              <a:buFont typeface="Arial" panose="020B0604020202020204" pitchFamily="34" charset="0"/>
-              <a:buChar char="•"/>
-            </a:pPr>
-            <a:r>
-              <a:rPr lang="en-US" dirty="0"/>
-              <a:t>Applicants with Grade E, F, G and applying for 15k or more loan amount </a:t>
-            </a:r>
-          </a:p>
-          <a:p>
-            <a:pPr marL="285750" indent="-285750">
-              <a:lnSpc>
-                <a:spcPct val="150000"/>
-              </a:lnSpc>
-              <a:buFont typeface="Arial" panose="020B0604020202020204" pitchFamily="34" charset="0"/>
-              <a:buChar char="•"/>
-            </a:pPr>
-            <a:r>
-              <a:rPr lang="en-US" dirty="0"/>
-              <a:t>Applicants applying for over 12k loan amount for the purpose of credit card, debt consolidation or house are prone to default</a:t>
-            </a:r>
-          </a:p>
-          <a:p>
-            <a:pPr marL="285750" indent="-285750">
-              <a:lnSpc>
-                <a:spcPct val="150000"/>
-              </a:lnSpc>
-              <a:buFont typeface="Arial" panose="020B0604020202020204" pitchFamily="34" charset="0"/>
-              <a:buChar char="•"/>
-            </a:pPr>
-            <a:endParaRPr lang="en-US" dirty="0"/>
-          </a:p>
-          <a:p>
-            <a:pPr marL="285750" indent="-285750">
-              <a:lnSpc>
-                <a:spcPct val="150000"/>
-              </a:lnSpc>
-              <a:buFont typeface="Arial" panose="020B0604020202020204" pitchFamily="34" charset="0"/>
-              <a:buChar char="•"/>
-            </a:pPr>
-            <a:endParaRPr lang="en-US" dirty="0"/>
-          </a:p>
-        </p:txBody>
-      </p:sp>
-    </p:spTree>
-    <p:extLst>
-      <p:ext uri="{BB962C8B-B14F-4D97-AF65-F5344CB8AC3E}">
-        <p14:creationId xmlns:p14="http://schemas.microsoft.com/office/powerpoint/2010/main" val="824141027"/>
-      </p:ext>
-    </p:extLst>
-  </p:cSld>
-  <p:clrMapOvr>
-    <a:masterClrMapping/>
-  </p:clrMapOvr>
-</p:sld>
-</file>
-
-<file path=ppt/slides/slide22.xml><?xml version="1.0" encoding="utf-8"?>
-<p:sld xmlns:a="http://schemas.openxmlformats.org/drawingml/2006/main" xmlns:r="http://schemas.openxmlformats.org/officeDocument/2006/relationships" xmlns:p="http://schemas.openxmlformats.org/presentationml/2006/main">
-  <p:cSld>
-    <p:spTree>
-      <p:nvGrpSpPr>
-        <p:cNvPr id="1" name=""/>
-        <p:cNvGrpSpPr/>
-        <p:nvPr/>
-      </p:nvGrpSpPr>
-      <p:grpSpPr>
-        <a:xfrm>
-          <a:off x="0" y="0"/>
-          <a:ext cx="0" cy="0"/>
-          <a:chOff x="0" y="0"/>
-          <a:chExt cx="0" cy="0"/>
-        </a:xfrm>
-      </p:grpSpPr>
-      <p:sp>
-        <p:nvSpPr>
-          <p:cNvPr id="2" name="Title 1">
-            <a:extLst>
-              <a:ext uri="{FF2B5EF4-FFF2-40B4-BE49-F238E27FC236}">
-                <a16:creationId xmlns:a16="http://schemas.microsoft.com/office/drawing/2014/main" id="{2EE5D0EA-2C09-70ED-DCB2-166E0AA65174}"/>
-              </a:ext>
-            </a:extLst>
-          </p:cNvPr>
-          <p:cNvSpPr>
-            <a:spLocks noGrp="1"/>
-          </p:cNvSpPr>
-          <p:nvPr>
-            <p:ph type="title"/>
-          </p:nvPr>
-        </p:nvSpPr>
-        <p:spPr/>
-        <p:txBody>
-          <a:bodyPr/>
-          <a:lstStyle/>
-          <a:p>
-            <a:r>
-              <a:rPr lang="en-US" sz="4000" dirty="0">
-                <a:solidFill>
-                  <a:srgbClr val="0070C0"/>
-                </a:solidFill>
-              </a:rPr>
-              <a:t>Bivariant Segmented Analysis</a:t>
-            </a:r>
-          </a:p>
-        </p:txBody>
-      </p:sp>
-      <p:pic>
-        <p:nvPicPr>
-          <p:cNvPr id="10242" name="Picture 2">
-            <a:extLst>
-              <a:ext uri="{FF2B5EF4-FFF2-40B4-BE49-F238E27FC236}">
-                <a16:creationId xmlns:a16="http://schemas.microsoft.com/office/drawing/2014/main" id="{F7C8982A-87FB-3E7C-3D02-DC65D3479A25}"/>
-              </a:ext>
-            </a:extLst>
-          </p:cNvPr>
-          <p:cNvPicPr>
-            <a:picLocks noChangeAspect="1" noChangeArrowheads="1"/>
-          </p:cNvPicPr>
-          <p:nvPr/>
-        </p:nvPicPr>
-        <p:blipFill>
-          <a:blip r:embed="rId2">
-            <a:extLst>
-              <a:ext uri="{28A0092B-C50C-407E-A947-70E740481C1C}">
-                <a14:useLocalDpi xmlns:a14="http://schemas.microsoft.com/office/drawing/2010/main" val="0"/>
-              </a:ext>
-            </a:extLst>
-          </a:blip>
-          <a:srcRect/>
-          <a:stretch>
-            <a:fillRect/>
-          </a:stretch>
-        </p:blipFill>
-        <p:spPr bwMode="auto">
-          <a:xfrm>
-            <a:off x="395252" y="1973275"/>
-            <a:ext cx="5149670" cy="3527756"/>
-          </a:xfrm>
-          <a:prstGeom prst="rect">
-            <a:avLst/>
-          </a:prstGeom>
-          <a:noFill/>
-          <a:extLst>
-            <a:ext uri="{909E8E84-426E-40DD-AFC4-6F175D3DCCD1}">
-              <a14:hiddenFill xmlns:a14="http://schemas.microsoft.com/office/drawing/2010/main">
-                <a:solidFill>
-                  <a:srgbClr val="FFFFFF"/>
-                </a:solidFill>
-              </a14:hiddenFill>
-            </a:ext>
-          </a:extLst>
-        </p:spPr>
-      </p:pic>
-      <p:pic>
-        <p:nvPicPr>
-          <p:cNvPr id="10244" name="Picture 4">
-            <a:extLst>
-              <a:ext uri="{FF2B5EF4-FFF2-40B4-BE49-F238E27FC236}">
-                <a16:creationId xmlns:a16="http://schemas.microsoft.com/office/drawing/2014/main" id="{2DEB6DF2-B402-BE8B-1B64-573C3C231145}"/>
-              </a:ext>
-            </a:extLst>
-          </p:cNvPr>
-          <p:cNvPicPr>
-            <a:picLocks noChangeAspect="1" noChangeArrowheads="1"/>
-          </p:cNvPicPr>
-          <p:nvPr/>
-        </p:nvPicPr>
-        <p:blipFill>
-          <a:blip r:embed="rId3">
-            <a:extLst>
-              <a:ext uri="{28A0092B-C50C-407E-A947-70E740481C1C}">
-                <a14:useLocalDpi xmlns:a14="http://schemas.microsoft.com/office/drawing/2010/main" val="0"/>
-              </a:ext>
-            </a:extLst>
-          </a:blip>
-          <a:srcRect/>
-          <a:stretch>
-            <a:fillRect/>
-          </a:stretch>
-        </p:blipFill>
-        <p:spPr bwMode="auto">
-          <a:xfrm>
-            <a:off x="5908358" y="1973275"/>
-            <a:ext cx="5598451" cy="3527756"/>
-          </a:xfrm>
-          <a:prstGeom prst="rect">
-            <a:avLst/>
-          </a:prstGeom>
-          <a:noFill/>
-          <a:extLst>
-            <a:ext uri="{909E8E84-426E-40DD-AFC4-6F175D3DCCD1}">
-              <a14:hiddenFill xmlns:a14="http://schemas.microsoft.com/office/drawing/2010/main">
-                <a:solidFill>
-                  <a:srgbClr val="FFFFFF"/>
-                </a:solidFill>
-              </a14:hiddenFill>
-            </a:ext>
-          </a:extLst>
-        </p:spPr>
-      </p:pic>
-      <p:sp>
-        <p:nvSpPr>
-          <p:cNvPr id="3" name="TextBox 2">
-            <a:extLst>
-              <a:ext uri="{FF2B5EF4-FFF2-40B4-BE49-F238E27FC236}">
-                <a16:creationId xmlns:a16="http://schemas.microsoft.com/office/drawing/2014/main" id="{CAAFB202-823E-0439-3FC4-58B1986FC475}"/>
-              </a:ext>
-            </a:extLst>
-          </p:cNvPr>
-          <p:cNvSpPr txBox="1"/>
-          <p:nvPr/>
-        </p:nvSpPr>
-        <p:spPr>
-          <a:xfrm>
-            <a:off x="3825584" y="5828270"/>
-            <a:ext cx="4846757" cy="276999"/>
-          </a:xfrm>
-          <a:prstGeom prst="rect">
-            <a:avLst/>
-          </a:prstGeom>
-          <a:noFill/>
-        </p:spPr>
-        <p:txBody>
-          <a:bodyPr wrap="square" rtlCol="0">
-            <a:spAutoFit/>
-          </a:bodyPr>
-          <a:lstStyle/>
-          <a:p>
-            <a:r>
-              <a:rPr lang="en-US" sz="1200" dirty="0"/>
-              <a:t>Annual Income and Loan Amount with Interest rate groups combination</a:t>
-            </a:r>
-          </a:p>
-        </p:txBody>
-      </p:sp>
-    </p:spTree>
-    <p:extLst>
-      <p:ext uri="{BB962C8B-B14F-4D97-AF65-F5344CB8AC3E}">
-        <p14:creationId xmlns:p14="http://schemas.microsoft.com/office/powerpoint/2010/main" val="3621029328"/>
-      </p:ext>
-    </p:extLst>
-  </p:cSld>
-  <p:clrMapOvr>
-    <a:masterClrMapping/>
-  </p:clrMapOvr>
-</p:sld>
-</file>
-
-<file path=ppt/slides/slide23.xml><?xml version="1.0" encoding="utf-8"?>
-<p:sld xmlns:a="http://schemas.openxmlformats.org/drawingml/2006/main" xmlns:r="http://schemas.openxmlformats.org/officeDocument/2006/relationships" xmlns:p="http://schemas.openxmlformats.org/presentationml/2006/main">
-  <p:cSld>
-    <p:spTree>
-      <p:nvGrpSpPr>
-        <p:cNvPr id="1" name=""/>
-        <p:cNvGrpSpPr/>
-        <p:nvPr/>
-      </p:nvGrpSpPr>
-      <p:grpSpPr>
-        <a:xfrm>
-          <a:off x="0" y="0"/>
-          <a:ext cx="0" cy="0"/>
-          <a:chOff x="0" y="0"/>
-          <a:chExt cx="0" cy="0"/>
-        </a:xfrm>
-      </p:grpSpPr>
-      <p:sp>
-        <p:nvSpPr>
-          <p:cNvPr id="2" name="Title 1">
-            <a:extLst>
-              <a:ext uri="{FF2B5EF4-FFF2-40B4-BE49-F238E27FC236}">
-                <a16:creationId xmlns:a16="http://schemas.microsoft.com/office/drawing/2014/main" id="{2EE5D0EA-2C09-70ED-DCB2-166E0AA65174}"/>
-              </a:ext>
-            </a:extLst>
-          </p:cNvPr>
-          <p:cNvSpPr>
-            <a:spLocks noGrp="1"/>
-          </p:cNvSpPr>
-          <p:nvPr>
-            <p:ph type="title"/>
-          </p:nvPr>
-        </p:nvSpPr>
-        <p:spPr/>
-        <p:txBody>
-          <a:bodyPr/>
-          <a:lstStyle/>
-          <a:p>
-            <a:r>
-              <a:rPr lang="en-US" sz="4000" dirty="0">
-                <a:solidFill>
-                  <a:srgbClr val="0070C0"/>
-                </a:solidFill>
-              </a:rPr>
-              <a:t>Bivariant Segmented Analysis</a:t>
-            </a:r>
-          </a:p>
-        </p:txBody>
-      </p:sp>
-      <p:pic>
-        <p:nvPicPr>
-          <p:cNvPr id="11266" name="Picture 2">
-            <a:extLst>
-              <a:ext uri="{FF2B5EF4-FFF2-40B4-BE49-F238E27FC236}">
-                <a16:creationId xmlns:a16="http://schemas.microsoft.com/office/drawing/2014/main" id="{2978DBA2-B19A-0055-8A52-8CB38FE3C8EC}"/>
-              </a:ext>
-            </a:extLst>
-          </p:cNvPr>
-          <p:cNvPicPr>
-            <a:picLocks noChangeAspect="1" noChangeArrowheads="1"/>
-          </p:cNvPicPr>
-          <p:nvPr/>
-        </p:nvPicPr>
-        <p:blipFill>
-          <a:blip r:embed="rId2">
-            <a:extLst>
-              <a:ext uri="{28A0092B-C50C-407E-A947-70E740481C1C}">
-                <a14:useLocalDpi xmlns:a14="http://schemas.microsoft.com/office/drawing/2010/main" val="0"/>
-              </a:ext>
-            </a:extLst>
-          </a:blip>
-          <a:srcRect/>
-          <a:stretch>
-            <a:fillRect/>
-          </a:stretch>
-        </p:blipFill>
-        <p:spPr bwMode="auto">
-          <a:xfrm>
-            <a:off x="1357644" y="1974848"/>
-            <a:ext cx="4077550" cy="3613966"/>
-          </a:xfrm>
-          <a:prstGeom prst="rect">
-            <a:avLst/>
-          </a:prstGeom>
-          <a:noFill/>
-          <a:extLst>
-            <a:ext uri="{909E8E84-426E-40DD-AFC4-6F175D3DCCD1}">
-              <a14:hiddenFill xmlns:a14="http://schemas.microsoft.com/office/drawing/2010/main">
-                <a:solidFill>
-                  <a:srgbClr val="FFFFFF"/>
-                </a:solidFill>
-              </a14:hiddenFill>
-            </a:ext>
-          </a:extLst>
-        </p:spPr>
-      </p:pic>
-      <p:sp>
-        <p:nvSpPr>
-          <p:cNvPr id="3" name="TextBox 2">
-            <a:extLst>
-              <a:ext uri="{FF2B5EF4-FFF2-40B4-BE49-F238E27FC236}">
-                <a16:creationId xmlns:a16="http://schemas.microsoft.com/office/drawing/2014/main" id="{F6BCAA40-6968-C0A3-1179-8A767466D327}"/>
-              </a:ext>
-            </a:extLst>
-          </p:cNvPr>
-          <p:cNvSpPr txBox="1"/>
-          <p:nvPr/>
-        </p:nvSpPr>
-        <p:spPr>
-          <a:xfrm>
-            <a:off x="5652655" y="1974848"/>
-            <a:ext cx="5221778" cy="3365537"/>
-          </a:xfrm>
-          <a:prstGeom prst="rect">
-            <a:avLst/>
-          </a:prstGeom>
-          <a:noFill/>
-          <a:ln>
-            <a:solidFill>
-              <a:schemeClr val="tx1"/>
-            </a:solidFill>
-          </a:ln>
-        </p:spPr>
-        <p:txBody>
-          <a:bodyPr wrap="square" rtlCol="0">
-            <a:spAutoFit/>
-          </a:bodyPr>
-          <a:lstStyle/>
-          <a:p>
-            <a:pPr marL="285750" indent="-285750">
-              <a:lnSpc>
-                <a:spcPct val="150000"/>
-              </a:lnSpc>
-              <a:buFont typeface="Arial" panose="020B0604020202020204" pitchFamily="34" charset="0"/>
-              <a:buChar char="•"/>
-            </a:pPr>
-            <a:r>
-              <a:rPr lang="en-US" dirty="0"/>
-              <a:t>“Charged Off” loans are likely to happen if the applicants annual income is over 70k and interest rate is between 21-24%</a:t>
-            </a:r>
-          </a:p>
-          <a:p>
-            <a:pPr marL="285750" indent="-285750">
-              <a:lnSpc>
-                <a:spcPct val="150000"/>
-              </a:lnSpc>
-              <a:buFont typeface="Arial" panose="020B0604020202020204" pitchFamily="34" charset="0"/>
-              <a:buChar char="•"/>
-            </a:pPr>
-            <a:r>
-              <a:rPr lang="en-US" dirty="0"/>
-              <a:t>“Charged Off” loans are likely to happen if the Loan amount is over 15k and interest rate is between 21-24%</a:t>
-            </a:r>
-          </a:p>
-          <a:p>
-            <a:pPr marL="285750" indent="-285750">
-              <a:lnSpc>
-                <a:spcPct val="150000"/>
-              </a:lnSpc>
-              <a:buFont typeface="Arial" panose="020B0604020202020204" pitchFamily="34" charset="0"/>
-              <a:buChar char="•"/>
-            </a:pPr>
-            <a:r>
-              <a:rPr lang="en-US" dirty="0"/>
-              <a:t>“Charged Off” loans are likely to happen with F &amp; G grades if the interest rate is over 20%</a:t>
-            </a:r>
-          </a:p>
-        </p:txBody>
-      </p:sp>
-      <p:sp>
-        <p:nvSpPr>
-          <p:cNvPr id="4" name="TextBox 3">
-            <a:extLst>
-              <a:ext uri="{FF2B5EF4-FFF2-40B4-BE49-F238E27FC236}">
-                <a16:creationId xmlns:a16="http://schemas.microsoft.com/office/drawing/2014/main" id="{E4F0016A-654E-A25D-8B9E-78A39A288AE8}"/>
-              </a:ext>
-            </a:extLst>
-          </p:cNvPr>
-          <p:cNvSpPr txBox="1"/>
-          <p:nvPr/>
-        </p:nvSpPr>
-        <p:spPr>
-          <a:xfrm>
-            <a:off x="2315439" y="5703191"/>
-            <a:ext cx="2159580" cy="246221"/>
-          </a:xfrm>
-          <a:prstGeom prst="rect">
-            <a:avLst/>
-          </a:prstGeom>
-          <a:noFill/>
-        </p:spPr>
-        <p:txBody>
-          <a:bodyPr wrap="square" rtlCol="0">
-            <a:spAutoFit/>
-          </a:bodyPr>
-          <a:lstStyle/>
-          <a:p>
-            <a:r>
-              <a:rPr lang="en-US" sz="1000" dirty="0"/>
-              <a:t>Grade and Interest rate combination</a:t>
-            </a:r>
-          </a:p>
-        </p:txBody>
-      </p:sp>
-    </p:spTree>
-    <p:extLst>
-      <p:ext uri="{BB962C8B-B14F-4D97-AF65-F5344CB8AC3E}">
-        <p14:creationId xmlns:p14="http://schemas.microsoft.com/office/powerpoint/2010/main" val="2768458044"/>
-      </p:ext>
-    </p:extLst>
-  </p:cSld>
-  <p:clrMapOvr>
-    <a:masterClrMapping/>
-  </p:clrMapOvr>
-</p:sld>
-</file>
-
-<file path=ppt/slides/slide24.xml><?xml version="1.0" encoding="utf-8"?>
-<p:sld xmlns:a="http://schemas.openxmlformats.org/drawingml/2006/main" xmlns:r="http://schemas.openxmlformats.org/officeDocument/2006/relationships" xmlns:p="http://schemas.openxmlformats.org/presentationml/2006/main">
-  <p:cSld>
-    <p:spTree>
-      <p:nvGrpSpPr>
-        <p:cNvPr id="1" name=""/>
-        <p:cNvGrpSpPr/>
-        <p:nvPr/>
-      </p:nvGrpSpPr>
-      <p:grpSpPr>
-        <a:xfrm>
-          <a:off x="0" y="0"/>
-          <a:ext cx="0" cy="0"/>
-          <a:chOff x="0" y="0"/>
-          <a:chExt cx="0" cy="0"/>
-        </a:xfrm>
-      </p:grpSpPr>
-      <p:sp>
-        <p:nvSpPr>
-          <p:cNvPr id="2" name="Title 1">
-            <a:extLst>
-              <a:ext uri="{FF2B5EF4-FFF2-40B4-BE49-F238E27FC236}">
-                <a16:creationId xmlns:a16="http://schemas.microsoft.com/office/drawing/2014/main" id="{2EE5D0EA-2C09-70ED-DCB2-166E0AA65174}"/>
-              </a:ext>
-            </a:extLst>
-          </p:cNvPr>
-          <p:cNvSpPr>
-            <a:spLocks noGrp="1"/>
-          </p:cNvSpPr>
-          <p:nvPr>
-            <p:ph type="title"/>
-          </p:nvPr>
-        </p:nvSpPr>
-        <p:spPr/>
-        <p:txBody>
-          <a:bodyPr/>
-          <a:lstStyle/>
-          <a:p>
-            <a:r>
-              <a:rPr lang="en-US" sz="4000" dirty="0">
-                <a:solidFill>
-                  <a:srgbClr val="0070C0"/>
-                </a:solidFill>
-              </a:rPr>
-              <a:t>Multivariant Analysis</a:t>
-            </a:r>
-          </a:p>
-        </p:txBody>
-      </p:sp>
-      <p:pic>
-        <p:nvPicPr>
-          <p:cNvPr id="16386" name="Picture 2">
-            <a:extLst>
-              <a:ext uri="{FF2B5EF4-FFF2-40B4-BE49-F238E27FC236}">
-                <a16:creationId xmlns:a16="http://schemas.microsoft.com/office/drawing/2014/main" id="{5F79C304-2358-79BD-F9BC-23454620F7FE}"/>
-              </a:ext>
-            </a:extLst>
-          </p:cNvPr>
-          <p:cNvPicPr>
-            <a:picLocks noChangeAspect="1" noChangeArrowheads="1"/>
-          </p:cNvPicPr>
-          <p:nvPr/>
-        </p:nvPicPr>
-        <p:blipFill>
-          <a:blip r:embed="rId2">
-            <a:extLst>
-              <a:ext uri="{28A0092B-C50C-407E-A947-70E740481C1C}">
-                <a14:useLocalDpi xmlns:a14="http://schemas.microsoft.com/office/drawing/2010/main" val="0"/>
-              </a:ext>
-            </a:extLst>
-          </a:blip>
-          <a:srcRect/>
-          <a:stretch>
-            <a:fillRect/>
-          </a:stretch>
-        </p:blipFill>
-        <p:spPr bwMode="auto">
-          <a:xfrm>
-            <a:off x="136740" y="1929468"/>
-            <a:ext cx="11979479" cy="4198282"/>
-          </a:xfrm>
-          <a:prstGeom prst="rect">
-            <a:avLst/>
-          </a:prstGeom>
-          <a:noFill/>
-          <a:extLst>
-            <a:ext uri="{909E8E84-426E-40DD-AFC4-6F175D3DCCD1}">
-              <a14:hiddenFill xmlns:a14="http://schemas.microsoft.com/office/drawing/2010/main">
-                <a:solidFill>
-                  <a:srgbClr val="FFFFFF"/>
-                </a:solidFill>
-              </a14:hiddenFill>
-            </a:ext>
-          </a:extLst>
-        </p:spPr>
-      </p:pic>
-    </p:spTree>
-    <p:extLst>
-      <p:ext uri="{BB962C8B-B14F-4D97-AF65-F5344CB8AC3E}">
-        <p14:creationId xmlns:p14="http://schemas.microsoft.com/office/powerpoint/2010/main" val="1790691168"/>
-      </p:ext>
-    </p:extLst>
-  </p:cSld>
-  <p:clrMapOvr>
-    <a:masterClrMapping/>
-  </p:clrMapOvr>
-</p:sld>
-</file>
-
-<file path=ppt/slides/slide25.xml><?xml version="1.0" encoding="utf-8"?>
-<p:sld xmlns:a="http://schemas.openxmlformats.org/drawingml/2006/main" xmlns:r="http://schemas.openxmlformats.org/officeDocument/2006/relationships" xmlns:p="http://schemas.openxmlformats.org/presentationml/2006/main">
-  <p:cSld>
-    <p:spTree>
-      <p:nvGrpSpPr>
-        <p:cNvPr id="1" name=""/>
-        <p:cNvGrpSpPr/>
-        <p:nvPr/>
-      </p:nvGrpSpPr>
-      <p:grpSpPr>
-        <a:xfrm>
-          <a:off x="0" y="0"/>
-          <a:ext cx="0" cy="0"/>
-          <a:chOff x="0" y="0"/>
-          <a:chExt cx="0" cy="0"/>
-        </a:xfrm>
-      </p:grpSpPr>
-      <p:sp>
-        <p:nvSpPr>
-          <p:cNvPr id="2" name="Title 1">
-            <a:extLst>
-              <a:ext uri="{FF2B5EF4-FFF2-40B4-BE49-F238E27FC236}">
-                <a16:creationId xmlns:a16="http://schemas.microsoft.com/office/drawing/2014/main" id="{2EE5D0EA-2C09-70ED-DCB2-166E0AA65174}"/>
-              </a:ext>
-            </a:extLst>
-          </p:cNvPr>
-          <p:cNvSpPr>
-            <a:spLocks noGrp="1"/>
-          </p:cNvSpPr>
-          <p:nvPr>
-            <p:ph type="title"/>
-          </p:nvPr>
-        </p:nvSpPr>
-        <p:spPr/>
-        <p:txBody>
-          <a:bodyPr/>
-          <a:lstStyle/>
-          <a:p>
-            <a:r>
-              <a:rPr lang="en-US" sz="4000" dirty="0">
-                <a:solidFill>
-                  <a:srgbClr val="0070C0"/>
-                </a:solidFill>
-              </a:rPr>
-              <a:t>Multivariant Segmented Analysis</a:t>
-            </a:r>
-          </a:p>
-        </p:txBody>
-      </p:sp>
-      <p:pic>
-        <p:nvPicPr>
-          <p:cNvPr id="15362" name="Picture 2">
-            <a:extLst>
-              <a:ext uri="{FF2B5EF4-FFF2-40B4-BE49-F238E27FC236}">
-                <a16:creationId xmlns:a16="http://schemas.microsoft.com/office/drawing/2014/main" id="{AD1D7184-BC94-1E19-97DF-FC9E5D50AE58}"/>
-              </a:ext>
-            </a:extLst>
-          </p:cNvPr>
-          <p:cNvPicPr>
-            <a:picLocks noChangeAspect="1" noChangeArrowheads="1"/>
-          </p:cNvPicPr>
-          <p:nvPr/>
-        </p:nvPicPr>
-        <p:blipFill>
-          <a:blip r:embed="rId2">
-            <a:extLst>
-              <a:ext uri="{28A0092B-C50C-407E-A947-70E740481C1C}">
-                <a14:useLocalDpi xmlns:a14="http://schemas.microsoft.com/office/drawing/2010/main" val="0"/>
-              </a:ext>
-            </a:extLst>
-          </a:blip>
-          <a:srcRect/>
-          <a:stretch>
-            <a:fillRect/>
-          </a:stretch>
-        </p:blipFill>
-        <p:spPr bwMode="auto">
-          <a:xfrm>
-            <a:off x="977362" y="1842495"/>
-            <a:ext cx="10237275" cy="3527756"/>
-          </a:xfrm>
-          <a:prstGeom prst="rect">
-            <a:avLst/>
-          </a:prstGeom>
-          <a:noFill/>
-          <a:extLst>
-            <a:ext uri="{909E8E84-426E-40DD-AFC4-6F175D3DCCD1}">
-              <a14:hiddenFill xmlns:a14="http://schemas.microsoft.com/office/drawing/2010/main">
-                <a:solidFill>
-                  <a:srgbClr val="FFFFFF"/>
-                </a:solidFill>
-              </a14:hiddenFill>
-            </a:ext>
-          </a:extLst>
-        </p:spPr>
-      </p:pic>
-    </p:spTree>
-    <p:extLst>
-      <p:ext uri="{BB962C8B-B14F-4D97-AF65-F5344CB8AC3E}">
-        <p14:creationId xmlns:p14="http://schemas.microsoft.com/office/powerpoint/2010/main" val="4194310291"/>
-      </p:ext>
-    </p:extLst>
-  </p:cSld>
-  <p:clrMapOvr>
-    <a:masterClrMapping/>
-  </p:clrMapOvr>
-</p:sld>
-</file>
-
-<file path=ppt/slides/slide26.xml><?xml version="1.0" encoding="utf-8"?>
-<p:sld xmlns:a="http://schemas.openxmlformats.org/drawingml/2006/main" xmlns:r="http://schemas.openxmlformats.org/officeDocument/2006/relationships" xmlns:p="http://schemas.openxmlformats.org/presentationml/2006/main">
-  <p:cSld>
-    <p:spTree>
-      <p:nvGrpSpPr>
-        <p:cNvPr id="1" name=""/>
-        <p:cNvGrpSpPr/>
-        <p:nvPr/>
-      </p:nvGrpSpPr>
-      <p:grpSpPr>
-        <a:xfrm>
-          <a:off x="0" y="0"/>
-          <a:ext cx="0" cy="0"/>
-          <a:chOff x="0" y="0"/>
-          <a:chExt cx="0" cy="0"/>
-        </a:xfrm>
-      </p:grpSpPr>
-      <p:sp>
-        <p:nvSpPr>
-          <p:cNvPr id="2" name="Title 1">
-            <a:extLst>
-              <a:ext uri="{FF2B5EF4-FFF2-40B4-BE49-F238E27FC236}">
-                <a16:creationId xmlns:a16="http://schemas.microsoft.com/office/drawing/2014/main" id="{2EE5D0EA-2C09-70ED-DCB2-166E0AA65174}"/>
-              </a:ext>
-            </a:extLst>
-          </p:cNvPr>
-          <p:cNvSpPr>
-            <a:spLocks noGrp="1"/>
-          </p:cNvSpPr>
-          <p:nvPr>
-            <p:ph type="title"/>
-          </p:nvPr>
-        </p:nvSpPr>
-        <p:spPr/>
-        <p:txBody>
-          <a:bodyPr/>
-          <a:lstStyle/>
-          <a:p>
-            <a:r>
-              <a:rPr lang="en-US" sz="4000" dirty="0">
-                <a:solidFill>
-                  <a:srgbClr val="0070C0"/>
-                </a:solidFill>
-              </a:rPr>
-              <a:t>Multivariant Segmented Analysis</a:t>
+              <a:t>Multivariate Segmented Analysis</a:t>
             </a:r>
           </a:p>
         </p:txBody>
@@ -11022,7 +7989,7 @@
 </p:sld>
 </file>
 
-<file path=ppt/slides/slide27.xml><?xml version="1.0" encoding="utf-8"?>
+<file path=ppt/slides/slide11.xml><?xml version="1.0" encoding="utf-8"?>
 <p:sld xmlns:a="http://schemas.openxmlformats.org/drawingml/2006/main" xmlns:r="http://schemas.openxmlformats.org/officeDocument/2006/relationships" xmlns:p="http://schemas.openxmlformats.org/presentationml/2006/main">
   <p:cSld>
     <p:spTree>
@@ -11495,7 +8462,7 @@
 </p:sld>
 </file>
 
-<file path=ppt/slides/slide28.xml><?xml version="1.0" encoding="utf-8"?>
+<file path=ppt/slides/slide12.xml><?xml version="1.0" encoding="utf-8"?>
 <p:sld xmlns:a="http://schemas.openxmlformats.org/drawingml/2006/main" xmlns:r="http://schemas.openxmlformats.org/officeDocument/2006/relationships" xmlns:p="http://schemas.openxmlformats.org/presentationml/2006/main">
   <p:cSld>
     <p:spTree>
@@ -11687,7 +8654,304 @@
 </p:sld>
 </file>
 
-<file path=ppt/slides/slide29.xml><?xml version="1.0" encoding="utf-8"?>
+<file path=ppt/slides/slide13.xml><?xml version="1.0" encoding="utf-8"?>
+<p:sld xmlns:a="http://schemas.openxmlformats.org/drawingml/2006/main" xmlns:r="http://schemas.openxmlformats.org/officeDocument/2006/relationships" xmlns:p="http://schemas.openxmlformats.org/presentationml/2006/main">
+  <p:cSld>
+    <p:spTree>
+      <p:nvGrpSpPr>
+        <p:cNvPr id="1" name=""/>
+        <p:cNvGrpSpPr/>
+        <p:nvPr/>
+      </p:nvGrpSpPr>
+      <p:grpSpPr>
+        <a:xfrm>
+          <a:off x="0" y="0"/>
+          <a:ext cx="0" cy="0"/>
+          <a:chOff x="0" y="0"/>
+          <a:chExt cx="0" cy="0"/>
+        </a:xfrm>
+      </p:grpSpPr>
+      <p:sp>
+        <p:nvSpPr>
+          <p:cNvPr id="2" name="Title 1"/>
+          <p:cNvSpPr>
+            <a:spLocks noGrp="1"/>
+          </p:cNvSpPr>
+          <p:nvPr>
+            <p:ph type="title"/>
+          </p:nvPr>
+        </p:nvSpPr>
+        <p:spPr>
+          <a:xfrm>
+            <a:off x="1097280" y="286603"/>
+            <a:ext cx="10058400" cy="1145033"/>
+          </a:xfrm>
+        </p:spPr>
+        <p:txBody>
+          <a:bodyPr/>
+          <a:lstStyle/>
+          <a:p>
+            <a:r>
+              <a:rPr lang="en-US" sz="4800" dirty="0">
+                <a:solidFill>
+                  <a:srgbClr val="0070C0"/>
+                </a:solidFill>
+              </a:rPr>
+              <a:t>Observations</a:t>
+            </a:r>
+            <a:endParaRPr lang="en-IN" dirty="0"/>
+          </a:p>
+        </p:txBody>
+      </p:sp>
+      <p:sp>
+        <p:nvSpPr>
+          <p:cNvPr id="3" name="Content Placeholder 2"/>
+          <p:cNvSpPr>
+            <a:spLocks noGrp="1"/>
+          </p:cNvSpPr>
+          <p:nvPr>
+            <p:ph idx="1"/>
+          </p:nvPr>
+        </p:nvSpPr>
+        <p:spPr>
+          <a:xfrm>
+            <a:off x="1097280" y="1985817"/>
+            <a:ext cx="10475884" cy="4341092"/>
+          </a:xfrm>
+        </p:spPr>
+        <p:txBody>
+          <a:bodyPr>
+            <a:noAutofit/>
+          </a:bodyPr>
+          <a:lstStyle/>
+          <a:p>
+            <a:pPr marL="285750" lvl="0" indent="-285750">
+              <a:lnSpc>
+                <a:spcPct val="100000"/>
+              </a:lnSpc>
+              <a:buFont typeface="Wingdings" panose="05000000000000000000" pitchFamily="2" charset="2"/>
+              <a:buChar char="Ø"/>
+            </a:pPr>
+            <a:r>
+              <a:rPr lang="en-US" sz="1400" b="1" dirty="0"/>
+              <a:t>Applicants who are employed for more than 10 years are accountable for the highest number of "Charged off" loans.</a:t>
+            </a:r>
+          </a:p>
+          <a:p>
+            <a:pPr marL="285750" lvl="0" indent="-285750">
+              <a:lnSpc>
+                <a:spcPct val="100000"/>
+              </a:lnSpc>
+              <a:buFont typeface="Wingdings" panose="05000000000000000000" pitchFamily="2" charset="2"/>
+              <a:buChar char="Ø"/>
+            </a:pPr>
+            <a:r>
+              <a:rPr lang="en-US" sz="1400" b="1" dirty="0"/>
+              <a:t> The majority of defaulted loan members are individuals, living in rented houses. </a:t>
+            </a:r>
+          </a:p>
+          <a:p>
+            <a:pPr marL="285750" lvl="0" indent="-285750">
+              <a:lnSpc>
+                <a:spcPct val="100000"/>
+              </a:lnSpc>
+              <a:buFont typeface="Wingdings" panose="05000000000000000000" pitchFamily="2" charset="2"/>
+              <a:buChar char="Ø"/>
+            </a:pPr>
+            <a:r>
+              <a:rPr lang="en-US" sz="1400" b="1" dirty="0"/>
+              <a:t>"Charged off" loans are mostly that are taken during the 4th quarter(December, November and October) primarily in December. This might be the reason for loan application during the holiday season.</a:t>
+            </a:r>
+          </a:p>
+          <a:p>
+            <a:pPr marL="285750" lvl="0" indent="-285750">
+              <a:lnSpc>
+                <a:spcPct val="100000"/>
+              </a:lnSpc>
+              <a:buFont typeface="Wingdings" panose="05000000000000000000" pitchFamily="2" charset="2"/>
+              <a:buChar char="Ø"/>
+            </a:pPr>
+            <a:r>
+              <a:rPr lang="en-US" sz="1400" b="1" dirty="0"/>
+              <a:t>The trend says, the Charged Off loans are increasing year by year.</a:t>
+            </a:r>
+            <a:endParaRPr lang="en-IN" sz="1400" b="1" dirty="0"/>
+          </a:p>
+          <a:p>
+            <a:pPr marL="285750" lvl="0" indent="-285750">
+              <a:lnSpc>
+                <a:spcPct val="100000"/>
+              </a:lnSpc>
+              <a:buFont typeface="Wingdings" panose="05000000000000000000" pitchFamily="2" charset="2"/>
+              <a:buChar char="Ø"/>
+            </a:pPr>
+            <a:r>
+              <a:rPr lang="en-US" sz="1400" b="1" dirty="0"/>
+              <a:t>Most of the Charged off loans are due to Debt Consolidation. </a:t>
+            </a:r>
+          </a:p>
+          <a:p>
+            <a:pPr marL="285750" lvl="0" indent="-285750">
+              <a:lnSpc>
+                <a:spcPct val="100000"/>
+              </a:lnSpc>
+              <a:buFont typeface="Wingdings" panose="05000000000000000000" pitchFamily="2" charset="2"/>
+              <a:buChar char="Ø"/>
+            </a:pPr>
+            <a:r>
+              <a:rPr lang="en-US" sz="1400" b="1" dirty="0"/>
+              <a:t>California state had the highest number of Charged off loan applicants. </a:t>
+            </a:r>
+          </a:p>
+          <a:p>
+            <a:pPr marL="285750" lvl="0" indent="-285750">
+              <a:lnSpc>
+                <a:spcPct val="100000"/>
+              </a:lnSpc>
+              <a:buFont typeface="Wingdings" panose="05000000000000000000" pitchFamily="2" charset="2"/>
+              <a:buChar char="Ø"/>
+            </a:pPr>
+            <a:r>
+              <a:rPr lang="en-US" sz="1400" b="1" dirty="0"/>
+              <a:t>Short term loans with a duration of 3 years or 36 months are popular among Charged Off loan applicants. </a:t>
+            </a:r>
+          </a:p>
+          <a:p>
+            <a:pPr marL="285750" lvl="0" indent="-285750">
+              <a:lnSpc>
+                <a:spcPct val="100000"/>
+              </a:lnSpc>
+              <a:buFont typeface="Wingdings" panose="05000000000000000000" pitchFamily="2" charset="2"/>
+              <a:buChar char="Ø"/>
+            </a:pPr>
+            <a:r>
+              <a:rPr lang="en-US" sz="1400" b="1" dirty="0"/>
+              <a:t>Applicants with annual income more than 60k and applying for either home or home improvement or small business has higher chances of defaulting. </a:t>
+            </a:r>
+          </a:p>
+          <a:p>
+            <a:pPr marL="285750" lvl="0" indent="-285750">
+              <a:lnSpc>
+                <a:spcPct val="100000"/>
+              </a:lnSpc>
+              <a:buFont typeface="Wingdings" panose="05000000000000000000" pitchFamily="2" charset="2"/>
+              <a:buChar char="Ø"/>
+            </a:pPr>
+            <a:r>
+              <a:rPr lang="en-US" sz="1400" b="1" dirty="0"/>
+              <a:t>Applicants with Grade E, F, G and applying for 15k or more loan amount. </a:t>
+            </a:r>
+          </a:p>
+          <a:p>
+            <a:pPr marL="285750" lvl="0" indent="-285750">
+              <a:lnSpc>
+                <a:spcPct val="100000"/>
+              </a:lnSpc>
+              <a:buFont typeface="Wingdings" panose="05000000000000000000" pitchFamily="2" charset="2"/>
+              <a:buChar char="Ø"/>
+            </a:pPr>
+            <a:r>
+              <a:rPr lang="en-US" sz="1400" b="1" dirty="0"/>
+              <a:t>Applicants applying for over 12k loan amount for the purpose of credit card, debt consolidation or house are prone to default.</a:t>
+            </a:r>
+            <a:endParaRPr lang="en-IN" sz="1400" b="1" dirty="0"/>
+          </a:p>
+          <a:p>
+            <a:pPr>
+              <a:lnSpc>
+                <a:spcPct val="100000"/>
+              </a:lnSpc>
+            </a:pPr>
+            <a:r>
+              <a:rPr lang="en-IN" sz="1400" b="1" dirty="0"/>
+              <a:t> </a:t>
+            </a:r>
+          </a:p>
+        </p:txBody>
+      </p:sp>
+    </p:spTree>
+    <p:extLst>
+      <p:ext uri="{BB962C8B-B14F-4D97-AF65-F5344CB8AC3E}">
+        <p14:creationId xmlns:p14="http://schemas.microsoft.com/office/powerpoint/2010/main" val="1607533373"/>
+      </p:ext>
+    </p:extLst>
+  </p:cSld>
+  <p:clrMapOvr>
+    <a:masterClrMapping/>
+  </p:clrMapOvr>
+</p:sld>
+</file>
+
+<file path=ppt/slides/slide14.xml><?xml version="1.0" encoding="utf-8"?>
+<p:sld xmlns:a="http://schemas.openxmlformats.org/drawingml/2006/main" xmlns:r="http://schemas.openxmlformats.org/officeDocument/2006/relationships" xmlns:p="http://schemas.openxmlformats.org/presentationml/2006/main">
+  <p:cSld>
+    <p:spTree>
+      <p:nvGrpSpPr>
+        <p:cNvPr id="1" name=""/>
+        <p:cNvGrpSpPr/>
+        <p:nvPr/>
+      </p:nvGrpSpPr>
+      <p:grpSpPr>
+        <a:xfrm>
+          <a:off x="0" y="0"/>
+          <a:ext cx="0" cy="0"/>
+          <a:chOff x="0" y="0"/>
+          <a:chExt cx="0" cy="0"/>
+        </a:xfrm>
+      </p:grpSpPr>
+      <p:sp>
+        <p:nvSpPr>
+          <p:cNvPr id="2" name="TextBox 1">
+            <a:extLst>
+              <a:ext uri="{FF2B5EF4-FFF2-40B4-BE49-F238E27FC236}">
+                <a16:creationId xmlns:a16="http://schemas.microsoft.com/office/drawing/2014/main" id="{917E5EB2-3034-F8B3-3645-3E8C3B15CDFE}"/>
+              </a:ext>
+            </a:extLst>
+          </p:cNvPr>
+          <p:cNvSpPr txBox="1"/>
+          <p:nvPr/>
+        </p:nvSpPr>
+        <p:spPr>
+          <a:xfrm>
+            <a:off x="3830463" y="2251427"/>
+            <a:ext cx="5583382" cy="923330"/>
+          </a:xfrm>
+          <a:prstGeom prst="rect">
+            <a:avLst/>
+          </a:prstGeom>
+          <a:noFill/>
+        </p:spPr>
+        <p:txBody>
+          <a:bodyPr wrap="square" rtlCol="0">
+            <a:spAutoFit/>
+          </a:bodyPr>
+          <a:lstStyle/>
+          <a:p>
+            <a:r>
+              <a:rPr lang="en-US" sz="5400" dirty="0">
+                <a:solidFill>
+                  <a:srgbClr val="002060"/>
+                </a:solidFill>
+              </a:rPr>
+              <a:t>Appendix</a:t>
+            </a:r>
+          </a:p>
+        </p:txBody>
+      </p:sp>
+    </p:spTree>
+    <p:extLst>
+      <p:ext uri="{BB962C8B-B14F-4D97-AF65-F5344CB8AC3E}">
+        <p14:creationId xmlns:p14="http://schemas.microsoft.com/office/powerpoint/2010/main" val="2706671381"/>
+      </p:ext>
+    </p:extLst>
+  </p:cSld>
+  <p:clrMapOvr>
+    <a:masterClrMapping/>
+  </p:clrMapOvr>
+</p:sld>
+</file>
+
+<file path=ppt/slides/slide15.xml><?xml version="1.0" encoding="utf-8"?>
 <p:sld xmlns:a="http://schemas.openxmlformats.org/drawingml/2006/main" xmlns:r="http://schemas.openxmlformats.org/officeDocument/2006/relationships" xmlns:p="http://schemas.openxmlformats.org/presentationml/2006/main">
   <p:cSld>
     <p:spTree>
@@ -11749,13 +9013,7 @@
           <p:cNvGraphicFramePr>
             <a:graphicFrameLocks noGrp="1"/>
           </p:cNvGraphicFramePr>
-          <p:nvPr>
-            <p:extLst>
-              <p:ext uri="{D42A27DB-BD31-4B8C-83A1-F6EECF244321}">
-                <p14:modId xmlns:p14="http://schemas.microsoft.com/office/powerpoint/2010/main" val="3207368012"/>
-              </p:ext>
-            </p:extLst>
-          </p:nvPr>
+          <p:nvPr/>
         </p:nvGraphicFramePr>
         <p:xfrm>
           <a:off x="1344102" y="2501900"/>
@@ -12131,6 +9389,123 @@
 </p:sld>
 </file>
 
+<file path=ppt/slides/slide2.xml><?xml version="1.0" encoding="utf-8"?>
+<p:sld xmlns:a="http://schemas.openxmlformats.org/drawingml/2006/main" xmlns:r="http://schemas.openxmlformats.org/officeDocument/2006/relationships" xmlns:p="http://schemas.openxmlformats.org/presentationml/2006/main">
+  <p:cSld>
+    <p:spTree>
+      <p:nvGrpSpPr>
+        <p:cNvPr id="1" name=""/>
+        <p:cNvGrpSpPr/>
+        <p:nvPr/>
+      </p:nvGrpSpPr>
+      <p:grpSpPr>
+        <a:xfrm>
+          <a:off x="0" y="0"/>
+          <a:ext cx="0" cy="0"/>
+          <a:chOff x="0" y="0"/>
+          <a:chExt cx="0" cy="0"/>
+        </a:xfrm>
+      </p:grpSpPr>
+      <p:sp>
+        <p:nvSpPr>
+          <p:cNvPr id="2" name="Title 1">
+            <a:extLst>
+              <a:ext uri="{FF2B5EF4-FFF2-40B4-BE49-F238E27FC236}">
+                <a16:creationId xmlns:a16="http://schemas.microsoft.com/office/drawing/2014/main" id="{1EF02C4B-63C5-1A73-7378-0EB68646F7A3}"/>
+              </a:ext>
+            </a:extLst>
+          </p:cNvPr>
+          <p:cNvSpPr>
+            <a:spLocks noGrp="1"/>
+          </p:cNvSpPr>
+          <p:nvPr>
+            <p:ph type="title"/>
+          </p:nvPr>
+        </p:nvSpPr>
+        <p:spPr/>
+        <p:txBody>
+          <a:bodyPr/>
+          <a:lstStyle/>
+          <a:p>
+            <a:r>
+              <a:rPr lang="en-US" sz="4800" dirty="0">
+                <a:solidFill>
+                  <a:srgbClr val="0070C0"/>
+                </a:solidFill>
+              </a:rPr>
+              <a:t>Agenda</a:t>
+            </a:r>
+            <a:endParaRPr lang="en-US" dirty="0"/>
+          </a:p>
+        </p:txBody>
+      </p:sp>
+      <p:sp>
+        <p:nvSpPr>
+          <p:cNvPr id="3" name="Content Placeholder 2">
+            <a:extLst>
+              <a:ext uri="{FF2B5EF4-FFF2-40B4-BE49-F238E27FC236}">
+                <a16:creationId xmlns:a16="http://schemas.microsoft.com/office/drawing/2014/main" id="{3E86EA82-FB4C-411A-20A3-9F7DBCE1834B}"/>
+              </a:ext>
+            </a:extLst>
+          </p:cNvPr>
+          <p:cNvSpPr>
+            <a:spLocks noGrp="1"/>
+          </p:cNvSpPr>
+          <p:nvPr>
+            <p:ph idx="1"/>
+          </p:nvPr>
+        </p:nvSpPr>
+        <p:spPr/>
+        <p:txBody>
+          <a:bodyPr/>
+          <a:lstStyle/>
+          <a:p>
+            <a:r>
+              <a:rPr lang="en-US" dirty="0"/>
+              <a:t>The primary objective of the Lending Club case study is to mitigate the credit loss while approving or denying the loans to their customers. This challenge arises from two potential scenarios</a:t>
+            </a:r>
+          </a:p>
+          <a:p>
+            <a:pPr algn="l" rtl="0">
+              <a:buFont typeface="Arial" panose="020B0604020202020204" pitchFamily="34" charset="0"/>
+              <a:buChar char="•"/>
+            </a:pPr>
+            <a:r>
+              <a:rPr lang="en-US" b="1" i="1" dirty="0"/>
+              <a:t>Rejecting the loans to the applicants who has the capability to repay the loans will result in a loss of business to the company</a:t>
+            </a:r>
+          </a:p>
+          <a:p>
+            <a:pPr algn="l" rtl="0">
+              <a:buFont typeface="Arial" panose="020B0604020202020204" pitchFamily="34" charset="0"/>
+              <a:buChar char="•"/>
+            </a:pPr>
+            <a:r>
+              <a:rPr lang="en-US" b="1" i="1" dirty="0"/>
+              <a:t>Approving the loans to the customers who are likely to default may lead to financial loss for the company</a:t>
+            </a:r>
+          </a:p>
+          <a:p>
+            <a:r>
+              <a:rPr lang="en-US" dirty="0"/>
+              <a:t>The objective is to determine the applicants at risk of defaulting on loans, enabling a reduction in credit losses. This case study aims to achieve this goal through Exploratory Data Analysis (EDA) using the provided dataset.</a:t>
+            </a:r>
+          </a:p>
+        </p:txBody>
+      </p:sp>
+    </p:spTree>
+    <p:extLst>
+      <p:ext uri="{BB962C8B-B14F-4D97-AF65-F5344CB8AC3E}">
+        <p14:creationId xmlns:p14="http://schemas.microsoft.com/office/powerpoint/2010/main" val="1350480141"/>
+      </p:ext>
+    </p:extLst>
+  </p:cSld>
+  <p:clrMapOvr>
+    <a:masterClrMapping/>
+  </p:clrMapOvr>
+</p:sld>
+</file>
+
 <file path=ppt/slides/slide3.xml><?xml version="1.0" encoding="utf-8"?>
 <p:sld xmlns:a="http://schemas.openxmlformats.org/drawingml/2006/main" xmlns:r="http://schemas.openxmlformats.org/officeDocument/2006/relationships" xmlns:p="http://schemas.openxmlformats.org/presentationml/2006/main">
   <p:cSld>
@@ -12401,7 +9776,7 @@
                 <a:ea typeface="Calibri" panose="020F0502020204030204" pitchFamily="34" charset="0"/>
                 <a:cs typeface="Calibri" panose="020F0502020204030204" pitchFamily="34" charset="0"/>
               </a:rPr>
-              <a:t>Conclusion</a:t>
+              <a:t>Observations</a:t>
             </a:r>
           </a:p>
         </p:txBody>
@@ -12843,75 +10218,6 @@
 </p:sld>
 </file>
 
-<file path=ppt/slides/slide30.xml><?xml version="1.0" encoding="utf-8"?>
-<p:sld xmlns:a="http://schemas.openxmlformats.org/drawingml/2006/main" xmlns:r="http://schemas.openxmlformats.org/officeDocument/2006/relationships" xmlns:p="http://schemas.openxmlformats.org/presentationml/2006/main">
-  <p:cSld>
-    <p:spTree>
-      <p:nvGrpSpPr>
-        <p:cNvPr id="1" name=""/>
-        <p:cNvGrpSpPr/>
-        <p:nvPr/>
-      </p:nvGrpSpPr>
-      <p:grpSpPr>
-        <a:xfrm>
-          <a:off x="0" y="0"/>
-          <a:ext cx="0" cy="0"/>
-          <a:chOff x="0" y="0"/>
-          <a:chExt cx="0" cy="0"/>
-        </a:xfrm>
-      </p:grpSpPr>
-      <p:sp>
-        <p:nvSpPr>
-          <p:cNvPr id="2" name="TextBox 1">
-            <a:extLst>
-              <a:ext uri="{FF2B5EF4-FFF2-40B4-BE49-F238E27FC236}">
-                <a16:creationId xmlns:a16="http://schemas.microsoft.com/office/drawing/2014/main" id="{917E5EB2-3034-F8B3-3645-3E8C3B15CDFE}"/>
-              </a:ext>
-            </a:extLst>
-          </p:cNvPr>
-          <p:cNvSpPr txBox="1"/>
-          <p:nvPr/>
-        </p:nvSpPr>
-        <p:spPr>
-          <a:xfrm>
-            <a:off x="3830463" y="2251427"/>
-            <a:ext cx="5583382" cy="923330"/>
-          </a:xfrm>
-          <a:prstGeom prst="rect">
-            <a:avLst/>
-          </a:prstGeom>
-          <a:noFill/>
-        </p:spPr>
-        <p:txBody>
-          <a:bodyPr wrap="square" rtlCol="0">
-            <a:spAutoFit/>
-          </a:bodyPr>
-          <a:lstStyle/>
-          <a:p>
-            <a:r>
-              <a:rPr lang="en-US" sz="5400" dirty="0">
-                <a:solidFill>
-                  <a:srgbClr val="002060"/>
-                </a:solidFill>
-              </a:rPr>
-              <a:t>Thank you</a:t>
-            </a:r>
-          </a:p>
-        </p:txBody>
-      </p:sp>
-    </p:spTree>
-    <p:extLst>
-      <p:ext uri="{BB962C8B-B14F-4D97-AF65-F5344CB8AC3E}">
-        <p14:creationId xmlns:p14="http://schemas.microsoft.com/office/powerpoint/2010/main" val="2706671381"/>
-      </p:ext>
-    </p:extLst>
-  </p:cSld>
-  <p:clrMapOvr>
-    <a:masterClrMapping/>
-  </p:clrMapOvr>
-</p:sld>
-</file>
-
 <file path=ppt/slides/slide4.xml><?xml version="1.0" encoding="utf-8"?>
 <p:sld xmlns:a="http://schemas.openxmlformats.org/drawingml/2006/main" xmlns:r="http://schemas.openxmlformats.org/officeDocument/2006/relationships" xmlns:p="http://schemas.openxmlformats.org/presentationml/2006/main">
   <p:cSld>
@@ -12931,10 +10237,137 @@
       </p:grpSpPr>
       <p:sp>
         <p:nvSpPr>
-          <p:cNvPr id="2" name="TextBox 1">
+          <p:cNvPr id="2" name="Title 1">
             <a:extLst>
               <a:ext uri="{FF2B5EF4-FFF2-40B4-BE49-F238E27FC236}">
-                <a16:creationId xmlns:a16="http://schemas.microsoft.com/office/drawing/2014/main" id="{917E5EB2-3034-F8B3-3645-3E8C3B15CDFE}"/>
+                <a16:creationId xmlns:a16="http://schemas.microsoft.com/office/drawing/2014/main" id="{4FC6CE41-A153-9943-0D8F-256C8B57DE6C}"/>
+              </a:ext>
+            </a:extLst>
+          </p:cNvPr>
+          <p:cNvSpPr>
+            <a:spLocks noGrp="1"/>
+          </p:cNvSpPr>
+          <p:nvPr>
+            <p:ph type="title"/>
+          </p:nvPr>
+        </p:nvSpPr>
+        <p:spPr/>
+        <p:txBody>
+          <a:bodyPr>
+            <a:normAutofit/>
+          </a:bodyPr>
+          <a:lstStyle/>
+          <a:p>
+            <a:r>
+              <a:rPr lang="en-US" sz="4000" b="1" dirty="0">
+                <a:solidFill>
+                  <a:srgbClr val="0070C0"/>
+                </a:solidFill>
+              </a:rPr>
+              <a:t>Data Analysis</a:t>
+            </a:r>
+            <a:br>
+              <a:rPr lang="en-US" sz="4000" dirty="0">
+                <a:solidFill>
+                  <a:srgbClr val="0070C0"/>
+                </a:solidFill>
+              </a:rPr>
+            </a:br>
+            <a:r>
+              <a:rPr lang="en-US" sz="4000" dirty="0">
+                <a:solidFill>
+                  <a:srgbClr val="0070C0"/>
+                </a:solidFill>
+              </a:rPr>
+              <a:t>Univariate Analysis</a:t>
+            </a:r>
+            <a:endParaRPr lang="en-US" sz="4000" dirty="0"/>
+          </a:p>
+        </p:txBody>
+      </p:sp>
+      <p:pic>
+        <p:nvPicPr>
+          <p:cNvPr id="4" name="Picture 2">
+            <a:extLst>
+              <a:ext uri="{FF2B5EF4-FFF2-40B4-BE49-F238E27FC236}">
+                <a16:creationId xmlns:a16="http://schemas.microsoft.com/office/drawing/2014/main" id="{5EE26393-D9BF-78AF-51CB-5F7AFC936D56}"/>
+              </a:ext>
+            </a:extLst>
+          </p:cNvPr>
+          <p:cNvPicPr>
+            <a:picLocks noChangeAspect="1" noChangeArrowheads="1"/>
+          </p:cNvPicPr>
+          <p:nvPr/>
+        </p:nvPicPr>
+        <p:blipFill>
+          <a:blip r:embed="rId2">
+            <a:extLst>
+              <a:ext uri="{28A0092B-C50C-407E-A947-70E740481C1C}">
+                <a14:useLocalDpi xmlns:a14="http://schemas.microsoft.com/office/drawing/2010/main" val="0"/>
+              </a:ext>
+            </a:extLst>
+          </a:blip>
+          <a:srcRect/>
+          <a:stretch>
+            <a:fillRect/>
+          </a:stretch>
+        </p:blipFill>
+        <p:spPr bwMode="auto">
+          <a:xfrm>
+            <a:off x="698900" y="2115151"/>
+            <a:ext cx="5026857" cy="3575510"/>
+          </a:xfrm>
+          <a:prstGeom prst="rect">
+            <a:avLst/>
+          </a:prstGeom>
+          <a:noFill/>
+          <a:extLst>
+            <a:ext uri="{909E8E84-426E-40DD-AFC4-6F175D3DCCD1}">
+              <a14:hiddenFill xmlns:a14="http://schemas.microsoft.com/office/drawing/2010/main">
+                <a:solidFill>
+                  <a:srgbClr val="FFFFFF"/>
+                </a:solidFill>
+              </a14:hiddenFill>
+            </a:ext>
+          </a:extLst>
+        </p:spPr>
+      </p:pic>
+      <p:pic>
+        <p:nvPicPr>
+          <p:cNvPr id="5" name="Picture 4">
+            <a:extLst>
+              <a:ext uri="{FF2B5EF4-FFF2-40B4-BE49-F238E27FC236}">
+                <a16:creationId xmlns:a16="http://schemas.microsoft.com/office/drawing/2014/main" id="{AF3FD672-20AA-B1DD-4400-76A078C7AD10}"/>
+              </a:ext>
+            </a:extLst>
+          </p:cNvPr>
+          <p:cNvPicPr>
+            <a:picLocks noChangeAspect="1"/>
+          </p:cNvPicPr>
+          <p:nvPr/>
+        </p:nvPicPr>
+        <p:blipFill>
+          <a:blip r:embed="rId3"/>
+          <a:stretch>
+            <a:fillRect/>
+          </a:stretch>
+        </p:blipFill>
+        <p:spPr>
+          <a:xfrm>
+            <a:off x="5725757" y="2115499"/>
+            <a:ext cx="5579552" cy="3490974"/>
+          </a:xfrm>
+          <a:prstGeom prst="rect">
+            <a:avLst/>
+          </a:prstGeom>
+        </p:spPr>
+      </p:pic>
+      <p:sp>
+        <p:nvSpPr>
+          <p:cNvPr id="3" name="TextBox 2">
+            <a:extLst>
+              <a:ext uri="{FF2B5EF4-FFF2-40B4-BE49-F238E27FC236}">
+                <a16:creationId xmlns:a16="http://schemas.microsoft.com/office/drawing/2014/main" id="{C4930E70-24B1-D0BD-58DE-5681F3577DDC}"/>
               </a:ext>
             </a:extLst>
           </p:cNvPr>
@@ -12943,8 +10376,8 @@
         </p:nvSpPr>
         <p:spPr>
           <a:xfrm>
-            <a:off x="2798618" y="2092036"/>
-            <a:ext cx="7890164" cy="923330"/>
+            <a:off x="1383742" y="5637565"/>
+            <a:ext cx="8684029" cy="861774"/>
           </a:xfrm>
           <a:prstGeom prst="rect">
             <a:avLst/>
@@ -12957,21 +10390,33 @@
           </a:bodyPr>
           <a:lstStyle/>
           <a:p>
-            <a:r>
-              <a:rPr lang="en-US" sz="5400" dirty="0">
-                <a:solidFill>
-                  <a:srgbClr val="002060"/>
-                </a:solidFill>
-              </a:rPr>
-              <a:t>DATA CLEANSING</a:t>
-            </a:r>
+            <a:pPr>
+              <a:lnSpc>
+                <a:spcPct val="150000"/>
+              </a:lnSpc>
+            </a:pPr>
+            <a:r>
+              <a:rPr lang="en-US" sz="2000" dirty="0"/>
+              <a:t>	Employment Length and Home Ownership Vs “</a:t>
+            </a:r>
+            <a:r>
+              <a:rPr lang="en-US" sz="2000" b="1" dirty="0"/>
+              <a:t>Charged Off</a:t>
+            </a:r>
+            <a:r>
+              <a:rPr lang="en-US" sz="2000" dirty="0"/>
+              <a:t>” Loans.  </a:t>
+            </a:r>
+          </a:p>
+          <a:p>
+            <a:endParaRPr lang="en-US" sz="2000" dirty="0"/>
           </a:p>
         </p:txBody>
       </p:sp>
     </p:spTree>
     <p:extLst>
       <p:ext uri="{BB962C8B-B14F-4D97-AF65-F5344CB8AC3E}">
-        <p14:creationId xmlns:p14="http://schemas.microsoft.com/office/powerpoint/2010/main" val="3838874366"/>
+        <p14:creationId xmlns:p14="http://schemas.microsoft.com/office/powerpoint/2010/main" val="1542232551"/>
       </p:ext>
     </p:extLst>
   </p:cSld>
@@ -13003,7 +10448,7 @@
           <p:cNvPr id="2" name="Title 1">
             <a:extLst>
               <a:ext uri="{FF2B5EF4-FFF2-40B4-BE49-F238E27FC236}">
-                <a16:creationId xmlns:a16="http://schemas.microsoft.com/office/drawing/2014/main" id="{3ED85A07-1DC5-AD6D-5439-329A789E4A28}"/>
+                <a16:creationId xmlns:a16="http://schemas.microsoft.com/office/drawing/2014/main" id="{4FC6CE41-A153-9943-0D8F-256C8B57DE6C}"/>
               </a:ext>
             </a:extLst>
           </p:cNvPr>
@@ -13014,12 +10459,7 @@
             <p:ph type="title"/>
           </p:nvPr>
         </p:nvSpPr>
-        <p:spPr>
-          <a:xfrm>
-            <a:off x="1498120" y="577747"/>
-            <a:ext cx="9520158" cy="1049235"/>
-          </a:xfrm>
-        </p:spPr>
+        <p:spPr/>
         <p:txBody>
           <a:bodyPr>
             <a:normAutofit/>
@@ -13032,17 +10472,112 @@
                   <a:srgbClr val="0070C0"/>
                 </a:solidFill>
               </a:rPr>
-              <a:t>Data Cleansing</a:t>
-            </a:r>
+              <a:t>Univariate Analysis</a:t>
+            </a:r>
+            <a:endParaRPr lang="en-US" sz="4000" dirty="0"/>
           </a:p>
         </p:txBody>
       </p:sp>
+      <p:pic>
+        <p:nvPicPr>
+          <p:cNvPr id="5122" name="Picture 2">
+            <a:extLst>
+              <a:ext uri="{FF2B5EF4-FFF2-40B4-BE49-F238E27FC236}">
+                <a16:creationId xmlns:a16="http://schemas.microsoft.com/office/drawing/2014/main" id="{BC1FBC5B-1B72-F28F-D509-BA3BFFA1F663}"/>
+              </a:ext>
+            </a:extLst>
+          </p:cNvPr>
+          <p:cNvPicPr>
+            <a:picLocks noChangeAspect="1" noChangeArrowheads="1"/>
+          </p:cNvPicPr>
+          <p:nvPr/>
+        </p:nvPicPr>
+        <p:blipFill>
+          <a:blip r:embed="rId2">
+            <a:extLst>
+              <a:ext uri="{28A0092B-C50C-407E-A947-70E740481C1C}">
+                <a14:useLocalDpi xmlns:a14="http://schemas.microsoft.com/office/drawing/2010/main" val="0"/>
+              </a:ext>
+            </a:extLst>
+          </a:blip>
+          <a:srcRect/>
+          <a:stretch>
+            <a:fillRect/>
+          </a:stretch>
+        </p:blipFill>
+        <p:spPr bwMode="auto">
+          <a:xfrm>
+            <a:off x="1170161" y="2008645"/>
+            <a:ext cx="4796530" cy="3551646"/>
+          </a:xfrm>
+          <a:prstGeom prst="rect">
+            <a:avLst/>
+          </a:prstGeom>
+          <a:noFill/>
+          <a:extLst>
+            <a:ext uri="{909E8E84-426E-40DD-AFC4-6F175D3DCCD1}">
+              <a14:hiddenFill xmlns:a14="http://schemas.microsoft.com/office/drawing/2010/main">
+                <a:solidFill>
+                  <a:srgbClr val="FFFFFF"/>
+                </a:solidFill>
+              </a14:hiddenFill>
+            </a:ext>
+          </a:extLst>
+        </p:spPr>
+      </p:pic>
+      <p:pic>
+        <p:nvPicPr>
+          <p:cNvPr id="5124" name="Picture 4">
+            <a:extLst>
+              <a:ext uri="{FF2B5EF4-FFF2-40B4-BE49-F238E27FC236}">
+                <a16:creationId xmlns:a16="http://schemas.microsoft.com/office/drawing/2014/main" id="{EF8866ED-6C6F-D002-7934-E7B3115BB314}"/>
+              </a:ext>
+            </a:extLst>
+          </p:cNvPr>
+          <p:cNvPicPr>
+            <a:picLocks noChangeAspect="1" noChangeArrowheads="1"/>
+          </p:cNvPicPr>
+          <p:nvPr/>
+        </p:nvPicPr>
+        <p:blipFill>
+          <a:blip r:embed="rId3">
+            <a:extLst>
+              <a:ext uri="{28A0092B-C50C-407E-A947-70E740481C1C}">
+                <a14:useLocalDpi xmlns:a14="http://schemas.microsoft.com/office/drawing/2010/main" val="0"/>
+              </a:ext>
+            </a:extLst>
+          </a:blip>
+          <a:srcRect/>
+          <a:stretch>
+            <a:fillRect/>
+          </a:stretch>
+        </p:blipFill>
+        <p:spPr bwMode="auto">
+          <a:xfrm>
+            <a:off x="6096000" y="2070201"/>
+            <a:ext cx="5126182" cy="3563981"/>
+          </a:xfrm>
+          <a:prstGeom prst="rect">
+            <a:avLst/>
+          </a:prstGeom>
+          <a:noFill/>
+          <a:extLst>
+            <a:ext uri="{909E8E84-426E-40DD-AFC4-6F175D3DCCD1}">
+              <a14:hiddenFill xmlns:a14="http://schemas.microsoft.com/office/drawing/2010/main">
+                <a:solidFill>
+                  <a:srgbClr val="FFFFFF"/>
+                </a:solidFill>
+              </a14:hiddenFill>
+            </a:ext>
+          </a:extLst>
+        </p:spPr>
+      </p:pic>
       <p:sp>
         <p:nvSpPr>
-          <p:cNvPr id="12" name="TextBox 11">
+          <p:cNvPr id="3" name="TextBox 2">
             <a:extLst>
               <a:ext uri="{FF2B5EF4-FFF2-40B4-BE49-F238E27FC236}">
-                <a16:creationId xmlns:a16="http://schemas.microsoft.com/office/drawing/2014/main" id="{2B79234C-C232-1F79-1575-EF386CC9FAA4}"/>
+                <a16:creationId xmlns:a16="http://schemas.microsoft.com/office/drawing/2014/main" id="{48CFEAD8-5827-4EEE-F2A3-29289DB74A3A}"/>
               </a:ext>
             </a:extLst>
           </p:cNvPr>
@@ -13051,8 +10586,8 @@
         </p:nvSpPr>
         <p:spPr>
           <a:xfrm>
-            <a:off x="358444" y="1894636"/>
-            <a:ext cx="10519258" cy="4247317"/>
+            <a:off x="3858839" y="5634182"/>
+            <a:ext cx="5284845" cy="400110"/>
           </a:xfrm>
           <a:prstGeom prst="rect">
             <a:avLst/>
@@ -13066,187 +10601,16 @@
           <a:lstStyle/>
           <a:p>
             <a:r>
-              <a:rPr lang="en-US" b="1" u="sng" dirty="0">
-                <a:latin typeface="Calibri" panose="020F0502020204030204" pitchFamily="34" charset="0"/>
-                <a:ea typeface="Calibri" panose="020F0502020204030204" pitchFamily="34" charset="0"/>
-                <a:cs typeface="Calibri" panose="020F0502020204030204" pitchFamily="34" charset="0"/>
-              </a:rPr>
-              <a:t>Load data set </a:t>
-            </a:r>
-          </a:p>
-          <a:p>
-            <a:r>
-              <a:rPr lang="en-US" dirty="0">
-                <a:latin typeface="Calibri" panose="020F0502020204030204" pitchFamily="34" charset="0"/>
-                <a:ea typeface="Calibri" panose="020F0502020204030204" pitchFamily="34" charset="0"/>
-                <a:cs typeface="Calibri" panose="020F0502020204030204" pitchFamily="34" charset="0"/>
-              </a:rPr>
-              <a:t>	There are total 39717 rows with 111 columns available in the data set</a:t>
-            </a:r>
-          </a:p>
-          <a:p>
-            <a:r>
-              <a:rPr lang="en-US" b="1" u="sng" dirty="0">
-                <a:latin typeface="Calibri" panose="020F0502020204030204" pitchFamily="34" charset="0"/>
-                <a:ea typeface="Calibri" panose="020F0502020204030204" pitchFamily="34" charset="0"/>
-                <a:cs typeface="Calibri" panose="020F0502020204030204" pitchFamily="34" charset="0"/>
-              </a:rPr>
-              <a:t>Remove Null value columns </a:t>
-            </a:r>
-          </a:p>
-          <a:p>
-            <a:pPr lvl="1"/>
-            <a:r>
-              <a:rPr lang="en-US" dirty="0">
-                <a:latin typeface="Calibri" panose="020F0502020204030204" pitchFamily="34" charset="0"/>
-                <a:ea typeface="Calibri" panose="020F0502020204030204" pitchFamily="34" charset="0"/>
-                <a:cs typeface="Calibri" panose="020F0502020204030204" pitchFamily="34" charset="0"/>
-              </a:rPr>
-              <a:t>Total 54 records were removed out of 111 as these columns carry all null values. Only 57 columns has valid data.</a:t>
-            </a:r>
-          </a:p>
-          <a:p>
-            <a:r>
-              <a:rPr lang="en-US" b="1" u="sng" dirty="0">
-                <a:latin typeface="Calibri" panose="020F0502020204030204" pitchFamily="34" charset="0"/>
-                <a:ea typeface="Calibri" panose="020F0502020204030204" pitchFamily="34" charset="0"/>
-                <a:cs typeface="Calibri" panose="020F0502020204030204" pitchFamily="34" charset="0"/>
-              </a:rPr>
-              <a:t>Remove Unique value Columns </a:t>
-            </a:r>
-          </a:p>
-          <a:p>
-            <a:pPr lvl="1"/>
-            <a:r>
-              <a:rPr lang="en-US" dirty="0">
-                <a:latin typeface="Calibri" panose="020F0502020204030204" pitchFamily="34" charset="0"/>
-                <a:ea typeface="Calibri" panose="020F0502020204030204" pitchFamily="34" charset="0"/>
-                <a:cs typeface="Calibri" panose="020F0502020204030204" pitchFamily="34" charset="0"/>
-              </a:rPr>
-              <a:t>9 Columns are removed  from the remaining 57 columns as these columns carry unique value which will not be helpful for the data analysis. Remaining 48 columns has distinct data.</a:t>
-            </a:r>
-          </a:p>
-          <a:p>
-            <a:r>
-              <a:rPr lang="en-US" b="1" u="sng" dirty="0">
-                <a:latin typeface="Calibri" panose="020F0502020204030204" pitchFamily="34" charset="0"/>
-                <a:ea typeface="Calibri" panose="020F0502020204030204" pitchFamily="34" charset="0"/>
-                <a:cs typeface="Calibri" panose="020F0502020204030204" pitchFamily="34" charset="0"/>
-              </a:rPr>
-              <a:t>Remove unused columns</a:t>
-            </a:r>
-          </a:p>
-          <a:p>
-            <a:pPr lvl="1"/>
-            <a:r>
-              <a:rPr lang="en-US" dirty="0">
-                <a:latin typeface="Calibri" panose="020F0502020204030204" pitchFamily="34" charset="0"/>
-                <a:ea typeface="Calibri" panose="020F0502020204030204" pitchFamily="34" charset="0"/>
-                <a:cs typeface="Calibri" panose="020F0502020204030204" pitchFamily="34" charset="0"/>
-              </a:rPr>
-              <a:t>21 columns out of 48 columns are removed as these columns are no helpful for our analysis.</a:t>
-            </a:r>
-          </a:p>
-          <a:p>
-            <a:r>
-              <a:rPr lang="en-US" b="1" u="sng" dirty="0">
-                <a:latin typeface="Calibri" panose="020F0502020204030204" pitchFamily="34" charset="0"/>
-                <a:ea typeface="Calibri" panose="020F0502020204030204" pitchFamily="34" charset="0"/>
-                <a:cs typeface="Calibri" panose="020F0502020204030204" pitchFamily="34" charset="0"/>
-              </a:rPr>
-              <a:t>Remove records which has duplicate data set </a:t>
-            </a:r>
-          </a:p>
-          <a:p>
-            <a:pPr lvl="1"/>
-            <a:r>
-              <a:rPr lang="en-US" dirty="0">
-                <a:latin typeface="Calibri" panose="020F0502020204030204" pitchFamily="34" charset="0"/>
-                <a:ea typeface="Calibri" panose="020F0502020204030204" pitchFamily="34" charset="0"/>
-                <a:cs typeface="Calibri" panose="020F0502020204030204" pitchFamily="34" charset="0"/>
-              </a:rPr>
-              <a:t>3 columns </a:t>
-            </a:r>
-            <a:r>
-              <a:rPr lang="en-US" sz="1400" dirty="0">
-                <a:latin typeface="Calibri" panose="020F0502020204030204" pitchFamily="34" charset="0"/>
-                <a:ea typeface="Calibri" panose="020F0502020204030204" pitchFamily="34" charset="0"/>
-                <a:cs typeface="Calibri" panose="020F0502020204030204" pitchFamily="34" charset="0"/>
-              </a:rPr>
-              <a:t>(</a:t>
-            </a:r>
-            <a:r>
-              <a:rPr lang="en-US" sz="1400" dirty="0" err="1">
-                <a:latin typeface="Calibri" panose="020F0502020204030204" pitchFamily="34" charset="0"/>
-                <a:ea typeface="Calibri" panose="020F0502020204030204" pitchFamily="34" charset="0"/>
-                <a:cs typeface="Calibri" panose="020F0502020204030204" pitchFamily="34" charset="0"/>
-              </a:rPr>
-              <a:t>mths_since_last_delinq</a:t>
-            </a:r>
-            <a:r>
-              <a:rPr lang="en-US" sz="1400" dirty="0">
-                <a:latin typeface="Calibri" panose="020F0502020204030204" pitchFamily="34" charset="0"/>
-                <a:ea typeface="Calibri" panose="020F0502020204030204" pitchFamily="34" charset="0"/>
-                <a:cs typeface="Calibri" panose="020F0502020204030204" pitchFamily="34" charset="0"/>
-              </a:rPr>
-              <a:t>, </a:t>
-            </a:r>
-            <a:r>
-              <a:rPr lang="en-US" sz="1400" dirty="0" err="1">
-                <a:latin typeface="Calibri" panose="020F0502020204030204" pitchFamily="34" charset="0"/>
-                <a:ea typeface="Calibri" panose="020F0502020204030204" pitchFamily="34" charset="0"/>
-                <a:cs typeface="Calibri" panose="020F0502020204030204" pitchFamily="34" charset="0"/>
-              </a:rPr>
-              <a:t>mths_since_last_record</a:t>
-            </a:r>
-            <a:r>
-              <a:rPr lang="en-US" sz="1400" dirty="0">
-                <a:latin typeface="Calibri" panose="020F0502020204030204" pitchFamily="34" charset="0"/>
-                <a:ea typeface="Calibri" panose="020F0502020204030204" pitchFamily="34" charset="0"/>
-                <a:cs typeface="Calibri" panose="020F0502020204030204" pitchFamily="34" charset="0"/>
-              </a:rPr>
-              <a:t>, </a:t>
-            </a:r>
-            <a:r>
-              <a:rPr lang="en-US" sz="1400" dirty="0" err="1">
-                <a:latin typeface="Calibri" panose="020F0502020204030204" pitchFamily="34" charset="0"/>
-                <a:ea typeface="Calibri" panose="020F0502020204030204" pitchFamily="34" charset="0"/>
-                <a:cs typeface="Calibri" panose="020F0502020204030204" pitchFamily="34" charset="0"/>
-              </a:rPr>
-              <a:t>next_pymnt_d</a:t>
-            </a:r>
-            <a:r>
-              <a:rPr lang="en-US" sz="1400" dirty="0">
-                <a:latin typeface="Calibri" panose="020F0502020204030204" pitchFamily="34" charset="0"/>
-                <a:ea typeface="Calibri" panose="020F0502020204030204" pitchFamily="34" charset="0"/>
-                <a:cs typeface="Calibri" panose="020F0502020204030204" pitchFamily="34" charset="0"/>
-              </a:rPr>
-              <a:t>)</a:t>
-            </a:r>
-            <a:r>
-              <a:rPr lang="en-US" dirty="0">
-                <a:latin typeface="Calibri" panose="020F0502020204030204" pitchFamily="34" charset="0"/>
-                <a:ea typeface="Calibri" panose="020F0502020204030204" pitchFamily="34" charset="0"/>
-                <a:cs typeface="Calibri" panose="020F0502020204030204" pitchFamily="34" charset="0"/>
-              </a:rPr>
-              <a:t> are removed as these carry 60% of duplicate data.</a:t>
-            </a:r>
-          </a:p>
-          <a:p>
-            <a:endParaRPr lang="en-US" dirty="0">
-              <a:latin typeface="Calibri" panose="020F0502020204030204" pitchFamily="34" charset="0"/>
-              <a:ea typeface="Calibri" panose="020F0502020204030204" pitchFamily="34" charset="0"/>
-              <a:cs typeface="Calibri" panose="020F0502020204030204" pitchFamily="34" charset="0"/>
-            </a:endParaRPr>
-          </a:p>
-          <a:p>
-            <a:r>
-              <a:rPr lang="en-US" i="1" dirty="0">
-                <a:latin typeface="Calibri" panose="020F0502020204030204" pitchFamily="34" charset="0"/>
-                <a:ea typeface="Calibri" panose="020F0502020204030204" pitchFamily="34" charset="0"/>
-                <a:cs typeface="Calibri" panose="020F0502020204030204" pitchFamily="34" charset="0"/>
-              </a:rPr>
-              <a:t>At the end of data cleansing activity the dataset contains totally 24 columns</a:t>
+              <a:rPr lang="en-US" sz="2000" dirty="0"/>
+              <a:t>Loan term and Grade Vs “</a:t>
+            </a:r>
+            <a:r>
+              <a:rPr lang="en-US" sz="2000" b="1" dirty="0"/>
+              <a:t>Charged Off</a:t>
+            </a:r>
+            <a:r>
+              <a:rPr lang="en-US" sz="2000" dirty="0"/>
+              <a:t>” Loans</a:t>
             </a:r>
           </a:p>
         </p:txBody>
@@ -13254,7 +10618,7 @@
     </p:spTree>
     <p:extLst>
       <p:ext uri="{BB962C8B-B14F-4D97-AF65-F5344CB8AC3E}">
-        <p14:creationId xmlns:p14="http://schemas.microsoft.com/office/powerpoint/2010/main" val="1806249922"/>
+        <p14:creationId xmlns:p14="http://schemas.microsoft.com/office/powerpoint/2010/main" val="2336719243"/>
       </p:ext>
     </p:extLst>
   </p:cSld>
@@ -13283,10 +10647,136 @@
       </p:grpSpPr>
       <p:sp>
         <p:nvSpPr>
-          <p:cNvPr id="2" name="TextBox 1">
+          <p:cNvPr id="2" name="Title 1">
             <a:extLst>
               <a:ext uri="{FF2B5EF4-FFF2-40B4-BE49-F238E27FC236}">
-                <a16:creationId xmlns:a16="http://schemas.microsoft.com/office/drawing/2014/main" id="{917E5EB2-3034-F8B3-3645-3E8C3B15CDFE}"/>
+                <a16:creationId xmlns:a16="http://schemas.microsoft.com/office/drawing/2014/main" id="{2EE5D0EA-2C09-70ED-DCB2-166E0AA65174}"/>
+              </a:ext>
+            </a:extLst>
+          </p:cNvPr>
+          <p:cNvSpPr>
+            <a:spLocks noGrp="1"/>
+          </p:cNvSpPr>
+          <p:nvPr>
+            <p:ph type="title"/>
+          </p:nvPr>
+        </p:nvSpPr>
+        <p:spPr/>
+        <p:txBody>
+          <a:bodyPr/>
+          <a:lstStyle/>
+          <a:p>
+            <a:r>
+              <a:rPr lang="en-US" sz="4000" dirty="0">
+                <a:solidFill>
+                  <a:srgbClr val="0070C0"/>
+                </a:solidFill>
+              </a:rPr>
+              <a:t>Bivariate Analysis – Annual Income</a:t>
+            </a:r>
+          </a:p>
+        </p:txBody>
+      </p:sp>
+      <p:pic>
+        <p:nvPicPr>
+          <p:cNvPr id="5127" name="Picture 7">
+            <a:extLst>
+              <a:ext uri="{FF2B5EF4-FFF2-40B4-BE49-F238E27FC236}">
+                <a16:creationId xmlns:a16="http://schemas.microsoft.com/office/drawing/2014/main" id="{C4463C85-6B4F-9F51-2451-D366DE71289C}"/>
+              </a:ext>
+            </a:extLst>
+          </p:cNvPr>
+          <p:cNvPicPr>
+            <a:picLocks noChangeAspect="1" noChangeArrowheads="1"/>
+          </p:cNvPicPr>
+          <p:nvPr/>
+        </p:nvPicPr>
+        <p:blipFill>
+          <a:blip r:embed="rId2">
+            <a:extLst>
+              <a:ext uri="{28A0092B-C50C-407E-A947-70E740481C1C}">
+                <a14:useLocalDpi xmlns:a14="http://schemas.microsoft.com/office/drawing/2010/main" val="0"/>
+              </a:ext>
+            </a:extLst>
+          </a:blip>
+          <a:srcRect/>
+          <a:stretch>
+            <a:fillRect/>
+          </a:stretch>
+        </p:blipFill>
+        <p:spPr bwMode="auto">
+          <a:xfrm>
+            <a:off x="1313124" y="1904960"/>
+            <a:ext cx="4981651" cy="3735059"/>
+          </a:xfrm>
+          <a:prstGeom prst="rect">
+            <a:avLst/>
+          </a:prstGeom>
+          <a:noFill/>
+          <a:extLst>
+            <a:ext uri="{909E8E84-426E-40DD-AFC4-6F175D3DCCD1}">
+              <a14:hiddenFill xmlns:a14="http://schemas.microsoft.com/office/drawing/2010/main">
+                <a:solidFill>
+                  <a:srgbClr val="FFFFFF"/>
+                </a:solidFill>
+              </a14:hiddenFill>
+            </a:ext>
+          </a:extLst>
+        </p:spPr>
+      </p:pic>
+      <p:pic>
+        <p:nvPicPr>
+          <p:cNvPr id="5126" name="Picture 6">
+            <a:extLst>
+              <a:ext uri="{FF2B5EF4-FFF2-40B4-BE49-F238E27FC236}">
+                <a16:creationId xmlns:a16="http://schemas.microsoft.com/office/drawing/2014/main" id="{62923773-E033-E3D3-105A-47601B451FC9}"/>
+              </a:ext>
+            </a:extLst>
+          </p:cNvPr>
+          <p:cNvPicPr>
+            <a:picLocks noChangeAspect="1" noChangeArrowheads="1"/>
+          </p:cNvPicPr>
+          <p:nvPr/>
+        </p:nvPicPr>
+        <p:blipFill>
+          <a:blip r:embed="rId3">
+            <a:extLst>
+              <a:ext uri="{28A0092B-C50C-407E-A947-70E740481C1C}">
+                <a14:useLocalDpi xmlns:a14="http://schemas.microsoft.com/office/drawing/2010/main" val="0"/>
+              </a:ext>
+            </a:extLst>
+          </a:blip>
+          <a:srcRect/>
+          <a:stretch>
+            <a:fillRect/>
+          </a:stretch>
+        </p:blipFill>
+        <p:spPr bwMode="auto">
+          <a:xfrm>
+            <a:off x="6525160" y="1904960"/>
+            <a:ext cx="5375430" cy="3735058"/>
+          </a:xfrm>
+          <a:prstGeom prst="rect">
+            <a:avLst/>
+          </a:prstGeom>
+          <a:noFill/>
+          <a:extLst>
+            <a:ext uri="{909E8E84-426E-40DD-AFC4-6F175D3DCCD1}">
+              <a14:hiddenFill xmlns:a14="http://schemas.microsoft.com/office/drawing/2010/main">
+                <a:solidFill>
+                  <a:srgbClr val="FFFFFF"/>
+                </a:solidFill>
+              </a14:hiddenFill>
+            </a:ext>
+          </a:extLst>
+        </p:spPr>
+      </p:pic>
+      <p:sp>
+        <p:nvSpPr>
+          <p:cNvPr id="3" name="TextBox 2">
+            <a:extLst>
+              <a:ext uri="{FF2B5EF4-FFF2-40B4-BE49-F238E27FC236}">
+                <a16:creationId xmlns:a16="http://schemas.microsoft.com/office/drawing/2014/main" id="{28EDE50E-A6BE-0CFB-D3B6-B1233B92CB90}"/>
               </a:ext>
             </a:extLst>
           </p:cNvPr>
@@ -13295,8 +10785,8 @@
         </p:nvSpPr>
         <p:spPr>
           <a:xfrm>
-            <a:off x="2798618" y="2092036"/>
-            <a:ext cx="7890164" cy="923330"/>
+            <a:off x="2669309" y="5911398"/>
+            <a:ext cx="7407564" cy="400110"/>
           </a:xfrm>
           <a:prstGeom prst="rect">
             <a:avLst/>
@@ -13310,12 +10800,8 @@
           <a:lstStyle/>
           <a:p>
             <a:r>
-              <a:rPr lang="en-US" sz="5400" dirty="0">
-                <a:solidFill>
-                  <a:srgbClr val="002060"/>
-                </a:solidFill>
-              </a:rPr>
-              <a:t>DATA STANDARDIZATION</a:t>
+              <a:rPr lang="en-US" sz="2000" dirty="0"/>
+              <a:t>Home Ownership and purpose with Annual income combination</a:t>
             </a:r>
           </a:p>
         </p:txBody>
@@ -13323,7 +10809,7 @@
     </p:spTree>
     <p:extLst>
       <p:ext uri="{BB962C8B-B14F-4D97-AF65-F5344CB8AC3E}">
-        <p14:creationId xmlns:p14="http://schemas.microsoft.com/office/powerpoint/2010/main" val="1956506901"/>
+        <p14:creationId xmlns:p14="http://schemas.microsoft.com/office/powerpoint/2010/main" val="2258385360"/>
       </p:ext>
     </p:extLst>
   </p:cSld>
@@ -13355,7 +10841,7 @@
           <p:cNvPr id="2" name="Title 1">
             <a:extLst>
               <a:ext uri="{FF2B5EF4-FFF2-40B4-BE49-F238E27FC236}">
-                <a16:creationId xmlns:a16="http://schemas.microsoft.com/office/drawing/2014/main" id="{3ED85A07-1DC5-AD6D-5439-329A789E4A28}"/>
+                <a16:creationId xmlns:a16="http://schemas.microsoft.com/office/drawing/2014/main" id="{2EE5D0EA-2C09-70ED-DCB2-166E0AA65174}"/>
               </a:ext>
             </a:extLst>
           </p:cNvPr>
@@ -13366,16 +10852,9 @@
             <p:ph type="title"/>
           </p:nvPr>
         </p:nvSpPr>
-        <p:spPr>
-          <a:xfrm>
-            <a:off x="1498120" y="577747"/>
-            <a:ext cx="9520158" cy="1049235"/>
-          </a:xfrm>
-        </p:spPr>
+        <p:spPr/>
         <p:txBody>
-          <a:bodyPr>
-            <a:normAutofit/>
-          </a:bodyPr>
+          <a:bodyPr/>
           <a:lstStyle/>
           <a:p>
             <a:r>
@@ -13384,17 +10863,111 @@
                   <a:srgbClr val="0070C0"/>
                 </a:solidFill>
               </a:rPr>
-              <a:t>Data Standardization</a:t>
+              <a:t>Bivariate Analysis – Loan Amount</a:t>
             </a:r>
           </a:p>
         </p:txBody>
       </p:sp>
+      <p:pic>
+        <p:nvPicPr>
+          <p:cNvPr id="5138" name="Picture 18">
+            <a:extLst>
+              <a:ext uri="{FF2B5EF4-FFF2-40B4-BE49-F238E27FC236}">
+                <a16:creationId xmlns:a16="http://schemas.microsoft.com/office/drawing/2014/main" id="{85E0DC11-A162-4167-15E4-791D256F2D27}"/>
+              </a:ext>
+            </a:extLst>
+          </p:cNvPr>
+          <p:cNvPicPr>
+            <a:picLocks noChangeAspect="1" noChangeArrowheads="1"/>
+          </p:cNvPicPr>
+          <p:nvPr/>
+        </p:nvPicPr>
+        <p:blipFill>
+          <a:blip r:embed="rId2">
+            <a:extLst>
+              <a:ext uri="{28A0092B-C50C-407E-A947-70E740481C1C}">
+                <a14:useLocalDpi xmlns:a14="http://schemas.microsoft.com/office/drawing/2010/main" val="0"/>
+              </a:ext>
+            </a:extLst>
+          </a:blip>
+          <a:srcRect/>
+          <a:stretch>
+            <a:fillRect/>
+          </a:stretch>
+        </p:blipFill>
+        <p:spPr bwMode="auto">
+          <a:xfrm>
+            <a:off x="211734" y="2013888"/>
+            <a:ext cx="5172253" cy="3494457"/>
+          </a:xfrm>
+          <a:prstGeom prst="rect">
+            <a:avLst/>
+          </a:prstGeom>
+          <a:noFill/>
+          <a:extLst>
+            <a:ext uri="{909E8E84-426E-40DD-AFC4-6F175D3DCCD1}">
+              <a14:hiddenFill xmlns:a14="http://schemas.microsoft.com/office/drawing/2010/main">
+                <a:solidFill>
+                  <a:srgbClr val="FFFFFF"/>
+                </a:solidFill>
+              </a14:hiddenFill>
+            </a:ext>
+          </a:extLst>
+        </p:spPr>
+      </p:pic>
+      <p:pic>
+        <p:nvPicPr>
+          <p:cNvPr id="7170" name="Picture 2">
+            <a:extLst>
+              <a:ext uri="{FF2B5EF4-FFF2-40B4-BE49-F238E27FC236}">
+                <a16:creationId xmlns:a16="http://schemas.microsoft.com/office/drawing/2014/main" id="{5A6D50B1-06E5-BE26-255D-E72F3B688578}"/>
+              </a:ext>
+            </a:extLst>
+          </p:cNvPr>
+          <p:cNvPicPr>
+            <a:picLocks noChangeAspect="1" noChangeArrowheads="1"/>
+          </p:cNvPicPr>
+          <p:nvPr/>
+        </p:nvPicPr>
+        <p:blipFill>
+          <a:blip r:embed="rId3">
+            <a:extLst>
+              <a:ext uri="{28A0092B-C50C-407E-A947-70E740481C1C}">
+                <a14:useLocalDpi xmlns:a14="http://schemas.microsoft.com/office/drawing/2010/main" val="0"/>
+              </a:ext>
+            </a:extLst>
+          </a:blip>
+          <a:srcRect/>
+          <a:stretch>
+            <a:fillRect/>
+          </a:stretch>
+        </p:blipFill>
+        <p:spPr bwMode="auto">
+          <a:xfrm>
+            <a:off x="5833833" y="2013888"/>
+            <a:ext cx="5446205" cy="3494457"/>
+          </a:xfrm>
+          <a:prstGeom prst="rect">
+            <a:avLst/>
+          </a:prstGeom>
+          <a:noFill/>
+          <a:extLst>
+            <a:ext uri="{909E8E84-426E-40DD-AFC4-6F175D3DCCD1}">
+              <a14:hiddenFill xmlns:a14="http://schemas.microsoft.com/office/drawing/2010/main">
+                <a:solidFill>
+                  <a:srgbClr val="FFFFFF"/>
+                </a:solidFill>
+              </a14:hiddenFill>
+            </a:ext>
+          </a:extLst>
+        </p:spPr>
+      </p:pic>
       <p:sp>
         <p:nvSpPr>
-          <p:cNvPr id="12" name="TextBox 11">
+          <p:cNvPr id="3" name="TextBox 2">
             <a:extLst>
               <a:ext uri="{FF2B5EF4-FFF2-40B4-BE49-F238E27FC236}">
-                <a16:creationId xmlns:a16="http://schemas.microsoft.com/office/drawing/2014/main" id="{2B79234C-C232-1F79-1575-EF386CC9FAA4}"/>
+                <a16:creationId xmlns:a16="http://schemas.microsoft.com/office/drawing/2014/main" id="{E26AA9A3-FFE6-17A6-9DEF-333FF4194B6F}"/>
               </a:ext>
             </a:extLst>
           </p:cNvPr>
@@ -13403,8 +10976,8 @@
         </p:nvSpPr>
         <p:spPr>
           <a:xfrm>
-            <a:off x="358444" y="1894636"/>
-            <a:ext cx="10885018" cy="2957861"/>
+            <a:off x="2715490" y="5652780"/>
+            <a:ext cx="7372925" cy="400110"/>
           </a:xfrm>
           <a:prstGeom prst="rect">
             <a:avLst/>
@@ -13417,185 +10990,9 @@
           </a:bodyPr>
           <a:lstStyle/>
           <a:p>
-            <a:pPr marL="285750" indent="-285750">
-              <a:lnSpc>
-                <a:spcPct val="150000"/>
-              </a:lnSpc>
-              <a:buFont typeface="Arial" panose="020B0604020202020204" pitchFamily="34" charset="0"/>
-              <a:buChar char="•"/>
-            </a:pPr>
-            <a:r>
-              <a:rPr lang="en-US" dirty="0">
-                <a:latin typeface="Calibri" panose="020F0502020204030204" pitchFamily="34" charset="0"/>
-                <a:ea typeface="Calibri" panose="020F0502020204030204" pitchFamily="34" charset="0"/>
-                <a:cs typeface="Calibri" panose="020F0502020204030204" pitchFamily="34" charset="0"/>
-              </a:rPr>
-              <a:t>Dropped the 1140 records whose loan status is ‘Current’ as the loan in-progress will not provide any insights for the analysis</a:t>
-            </a:r>
-          </a:p>
-          <a:p>
-            <a:pPr marL="285750" indent="-285750">
-              <a:lnSpc>
-                <a:spcPct val="150000"/>
-              </a:lnSpc>
-              <a:buFont typeface="Arial" panose="020B0604020202020204" pitchFamily="34" charset="0"/>
-              <a:buChar char="•"/>
-            </a:pPr>
-            <a:r>
-              <a:rPr lang="en-US" dirty="0">
-                <a:latin typeface="Calibri" panose="020F0502020204030204" pitchFamily="34" charset="0"/>
-                <a:ea typeface="Calibri" panose="020F0502020204030204" pitchFamily="34" charset="0"/>
-                <a:cs typeface="Calibri" panose="020F0502020204030204" pitchFamily="34" charset="0"/>
-              </a:rPr>
-              <a:t>Dropped 697 records as </a:t>
-            </a:r>
-            <a:r>
-              <a:rPr lang="en-US" dirty="0" err="1">
-                <a:latin typeface="Calibri" panose="020F0502020204030204" pitchFamily="34" charset="0"/>
-                <a:ea typeface="Calibri" panose="020F0502020204030204" pitchFamily="34" charset="0"/>
-                <a:cs typeface="Calibri" panose="020F0502020204030204" pitchFamily="34" charset="0"/>
-              </a:rPr>
-              <a:t>pub_rec_bankruptcies</a:t>
-            </a:r>
-            <a:r>
-              <a:rPr lang="en-US" dirty="0">
-                <a:latin typeface="Calibri" panose="020F0502020204030204" pitchFamily="34" charset="0"/>
-                <a:ea typeface="Calibri" panose="020F0502020204030204" pitchFamily="34" charset="0"/>
-                <a:cs typeface="Calibri" panose="020F0502020204030204" pitchFamily="34" charset="0"/>
-              </a:rPr>
-              <a:t> values are null and they cannot be imputed.</a:t>
-            </a:r>
-          </a:p>
-          <a:p>
-            <a:pPr marL="285750" indent="-285750">
-              <a:lnSpc>
-                <a:spcPct val="150000"/>
-              </a:lnSpc>
-              <a:buFont typeface="Arial" panose="020B0604020202020204" pitchFamily="34" charset="0"/>
-              <a:buChar char="•"/>
-            </a:pPr>
-            <a:r>
-              <a:rPr lang="en-US" dirty="0">
-                <a:latin typeface="Calibri" panose="020F0502020204030204" pitchFamily="34" charset="0"/>
-                <a:ea typeface="Calibri" panose="020F0502020204030204" pitchFamily="34" charset="0"/>
-                <a:cs typeface="Calibri" panose="020F0502020204030204" pitchFamily="34" charset="0"/>
-              </a:rPr>
-              <a:t>Imputed </a:t>
-            </a:r>
-            <a:r>
-              <a:rPr lang="en-US" dirty="0" err="1">
-                <a:latin typeface="Calibri" panose="020F0502020204030204" pitchFamily="34" charset="0"/>
-                <a:ea typeface="Calibri" panose="020F0502020204030204" pitchFamily="34" charset="0"/>
-                <a:cs typeface="Calibri" panose="020F0502020204030204" pitchFamily="34" charset="0"/>
-              </a:rPr>
-              <a:t>emp_length</a:t>
-            </a:r>
-            <a:r>
-              <a:rPr lang="en-US" dirty="0">
-                <a:latin typeface="Calibri" panose="020F0502020204030204" pitchFamily="34" charset="0"/>
-                <a:ea typeface="Calibri" panose="020F0502020204030204" pitchFamily="34" charset="0"/>
-                <a:cs typeface="Calibri" panose="020F0502020204030204" pitchFamily="34" charset="0"/>
-              </a:rPr>
-              <a:t> column with the mode of the same and converted in to Integer data type.</a:t>
-            </a:r>
-          </a:p>
-          <a:p>
-            <a:pPr marL="285750" indent="-285750">
-              <a:lnSpc>
-                <a:spcPct val="150000"/>
-              </a:lnSpc>
-              <a:buFont typeface="Arial" panose="020B0604020202020204" pitchFamily="34" charset="0"/>
-              <a:buChar char="•"/>
-            </a:pPr>
-            <a:r>
-              <a:rPr lang="en-US" dirty="0">
-                <a:latin typeface="Calibri" panose="020F0502020204030204" pitchFamily="34" charset="0"/>
-                <a:ea typeface="Calibri" panose="020F0502020204030204" pitchFamily="34" charset="0"/>
-                <a:cs typeface="Calibri" panose="020F0502020204030204" pitchFamily="34" charset="0"/>
-              </a:rPr>
-              <a:t>Converted interest rate column into float data type</a:t>
-            </a:r>
-          </a:p>
-          <a:p>
-            <a:pPr marL="285750" indent="-285750">
-              <a:lnSpc>
-                <a:spcPct val="150000"/>
-              </a:lnSpc>
-              <a:buFont typeface="Arial" panose="020B0604020202020204" pitchFamily="34" charset="0"/>
-              <a:buChar char="•"/>
-            </a:pPr>
-            <a:r>
-              <a:rPr lang="en-US" dirty="0">
-                <a:latin typeface="Calibri" panose="020F0502020204030204" pitchFamily="34" charset="0"/>
-                <a:ea typeface="Calibri" panose="020F0502020204030204" pitchFamily="34" charset="0"/>
-                <a:cs typeface="Calibri" panose="020F0502020204030204" pitchFamily="34" charset="0"/>
-              </a:rPr>
-              <a:t>Converted term column into Integer data type</a:t>
-            </a:r>
-          </a:p>
-          <a:p>
-            <a:pPr marL="285750" indent="-285750">
-              <a:lnSpc>
-                <a:spcPct val="150000"/>
-              </a:lnSpc>
-              <a:buFont typeface="Arial" panose="020B0604020202020204" pitchFamily="34" charset="0"/>
-              <a:buChar char="•"/>
-            </a:pPr>
-            <a:r>
-              <a:rPr lang="en-US" dirty="0">
-                <a:latin typeface="Calibri" panose="020F0502020204030204" pitchFamily="34" charset="0"/>
-                <a:ea typeface="Calibri" panose="020F0502020204030204" pitchFamily="34" charset="0"/>
-                <a:cs typeface="Calibri" panose="020F0502020204030204" pitchFamily="34" charset="0"/>
-              </a:rPr>
-              <a:t>Derived new columns </a:t>
-            </a:r>
-            <a:r>
-              <a:rPr lang="en-US" dirty="0" err="1">
-                <a:latin typeface="Calibri" panose="020F0502020204030204" pitchFamily="34" charset="0"/>
-                <a:ea typeface="Calibri" panose="020F0502020204030204" pitchFamily="34" charset="0"/>
-                <a:cs typeface="Calibri" panose="020F0502020204030204" pitchFamily="34" charset="0"/>
-              </a:rPr>
-              <a:t>Issued_month</a:t>
-            </a:r>
-            <a:r>
-              <a:rPr lang="en-US" dirty="0">
-                <a:latin typeface="Calibri" panose="020F0502020204030204" pitchFamily="34" charset="0"/>
-                <a:ea typeface="Calibri" panose="020F0502020204030204" pitchFamily="34" charset="0"/>
-                <a:cs typeface="Calibri" panose="020F0502020204030204" pitchFamily="34" charset="0"/>
-              </a:rPr>
-              <a:t> and </a:t>
-            </a:r>
-            <a:r>
-              <a:rPr lang="en-US" dirty="0" err="1">
-                <a:latin typeface="Calibri" panose="020F0502020204030204" pitchFamily="34" charset="0"/>
-                <a:ea typeface="Calibri" panose="020F0502020204030204" pitchFamily="34" charset="0"/>
-                <a:cs typeface="Calibri" panose="020F0502020204030204" pitchFamily="34" charset="0"/>
-              </a:rPr>
-              <a:t>Issued_year</a:t>
-            </a:r>
-            <a:r>
-              <a:rPr lang="en-US" dirty="0">
-                <a:latin typeface="Calibri" panose="020F0502020204030204" pitchFamily="34" charset="0"/>
-                <a:ea typeface="Calibri" panose="020F0502020204030204" pitchFamily="34" charset="0"/>
-                <a:cs typeface="Calibri" panose="020F0502020204030204" pitchFamily="34" charset="0"/>
-              </a:rPr>
-              <a:t> from </a:t>
-            </a:r>
-            <a:r>
-              <a:rPr lang="en-US" dirty="0" err="1">
-                <a:latin typeface="Calibri" panose="020F0502020204030204" pitchFamily="34" charset="0"/>
-                <a:ea typeface="Calibri" panose="020F0502020204030204" pitchFamily="34" charset="0"/>
-                <a:cs typeface="Calibri" panose="020F0502020204030204" pitchFamily="34" charset="0"/>
-              </a:rPr>
-              <a:t>issue_d</a:t>
-            </a:r>
-            <a:r>
-              <a:rPr lang="en-US" dirty="0">
-                <a:latin typeface="Calibri" panose="020F0502020204030204" pitchFamily="34" charset="0"/>
-                <a:ea typeface="Calibri" panose="020F0502020204030204" pitchFamily="34" charset="0"/>
-                <a:cs typeface="Calibri" panose="020F0502020204030204" pitchFamily="34" charset="0"/>
-              </a:rPr>
-              <a:t> column</a:t>
+            <a:r>
+              <a:rPr lang="en-US" sz="2000" dirty="0"/>
+              <a:t>Home Ownership and purpose with Loan Amount combination</a:t>
             </a:r>
           </a:p>
         </p:txBody>
@@ -13603,7 +11000,7 @@
     </p:spTree>
     <p:extLst>
       <p:ext uri="{BB962C8B-B14F-4D97-AF65-F5344CB8AC3E}">
-        <p14:creationId xmlns:p14="http://schemas.microsoft.com/office/powerpoint/2010/main" val="3932091432"/>
+        <p14:creationId xmlns:p14="http://schemas.microsoft.com/office/powerpoint/2010/main" val="3983844831"/>
       </p:ext>
     </p:extLst>
   </p:cSld>
@@ -13635,7 +11032,7 @@
           <p:cNvPr id="2" name="Title 1">
             <a:extLst>
               <a:ext uri="{FF2B5EF4-FFF2-40B4-BE49-F238E27FC236}">
-                <a16:creationId xmlns:a16="http://schemas.microsoft.com/office/drawing/2014/main" id="{3ED85A07-1DC5-AD6D-5439-329A789E4A28}"/>
+                <a16:creationId xmlns:a16="http://schemas.microsoft.com/office/drawing/2014/main" id="{2EE5D0EA-2C09-70ED-DCB2-166E0AA65174}"/>
               </a:ext>
             </a:extLst>
           </p:cNvPr>
@@ -13646,16 +11043,9 @@
             <p:ph type="title"/>
           </p:nvPr>
         </p:nvSpPr>
-        <p:spPr>
-          <a:xfrm>
-            <a:off x="1498120" y="577747"/>
-            <a:ext cx="9520158" cy="1049235"/>
-          </a:xfrm>
-        </p:spPr>
+        <p:spPr/>
         <p:txBody>
-          <a:bodyPr>
-            <a:normAutofit/>
-          </a:bodyPr>
+          <a:bodyPr/>
           <a:lstStyle/>
           <a:p>
             <a:r>
@@ -13664,165 +11054,17 @@
                   <a:srgbClr val="0070C0"/>
                 </a:solidFill>
               </a:rPr>
-              <a:t>Data Standardization(Cont.)</a:t>
-            </a:r>
-          </a:p>
-        </p:txBody>
-      </p:sp>
-      <p:sp>
-        <p:nvSpPr>
-          <p:cNvPr id="12" name="TextBox 11">
-            <a:extLst>
-              <a:ext uri="{FF2B5EF4-FFF2-40B4-BE49-F238E27FC236}">
-                <a16:creationId xmlns:a16="http://schemas.microsoft.com/office/drawing/2014/main" id="{2B79234C-C232-1F79-1575-EF386CC9FAA4}"/>
-              </a:ext>
-            </a:extLst>
-          </p:cNvPr>
-          <p:cNvSpPr txBox="1"/>
-          <p:nvPr/>
-        </p:nvSpPr>
-        <p:spPr>
-          <a:xfrm>
-            <a:off x="358444" y="1894636"/>
-            <a:ext cx="7980213" cy="4204356"/>
-          </a:xfrm>
-          <a:prstGeom prst="rect">
-            <a:avLst/>
-          </a:prstGeom>
-          <a:noFill/>
-        </p:spPr>
-        <p:txBody>
-          <a:bodyPr wrap="square" rtlCol="0">
-            <a:spAutoFit/>
-          </a:bodyPr>
-          <a:lstStyle/>
-          <a:p>
-            <a:pPr marL="285750" indent="-285750">
-              <a:lnSpc>
-                <a:spcPct val="150000"/>
-              </a:lnSpc>
-              <a:buFont typeface="Arial" panose="020B0604020202020204" pitchFamily="34" charset="0"/>
-              <a:buChar char="•"/>
-            </a:pPr>
-            <a:r>
-              <a:rPr lang="en-US" dirty="0">
-                <a:latin typeface="Calibri" panose="020F0502020204030204" pitchFamily="34" charset="0"/>
-                <a:ea typeface="Calibri" panose="020F0502020204030204" pitchFamily="34" charset="0"/>
-                <a:cs typeface="Calibri" panose="020F0502020204030204" pitchFamily="34" charset="0"/>
-              </a:rPr>
-              <a:t>Outlier Filtering:</a:t>
-            </a:r>
-          </a:p>
-          <a:p>
-            <a:pPr marL="742950" lvl="1" indent="-285750">
-              <a:lnSpc>
-                <a:spcPct val="150000"/>
-              </a:lnSpc>
-              <a:buFont typeface="Arial" panose="020B0604020202020204" pitchFamily="34" charset="0"/>
-              <a:buChar char="•"/>
-            </a:pPr>
-            <a:r>
-              <a:rPr lang="en-US" dirty="0">
-                <a:latin typeface="Calibri" panose="020F0502020204030204" pitchFamily="34" charset="0"/>
-                <a:ea typeface="Calibri" panose="020F0502020204030204" pitchFamily="34" charset="0"/>
-                <a:cs typeface="Calibri" panose="020F0502020204030204" pitchFamily="34" charset="0"/>
-              </a:rPr>
-              <a:t>Calculated Inter-Quartile Range based on the annual income and filtered the records outside the lower and upper bound range.</a:t>
-            </a:r>
-          </a:p>
-          <a:p>
-            <a:pPr marL="742950" lvl="1" indent="-285750">
-              <a:lnSpc>
-                <a:spcPct val="150000"/>
-              </a:lnSpc>
-              <a:buFont typeface="Arial" panose="020B0604020202020204" pitchFamily="34" charset="0"/>
-              <a:buChar char="•"/>
-            </a:pPr>
-            <a:r>
-              <a:rPr lang="en-US" dirty="0">
-                <a:latin typeface="Calibri" panose="020F0502020204030204" pitchFamily="34" charset="0"/>
-                <a:ea typeface="Calibri" panose="020F0502020204030204" pitchFamily="34" charset="0"/>
-                <a:cs typeface="Calibri" panose="020F0502020204030204" pitchFamily="34" charset="0"/>
-              </a:rPr>
-              <a:t> The loan amount of most of the loan applicants is in between 5000 and 15000 USD. </a:t>
-            </a:r>
-          </a:p>
-          <a:p>
-            <a:pPr marL="742950" lvl="1" indent="-285750">
-              <a:lnSpc>
-                <a:spcPct val="150000"/>
-              </a:lnSpc>
-              <a:buFont typeface="Arial" panose="020B0604020202020204" pitchFamily="34" charset="0"/>
-              <a:buChar char="•"/>
-            </a:pPr>
-            <a:r>
-              <a:rPr lang="en-US" dirty="0">
-                <a:latin typeface="Calibri" panose="020F0502020204030204" pitchFamily="34" charset="0"/>
-                <a:ea typeface="Calibri" panose="020F0502020204030204" pitchFamily="34" charset="0"/>
-                <a:cs typeface="Calibri" panose="020F0502020204030204" pitchFamily="34" charset="0"/>
-              </a:rPr>
-              <a:t>The interest rate on the loan is between 8.5% - 14.5% </a:t>
-            </a:r>
-          </a:p>
-          <a:p>
-            <a:pPr marL="742950" lvl="1" indent="-285750">
-              <a:lnSpc>
-                <a:spcPct val="150000"/>
-              </a:lnSpc>
-              <a:buFont typeface="Arial" panose="020B0604020202020204" pitchFamily="34" charset="0"/>
-              <a:buChar char="•"/>
-            </a:pPr>
-            <a:r>
-              <a:rPr lang="en-US" dirty="0">
-                <a:latin typeface="Calibri" panose="020F0502020204030204" pitchFamily="34" charset="0"/>
-                <a:ea typeface="Calibri" panose="020F0502020204030204" pitchFamily="34" charset="0"/>
-                <a:cs typeface="Calibri" panose="020F0502020204030204" pitchFamily="34" charset="0"/>
-              </a:rPr>
-              <a:t>EMI amount on the loan is between 180 - 420 </a:t>
-            </a:r>
-          </a:p>
-          <a:p>
-            <a:pPr marL="742950" lvl="1" indent="-285750">
-              <a:lnSpc>
-                <a:spcPct val="150000"/>
-              </a:lnSpc>
-              <a:buFont typeface="Arial" panose="020B0604020202020204" pitchFamily="34" charset="0"/>
-              <a:buChar char="•"/>
-            </a:pPr>
-            <a:r>
-              <a:rPr lang="en-US" dirty="0">
-                <a:latin typeface="Calibri" panose="020F0502020204030204" pitchFamily="34" charset="0"/>
-                <a:ea typeface="Calibri" panose="020F0502020204030204" pitchFamily="34" charset="0"/>
-                <a:cs typeface="Calibri" panose="020F0502020204030204" pitchFamily="34" charset="0"/>
-              </a:rPr>
-              <a:t>The debt to income ratio is between 8 - 18</a:t>
-            </a:r>
-          </a:p>
-          <a:p>
-            <a:pPr marL="285750" indent="-285750">
-              <a:lnSpc>
-                <a:spcPct val="150000"/>
-              </a:lnSpc>
-              <a:buFont typeface="Arial" panose="020B0604020202020204" pitchFamily="34" charset="0"/>
-              <a:buChar char="•"/>
-            </a:pPr>
-            <a:r>
-              <a:rPr lang="en-US" dirty="0">
-                <a:latin typeface="Calibri" panose="020F0502020204030204" pitchFamily="34" charset="0"/>
-                <a:ea typeface="Calibri" panose="020F0502020204030204" pitchFamily="34" charset="0"/>
-                <a:cs typeface="Calibri" panose="020F0502020204030204" pitchFamily="34" charset="0"/>
-              </a:rPr>
-              <a:t>Data standardization process has filtered 3623 rows with the final data set contains 36094 records.</a:t>
+              <a:t>Bivariate Segmented Analysis</a:t>
             </a:r>
           </a:p>
         </p:txBody>
       </p:sp>
       <p:pic>
         <p:nvPicPr>
-          <p:cNvPr id="1026" name="Picture 2">
+          <p:cNvPr id="11266" name="Picture 2">
             <a:extLst>
               <a:ext uri="{FF2B5EF4-FFF2-40B4-BE49-F238E27FC236}">
-                <a16:creationId xmlns:a16="http://schemas.microsoft.com/office/drawing/2014/main" id="{D6FDFD41-C02B-BE71-C7EA-25DBB2813476}"/>
+                <a16:creationId xmlns:a16="http://schemas.microsoft.com/office/drawing/2014/main" id="{2978DBA2-B19A-0055-8A52-8CB38FE3C8EC}"/>
               </a:ext>
             </a:extLst>
           </p:cNvPr>
@@ -13846,8 +11088,8 @@
         </p:blipFill>
         <p:spPr bwMode="auto">
           <a:xfrm>
-            <a:off x="8413207" y="2328119"/>
-            <a:ext cx="3286125" cy="2705100"/>
+            <a:off x="1357644" y="1974848"/>
+            <a:ext cx="4077550" cy="3613966"/>
           </a:xfrm>
           <a:prstGeom prst="rect">
             <a:avLst/>
@@ -13864,10 +11106,118 @@
           </a:extLst>
         </p:spPr>
       </p:pic>
+      <p:sp>
+        <p:nvSpPr>
+          <p:cNvPr id="3" name="TextBox 2">
+            <a:extLst>
+              <a:ext uri="{FF2B5EF4-FFF2-40B4-BE49-F238E27FC236}">
+                <a16:creationId xmlns:a16="http://schemas.microsoft.com/office/drawing/2014/main" id="{F6BCAA40-6968-C0A3-1179-8A767466D327}"/>
+              </a:ext>
+            </a:extLst>
+          </p:cNvPr>
+          <p:cNvSpPr txBox="1"/>
+          <p:nvPr/>
+        </p:nvSpPr>
+        <p:spPr>
+          <a:xfrm>
+            <a:off x="5652655" y="1974848"/>
+            <a:ext cx="5221778" cy="3365537"/>
+          </a:xfrm>
+          <a:prstGeom prst="rect">
+            <a:avLst/>
+          </a:prstGeom>
+          <a:noFill/>
+          <a:ln>
+            <a:solidFill>
+              <a:schemeClr val="tx1"/>
+            </a:solidFill>
+          </a:ln>
+        </p:spPr>
+        <p:txBody>
+          <a:bodyPr wrap="square" rtlCol="0">
+            <a:spAutoFit/>
+          </a:bodyPr>
+          <a:lstStyle/>
+          <a:p>
+            <a:pPr marL="285750" indent="-285750">
+              <a:lnSpc>
+                <a:spcPct val="150000"/>
+              </a:lnSpc>
+              <a:buFont typeface="Arial" panose="020B0604020202020204" pitchFamily="34" charset="0"/>
+              <a:buChar char="•"/>
+            </a:pPr>
+            <a:r>
+              <a:rPr lang="en-US" dirty="0"/>
+              <a:t>“Charged Off” loans are likely to happen if the applicants annual income is over 70k and interest rate is between 21-24%</a:t>
+            </a:r>
+          </a:p>
+          <a:p>
+            <a:pPr marL="285750" indent="-285750">
+              <a:lnSpc>
+                <a:spcPct val="150000"/>
+              </a:lnSpc>
+              <a:buFont typeface="Arial" panose="020B0604020202020204" pitchFamily="34" charset="0"/>
+              <a:buChar char="•"/>
+            </a:pPr>
+            <a:r>
+              <a:rPr lang="en-US" dirty="0"/>
+              <a:t>“Charged Off” loans are likely to happen if the Loan amount is over 15k and interest rate is between 21-24%</a:t>
+            </a:r>
+          </a:p>
+          <a:p>
+            <a:pPr marL="285750" indent="-285750">
+              <a:lnSpc>
+                <a:spcPct val="150000"/>
+              </a:lnSpc>
+              <a:buFont typeface="Arial" panose="020B0604020202020204" pitchFamily="34" charset="0"/>
+              <a:buChar char="•"/>
+            </a:pPr>
+            <a:r>
+              <a:rPr lang="en-US" dirty="0"/>
+              <a:t>“Charged Off” loans are likely to happen with F &amp; G grades if the interest rate is over 20%</a:t>
+            </a:r>
+          </a:p>
+        </p:txBody>
+      </p:sp>
+      <p:sp>
+        <p:nvSpPr>
+          <p:cNvPr id="4" name="TextBox 3">
+            <a:extLst>
+              <a:ext uri="{FF2B5EF4-FFF2-40B4-BE49-F238E27FC236}">
+                <a16:creationId xmlns:a16="http://schemas.microsoft.com/office/drawing/2014/main" id="{E4F0016A-654E-A25D-8B9E-78A39A288AE8}"/>
+              </a:ext>
+            </a:extLst>
+          </p:cNvPr>
+          <p:cNvSpPr txBox="1"/>
+          <p:nvPr/>
+        </p:nvSpPr>
+        <p:spPr>
+          <a:xfrm>
+            <a:off x="2315439" y="5703191"/>
+            <a:ext cx="2159580" cy="246221"/>
+          </a:xfrm>
+          <a:prstGeom prst="rect">
+            <a:avLst/>
+          </a:prstGeom>
+          <a:noFill/>
+        </p:spPr>
+        <p:txBody>
+          <a:bodyPr wrap="square" rtlCol="0">
+            <a:spAutoFit/>
+          </a:bodyPr>
+          <a:lstStyle/>
+          <a:p>
+            <a:r>
+              <a:rPr lang="en-US" sz="1000" dirty="0"/>
+              <a:t>Grade and Interest rate combination</a:t>
+            </a:r>
+          </a:p>
+        </p:txBody>
+      </p:sp>
     </p:spTree>
     <p:extLst>
       <p:ext uri="{BB962C8B-B14F-4D97-AF65-F5344CB8AC3E}">
-        <p14:creationId xmlns:p14="http://schemas.microsoft.com/office/powerpoint/2010/main" val="2635233577"/>
+        <p14:creationId xmlns:p14="http://schemas.microsoft.com/office/powerpoint/2010/main" val="2768458044"/>
       </p:ext>
     </p:extLst>
   </p:cSld>
@@ -13896,47 +11246,87 @@
       </p:grpSpPr>
       <p:sp>
         <p:nvSpPr>
-          <p:cNvPr id="2" name="TextBox 1">
+          <p:cNvPr id="2" name="Title 1">
             <a:extLst>
               <a:ext uri="{FF2B5EF4-FFF2-40B4-BE49-F238E27FC236}">
-                <a16:creationId xmlns:a16="http://schemas.microsoft.com/office/drawing/2014/main" id="{917E5EB2-3034-F8B3-3645-3E8C3B15CDFE}"/>
+                <a16:creationId xmlns:a16="http://schemas.microsoft.com/office/drawing/2014/main" id="{2EE5D0EA-2C09-70ED-DCB2-166E0AA65174}"/>
               </a:ext>
             </a:extLst>
           </p:cNvPr>
-          <p:cNvSpPr txBox="1"/>
+          <p:cNvSpPr>
+            <a:spLocks noGrp="1"/>
+          </p:cNvSpPr>
+          <p:nvPr>
+            <p:ph type="title"/>
+          </p:nvPr>
+        </p:nvSpPr>
+        <p:spPr/>
+        <p:txBody>
+          <a:bodyPr/>
+          <a:lstStyle/>
+          <a:p>
+            <a:r>
+              <a:rPr lang="en-US" sz="4000" dirty="0">
+                <a:solidFill>
+                  <a:srgbClr val="0070C0"/>
+                </a:solidFill>
+              </a:rPr>
+              <a:t>Multivariate Analysis</a:t>
+            </a:r>
+          </a:p>
+        </p:txBody>
+      </p:sp>
+      <p:pic>
+        <p:nvPicPr>
+          <p:cNvPr id="16386" name="Picture 2">
+            <a:extLst>
+              <a:ext uri="{FF2B5EF4-FFF2-40B4-BE49-F238E27FC236}">
+                <a16:creationId xmlns:a16="http://schemas.microsoft.com/office/drawing/2014/main" id="{5F79C304-2358-79BD-F9BC-23454620F7FE}"/>
+              </a:ext>
+            </a:extLst>
+          </p:cNvPr>
+          <p:cNvPicPr>
+            <a:picLocks noChangeAspect="1" noChangeArrowheads="1"/>
+          </p:cNvPicPr>
           <p:nvPr/>
-        </p:nvSpPr>
-        <p:spPr>
+        </p:nvPicPr>
+        <p:blipFill>
+          <a:blip r:embed="rId2">
+            <a:extLst>
+              <a:ext uri="{28A0092B-C50C-407E-A947-70E740481C1C}">
+                <a14:useLocalDpi xmlns:a14="http://schemas.microsoft.com/office/drawing/2010/main" val="0"/>
+              </a:ext>
+            </a:extLst>
+          </a:blip>
+          <a:srcRect/>
+          <a:stretch>
+            <a:fillRect/>
+          </a:stretch>
+        </p:blipFill>
+        <p:spPr bwMode="auto">
           <a:xfrm>
-            <a:off x="2798618" y="2092036"/>
-            <a:ext cx="5583382" cy="923330"/>
+            <a:off x="136740" y="1929468"/>
+            <a:ext cx="11979479" cy="4198282"/>
           </a:xfrm>
           <a:prstGeom prst="rect">
             <a:avLst/>
           </a:prstGeom>
           <a:noFill/>
+          <a:extLst>
+            <a:ext uri="{909E8E84-426E-40DD-AFC4-6F175D3DCCD1}">
+              <a14:hiddenFill xmlns:a14="http://schemas.microsoft.com/office/drawing/2010/main">
+                <a:solidFill>
+                  <a:srgbClr val="FFFFFF"/>
+                </a:solidFill>
+              </a14:hiddenFill>
+            </a:ext>
+          </a:extLst>
         </p:spPr>
-        <p:txBody>
-          <a:bodyPr wrap="square" rtlCol="0">
-            <a:spAutoFit/>
-          </a:bodyPr>
-          <a:lstStyle/>
-          <a:p>
-            <a:r>
-              <a:rPr lang="en-US" sz="5400" dirty="0">
-                <a:solidFill>
-                  <a:srgbClr val="002060"/>
-                </a:solidFill>
-              </a:rPr>
-              <a:t>DATA ANALYSIS</a:t>
-            </a:r>
-          </a:p>
-        </p:txBody>
-      </p:sp>
+      </p:pic>
     </p:spTree>
     <p:extLst>
       <p:ext uri="{BB962C8B-B14F-4D97-AF65-F5344CB8AC3E}">
-        <p14:creationId xmlns:p14="http://schemas.microsoft.com/office/powerpoint/2010/main" val="3950220077"/>
+        <p14:creationId xmlns:p14="http://schemas.microsoft.com/office/powerpoint/2010/main" val="1790691168"/>
       </p:ext>
     </p:extLst>
   </p:cSld>
